--- a/diploma.pptx
+++ b/diploma.pptx
@@ -18,7 +18,7 @@
     <p:sldId id="263" r:id="rId9"/>
     <p:sldId id="264" r:id="rId10"/>
     <p:sldId id="265" r:id="rId11"/>
-    <p:sldId id="268" r:id="rId12"/>
+    <p:sldId id="273" r:id="rId12"/>
     <p:sldId id="266" r:id="rId13"/>
     <p:sldId id="267" r:id="rId14"/>
     <p:sldId id="269" r:id="rId15"/>
@@ -714,7 +714,7 @@
           <a:p>
             <a:fld id="{177111D7-6A88-43D8-A3A4-5217C41232E0}" type="slidenum">
               <a:rPr lang="ru-RU" smtClean="0"/>
-              <a:t>13</a:t>
+              <a:t>11</a:t>
             </a:fld>
             <a:endParaRPr lang="ru-RU"/>
           </a:p>
@@ -723,7 +723,7 @@
     </p:spTree>
     <p:extLst>
       <p:ext uri="{BB962C8B-B14F-4D97-AF65-F5344CB8AC3E}">
-        <p14:creationId xmlns:p14="http://schemas.microsoft.com/office/powerpoint/2010/main" val="465435672"/>
+        <p14:creationId xmlns:p14="http://schemas.microsoft.com/office/powerpoint/2010/main" val="4182586823"/>
       </p:ext>
     </p:extLst>
   </p:cSld>
@@ -798,6 +798,90 @@
           <a:p>
             <a:fld id="{177111D7-6A88-43D8-A3A4-5217C41232E0}" type="slidenum">
               <a:rPr lang="ru-RU" smtClean="0"/>
+              <a:t>13</a:t>
+            </a:fld>
+            <a:endParaRPr lang="ru-RU"/>
+          </a:p>
+        </p:txBody>
+      </p:sp>
+    </p:spTree>
+    <p:extLst>
+      <p:ext uri="{BB962C8B-B14F-4D97-AF65-F5344CB8AC3E}">
+        <p14:creationId xmlns:p14="http://schemas.microsoft.com/office/powerpoint/2010/main" val="465435672"/>
+      </p:ext>
+    </p:extLst>
+  </p:cSld>
+  <p:clrMapOvr>
+    <a:masterClrMapping/>
+  </p:clrMapOvr>
+</p:notes>
+</file>
+
+<file path=ppt/notesSlides/notesSlide5.xml><?xml version="1.0" encoding="utf-8"?>
+<p:notes xmlns:a="http://schemas.openxmlformats.org/drawingml/2006/main" xmlns:r="http://schemas.openxmlformats.org/officeDocument/2006/relationships" xmlns:p="http://schemas.openxmlformats.org/presentationml/2006/main">
+  <p:cSld>
+    <p:spTree>
+      <p:nvGrpSpPr>
+        <p:cNvPr id="1" name=""/>
+        <p:cNvGrpSpPr/>
+        <p:nvPr/>
+      </p:nvGrpSpPr>
+      <p:grpSpPr>
+        <a:xfrm>
+          <a:off x="0" y="0"/>
+          <a:ext cx="0" cy="0"/>
+          <a:chOff x="0" y="0"/>
+          <a:chExt cx="0" cy="0"/>
+        </a:xfrm>
+      </p:grpSpPr>
+      <p:sp>
+        <p:nvSpPr>
+          <p:cNvPr id="2" name="Slide Image Placeholder 1"/>
+          <p:cNvSpPr>
+            <a:spLocks noGrp="1" noRot="1" noChangeAspect="1"/>
+          </p:cNvSpPr>
+          <p:nvPr>
+            <p:ph type="sldImg"/>
+          </p:nvPr>
+        </p:nvSpPr>
+        <p:spPr/>
+      </p:sp>
+      <p:sp>
+        <p:nvSpPr>
+          <p:cNvPr id="3" name="Notes Placeholder 2"/>
+          <p:cNvSpPr>
+            <a:spLocks noGrp="1"/>
+          </p:cNvSpPr>
+          <p:nvPr>
+            <p:ph type="body" idx="1"/>
+          </p:nvPr>
+        </p:nvSpPr>
+        <p:spPr/>
+        <p:txBody>
+          <a:bodyPr/>
+          <a:lstStyle/>
+          <a:p>
+            <a:endParaRPr lang="ru-RU"/>
+          </a:p>
+        </p:txBody>
+      </p:sp>
+      <p:sp>
+        <p:nvSpPr>
+          <p:cNvPr id="4" name="Slide Number Placeholder 3"/>
+          <p:cNvSpPr>
+            <a:spLocks noGrp="1"/>
+          </p:cNvSpPr>
+          <p:nvPr>
+            <p:ph type="sldNum" sz="quarter" idx="10"/>
+          </p:nvPr>
+        </p:nvSpPr>
+        <p:spPr/>
+        <p:txBody>
+          <a:bodyPr/>
+          <a:lstStyle/>
+          <a:p>
+            <a:fld id="{177111D7-6A88-43D8-A3A4-5217C41232E0}" type="slidenum">
+              <a:rPr lang="ru-RU" smtClean="0"/>
               <a:t>14</a:t>
             </a:fld>
             <a:endParaRPr lang="ru-RU"/>
@@ -817,7 +901,7 @@
 </p:notes>
 </file>
 
-<file path=ppt/notesSlides/notesSlide5.xml><?xml version="1.0" encoding="utf-8"?>
+<file path=ppt/notesSlides/notesSlide6.xml><?xml version="1.0" encoding="utf-8"?>
 <p:notes xmlns:a="http://schemas.openxmlformats.org/drawingml/2006/main" xmlns:r="http://schemas.openxmlformats.org/officeDocument/2006/relationships" xmlns:p="http://schemas.openxmlformats.org/presentationml/2006/main">
   <p:cSld>
     <p:spTree>
@@ -8701,7 +8785,7 @@
         <p:spPr>
           <a:xfrm>
             <a:off x="2212849" y="4453128"/>
-            <a:ext cx="9291764" cy="1450534"/>
+            <a:ext cx="9720070" cy="1450534"/>
           </a:xfrm>
         </p:spPr>
         <p:txBody>
@@ -8728,16 +8812,29 @@
                   <a:schemeClr val="tx1"/>
                 </a:solidFill>
               </a:rPr>
-              <a:t>студентка </a:t>
-            </a:r>
-            <a:r>
-              <a:rPr lang="ru-RU" sz="5600" dirty="0">
+              <a:t>студентка группы</a:t>
+            </a:r>
+            <a:r>
+              <a:rPr lang="en-US" sz="5600" dirty="0" smtClean="0">
                 <a:solidFill>
                   <a:schemeClr val="tx1"/>
                 </a:solidFill>
               </a:rPr>
-              <a:t>группы </a:t>
-            </a:r>
+              <a:t> 0847 - 1</a:t>
+            </a:r>
+            <a:r>
+              <a:rPr lang="ru-RU" sz="5600" dirty="0" smtClean="0">
+                <a:solidFill>
+                  <a:schemeClr val="tx1"/>
+                </a:solidFill>
+              </a:rPr>
+              <a:t> </a:t>
+            </a:r>
+            <a:endParaRPr lang="ru-RU" sz="5600" dirty="0">
+              <a:solidFill>
+                <a:schemeClr val="tx1"/>
+              </a:solidFill>
+            </a:endParaRPr>
           </a:p>
           <a:p>
             <a:pPr algn="r"/>
@@ -8917,8 +9014,8 @@
           </a:p>
         </p:txBody>
       </p:sp>
-      <mc:AlternateContent xmlns:mc="http://schemas.openxmlformats.org/markup-compatibility/2006">
-        <mc:Choice xmlns:a14="http://schemas.microsoft.com/office/drawing/2010/main" Requires="a14">
+      <mc:AlternateContent xmlns:mc="http://schemas.openxmlformats.org/markup-compatibility/2006" xmlns:a14="http://schemas.microsoft.com/office/drawing/2010/main">
+        <mc:Choice Requires="a14">
           <p:sp>
             <p:nvSpPr>
               <p:cNvPr id="3" name="Content Placeholder 2"/>
@@ -9005,11 +9102,11 @@
                 <a:pPr lvl="0" algn="just"/>
                 <a:r>
                   <a:rPr lang="ru-RU" dirty="0"/>
-                  <a:t>По 5 задач на конкретный класс </a:t>
+                  <a:t>По 5 задач на конкретный </a:t>
                 </a:r>
                 <a:r>
                   <a:rPr lang="ru-RU" dirty="0" smtClean="0"/>
-                  <a:t> тестовых  задач</a:t>
+                  <a:t>класс тестовых задач</a:t>
                 </a:r>
                 <a:endParaRPr lang="ru-RU" dirty="0"/>
               </a:p>
@@ -9109,7 +9206,7 @@
             </p:txBody>
           </p:sp>
         </mc:Choice>
-        <mc:Fallback>
+        <mc:Fallback xmlns="">
           <p:sp>
             <p:nvSpPr>
               <p:cNvPr id="3" name="Content Placeholder 2"/>
@@ -9350,269 +9447,6 @@
       </p:grpSpPr>
       <p:sp>
         <p:nvSpPr>
-          <p:cNvPr id="2" name="Title 1"/>
-          <p:cNvSpPr>
-            <a:spLocks noGrp="1"/>
-          </p:cNvSpPr>
-          <p:nvPr>
-            <p:ph type="title"/>
-          </p:nvPr>
-        </p:nvSpPr>
-        <p:spPr>
-          <a:xfrm>
-            <a:off x="838201" y="624110"/>
-            <a:ext cx="11016342" cy="1280890"/>
-          </a:xfrm>
-        </p:spPr>
-        <p:txBody>
-          <a:bodyPr/>
-          <a:lstStyle/>
-          <a:p>
-            <a:pPr algn="ctr"/>
-            <a:r>
-              <a:rPr lang="ru-RU" dirty="0" smtClean="0"/>
-              <a:t>Эксперимент: вывод результатов</a:t>
-            </a:r>
-            <a:endParaRPr lang="ru-RU" dirty="0"/>
-          </a:p>
-        </p:txBody>
-      </p:sp>
-      <p:sp>
-        <p:nvSpPr>
-          <p:cNvPr id="3" name="Content Placeholder 2"/>
-          <p:cNvSpPr>
-            <a:spLocks noGrp="1"/>
-          </p:cNvSpPr>
-          <p:nvPr>
-            <p:ph idx="1"/>
-          </p:nvPr>
-        </p:nvSpPr>
-        <p:spPr>
-          <a:xfrm>
-            <a:off x="838200" y="1785257"/>
-            <a:ext cx="11146971" cy="4898572"/>
-          </a:xfrm>
-        </p:spPr>
-        <p:txBody>
-          <a:bodyPr>
-            <a:normAutofit fontScale="77500" lnSpcReduction="20000"/>
-          </a:bodyPr>
-          <a:lstStyle/>
-          <a:p>
-            <a:pPr marL="0" indent="0">
-              <a:lnSpc>
-                <a:spcPct val="120000"/>
-              </a:lnSpc>
-              <a:buNone/>
-            </a:pPr>
-            <a:r>
-              <a:rPr lang="ru-RU" sz="2100" dirty="0"/>
-              <a:t>Все отчеты представляют собой </a:t>
-            </a:r>
-            <a:r>
-              <a:rPr lang="en-US" sz="2100" dirty="0"/>
-              <a:t>Excel </a:t>
-            </a:r>
-            <a:r>
-              <a:rPr lang="ru-RU" sz="2100" dirty="0"/>
-              <a:t>таблицу. </a:t>
-            </a:r>
-            <a:r>
-              <a:rPr lang="ru-RU" sz="2100" dirty="0" smtClean="0"/>
-              <a:t>Для </a:t>
-            </a:r>
-            <a:r>
-              <a:rPr lang="ru-RU" sz="2100" dirty="0"/>
-              <a:t>каждого эксперимента создается отдельный лист, в котором столбцы – комбинации операторов, а  в строках выводится следующая информация:</a:t>
-            </a:r>
-          </a:p>
-          <a:p>
-            <a:pPr lvl="0">
-              <a:lnSpc>
-                <a:spcPct val="120000"/>
-              </a:lnSpc>
-            </a:pPr>
-            <a:r>
-              <a:rPr lang="ru-RU" b="1" i="1" dirty="0" smtClean="0"/>
-              <a:t>Значение функции приспобленности для каждого поколения (всего 40).</a:t>
-            </a:r>
-            <a:endParaRPr lang="ru-RU" b="1" i="1" dirty="0"/>
-          </a:p>
-          <a:p>
-            <a:pPr lvl="0">
-              <a:lnSpc>
-                <a:spcPct val="120000"/>
-              </a:lnSpc>
-            </a:pPr>
-            <a:r>
-              <a:rPr lang="ru-RU" b="1" i="1" dirty="0"/>
-              <a:t>Максимальная функция приспособленности среди всех </a:t>
-            </a:r>
-            <a:r>
-              <a:rPr lang="ru-RU" b="1" i="1" dirty="0" smtClean="0"/>
-              <a:t>поколений</a:t>
-            </a:r>
-            <a:r>
-              <a:rPr lang="ru-RU" b="1" i="1" dirty="0"/>
-              <a:t>.</a:t>
-            </a:r>
-          </a:p>
-          <a:p>
-            <a:pPr lvl="0">
-              <a:lnSpc>
-                <a:spcPct val="120000"/>
-              </a:lnSpc>
-            </a:pPr>
-            <a:r>
-              <a:rPr lang="ru-RU" b="1" i="1" dirty="0"/>
-              <a:t>Количество итераций до сходимости к лучшей особи. </a:t>
-            </a:r>
-          </a:p>
-          <a:p>
-            <a:pPr marL="0" lvl="0" indent="0">
-              <a:lnSpc>
-                <a:spcPct val="120000"/>
-              </a:lnSpc>
-              <a:buNone/>
-            </a:pPr>
-            <a:r>
-              <a:rPr lang="ru-RU" sz="2100" dirty="0"/>
-              <a:t>Последний лист – общий результат экспериментов по данной </a:t>
-            </a:r>
-            <a:r>
-              <a:rPr lang="ru-RU" sz="2100" dirty="0" smtClean="0"/>
-              <a:t>задаче</a:t>
-            </a:r>
-            <a:r>
-              <a:rPr lang="ru-RU" sz="2100" dirty="0" smtClean="0"/>
-              <a:t>. </a:t>
-            </a:r>
-            <a:r>
-              <a:rPr lang="ru-RU" sz="2100" dirty="0" smtClean="0"/>
-              <a:t>В нем содержится следующее:</a:t>
-            </a:r>
-            <a:endParaRPr lang="ru-RU" sz="2100" dirty="0"/>
-          </a:p>
-          <a:p>
-            <a:pPr lvl="0">
-              <a:lnSpc>
-                <a:spcPct val="120000"/>
-              </a:lnSpc>
-            </a:pPr>
-            <a:r>
-              <a:rPr lang="ru-RU" b="1" i="1" dirty="0"/>
-              <a:t>Максимальное значение функций приспособленности среди </a:t>
-            </a:r>
-            <a:r>
-              <a:rPr lang="ru-RU" b="1" i="1" dirty="0" smtClean="0"/>
-              <a:t>всех </a:t>
-            </a:r>
-            <a:r>
-              <a:rPr lang="ru-RU" b="1" i="1" dirty="0"/>
-              <a:t>экспериментов.</a:t>
-            </a:r>
-          </a:p>
-          <a:p>
-            <a:pPr lvl="0">
-              <a:lnSpc>
-                <a:spcPct val="120000"/>
-              </a:lnSpc>
-            </a:pPr>
-            <a:r>
-              <a:rPr lang="ru-RU" b="1" i="1" dirty="0"/>
-              <a:t>Вероятность получения лучшей особи среди всех экспериментов.</a:t>
-            </a:r>
-          </a:p>
-          <a:p>
-            <a:pPr lvl="0">
-              <a:lnSpc>
-                <a:spcPct val="120000"/>
-              </a:lnSpc>
-            </a:pPr>
-            <a:r>
-              <a:rPr lang="ru-RU" b="1" i="1" dirty="0"/>
-              <a:t>Среднее значение количества итераций до получения лучшей особи среди всех экспериментов.</a:t>
-            </a:r>
-          </a:p>
-          <a:p>
-            <a:pPr marL="0" indent="0">
-              <a:lnSpc>
-                <a:spcPct val="120000"/>
-              </a:lnSpc>
-              <a:buNone/>
-            </a:pPr>
-            <a:r>
-              <a:rPr lang="ru-RU" sz="2100" dirty="0"/>
-              <a:t>По всем сумммарным отчётам одного класса задач делается общий </a:t>
-            </a:r>
-            <a:r>
-              <a:rPr lang="ru-RU" sz="2100" dirty="0" smtClean="0"/>
-              <a:t>отчёт, </a:t>
-            </a:r>
-            <a:r>
-              <a:rPr lang="ru-RU" sz="2100" dirty="0"/>
-              <a:t>в котором </a:t>
-            </a:r>
-            <a:r>
-              <a:rPr lang="ru-RU" sz="2100" dirty="0" smtClean="0"/>
-              <a:t>:</a:t>
-            </a:r>
-            <a:endParaRPr lang="ru-RU" sz="2100" dirty="0"/>
-          </a:p>
-          <a:p>
-            <a:pPr lvl="0">
-              <a:lnSpc>
-                <a:spcPct val="120000"/>
-              </a:lnSpc>
-            </a:pPr>
-            <a:r>
-              <a:rPr lang="ru-RU" b="1" i="1" dirty="0"/>
-              <a:t>Минимальное отклонение значения функции приспособленности в процентном соотношении от </a:t>
-            </a:r>
-            <a:r>
-              <a:rPr lang="ru-RU" b="1" i="1" dirty="0" smtClean="0"/>
-              <a:t>оптимума (для нахождения оптимума реализован метод полного перебора).</a:t>
-            </a:r>
-            <a:endParaRPr lang="ru-RU" b="1" i="1" dirty="0"/>
-          </a:p>
-          <a:p>
-            <a:pPr lvl="0">
-              <a:lnSpc>
-                <a:spcPct val="120000"/>
-              </a:lnSpc>
-            </a:pPr>
-            <a:r>
-              <a:rPr lang="ru-RU" b="1" i="1" dirty="0"/>
-              <a:t>Средняя вероятность получения лучшей особи в процентах.</a:t>
-            </a:r>
-          </a:p>
-          <a:p>
-            <a:pPr lvl="0">
-              <a:lnSpc>
-                <a:spcPct val="120000"/>
-              </a:lnSpc>
-            </a:pPr>
-            <a:r>
-              <a:rPr lang="en-US" b="1" i="1" dirty="0"/>
-              <a:t>C</a:t>
-            </a:r>
-            <a:r>
-              <a:rPr lang="ru-RU" b="1" i="1" dirty="0"/>
-              <a:t>реднее количество итераций среди всех задач в процентом соотношении от наибольшего среднего количества итераций до получения лучшей особи (средняя скорость до наилучшего решения).</a:t>
-            </a:r>
-          </a:p>
-          <a:p>
-            <a:pPr>
-              <a:lnSpc>
-                <a:spcPct val="120000"/>
-              </a:lnSpc>
-            </a:pPr>
-            <a:endParaRPr lang="ru-RU" dirty="0"/>
-          </a:p>
-        </p:txBody>
-      </p:sp>
-      <p:sp>
-        <p:nvSpPr>
           <p:cNvPr id="5" name="Slide Number Placeholder 4"/>
           <p:cNvSpPr>
             <a:spLocks noGrp="1"/>
@@ -9621,7 +9455,12 @@
             <p:ph type="sldNum" sz="quarter" idx="12"/>
           </p:nvPr>
         </p:nvSpPr>
-        <p:spPr/>
+        <p:spPr>
+          <a:xfrm>
+            <a:off x="527184" y="784977"/>
+            <a:ext cx="779767" cy="380986"/>
+          </a:xfrm>
+        </p:spPr>
         <p:txBody>
           <a:bodyPr/>
           <a:lstStyle/>
@@ -9637,148 +9476,1671 @@
       </p:sp>
       <p:sp>
         <p:nvSpPr>
-          <p:cNvPr id="6" name="Footer Placeholder 3"/>
-          <p:cNvSpPr txBox="1">
-            <a:spLocks/>
+          <p:cNvPr id="3" name="Footer Placeholder 2"/>
+          <p:cNvSpPr>
+            <a:spLocks noGrp="1"/>
           </p:cNvSpPr>
+          <p:nvPr>
+            <p:ph type="ftr" sz="quarter" idx="11"/>
+          </p:nvPr>
+        </p:nvSpPr>
+        <p:spPr>
+          <a:xfrm>
+            <a:off x="174625" y="6557962"/>
+            <a:ext cx="12017375" cy="300037"/>
+          </a:xfrm>
+        </p:spPr>
+        <p:txBody>
+          <a:bodyPr/>
+          <a:lstStyle/>
+          <a:p>
+            <a:pPr algn="r"/>
+            <a:r>
+              <a:rPr lang="ru-RU" dirty="0" smtClean="0"/>
+              <a:t>Пронина Е. В. "Применение генетического алгоритма к задаче формирования инвестиционного портфеля"</a:t>
+            </a:r>
+            <a:endParaRPr lang="en-US" dirty="0"/>
+          </a:p>
+        </p:txBody>
+      </p:sp>
+      <p:sp>
+        <p:nvSpPr>
+          <p:cNvPr id="7" name="TextBox 6"/>
+          <p:cNvSpPr txBox="1"/>
           <p:nvPr/>
         </p:nvSpPr>
         <p:spPr>
           <a:xfrm>
-            <a:off x="173737" y="6565392"/>
-            <a:ext cx="12018263" cy="292608"/>
+            <a:off x="1993412" y="2339604"/>
+            <a:ext cx="2557463" cy="523220"/>
+          </a:xfrm>
+          <a:prstGeom prst="rect">
+            <a:avLst/>
+          </a:prstGeom>
+        </p:spPr>
+        <p:style>
+          <a:lnRef idx="2">
+            <a:schemeClr val="accent1"/>
+          </a:lnRef>
+          <a:fillRef idx="1">
+            <a:schemeClr val="lt1"/>
+          </a:fillRef>
+          <a:effectRef idx="0">
+            <a:schemeClr val="accent1"/>
+          </a:effectRef>
+          <a:fontRef idx="minor">
+            <a:schemeClr val="dk1"/>
+          </a:fontRef>
+        </p:style>
+        <p:txBody>
+          <a:bodyPr wrap="square" rtlCol="0">
+            <a:spAutoFit/>
+          </a:bodyPr>
+          <a:lstStyle/>
+          <a:p>
+            <a:r>
+              <a:rPr lang="ru-RU" sz="1400" dirty="0" smtClean="0">
+                <a:ln w="0"/>
+                <a:solidFill>
+                  <a:schemeClr val="accent1"/>
+                </a:solidFill>
+                <a:effectLst>
+                  <a:outerShdw blurRad="38100" dist="25400" dir="5400000" algn="ctr" rotWithShape="0">
+                    <a:srgbClr val="6E747A">
+                      <a:alpha val="43000"/>
+                    </a:srgbClr>
+                  </a:outerShdw>
+                </a:effectLst>
+              </a:rPr>
+              <a:t>Лист №2</a:t>
+            </a:r>
+          </a:p>
+          <a:p>
+            <a:r>
+              <a:rPr lang="ru-RU" sz="1400" dirty="0" smtClean="0">
+                <a:ln w="0"/>
+                <a:solidFill>
+                  <a:schemeClr val="accent1"/>
+                </a:solidFill>
+                <a:effectLst>
+                  <a:outerShdw blurRad="38100" dist="25400" dir="5400000" algn="ctr" rotWithShape="0">
+                    <a:srgbClr val="6E747A">
+                      <a:alpha val="43000"/>
+                    </a:srgbClr>
+                  </a:outerShdw>
+                </a:effectLst>
+              </a:rPr>
+              <a:t>Эксперимент №2</a:t>
+            </a:r>
+            <a:endParaRPr lang="ru-RU" sz="1400" dirty="0">
+              <a:ln w="0"/>
+              <a:solidFill>
+                <a:schemeClr val="accent1"/>
+              </a:solidFill>
+              <a:effectLst>
+                <a:outerShdw blurRad="38100" dist="25400" dir="5400000" algn="ctr" rotWithShape="0">
+                  <a:srgbClr val="6E747A">
+                    <a:alpha val="43000"/>
+                  </a:srgbClr>
+                </a:outerShdw>
+              </a:effectLst>
+            </a:endParaRPr>
+          </a:p>
+        </p:txBody>
+      </p:sp>
+      <p:sp>
+        <p:nvSpPr>
+          <p:cNvPr id="8" name="TextBox 7"/>
+          <p:cNvSpPr txBox="1"/>
+          <p:nvPr/>
+        </p:nvSpPr>
+        <p:spPr>
+          <a:xfrm>
+            <a:off x="1993413" y="3236174"/>
+            <a:ext cx="2576512" cy="523220"/>
+          </a:xfrm>
+          <a:prstGeom prst="rect">
+            <a:avLst/>
+          </a:prstGeom>
+        </p:spPr>
+        <p:style>
+          <a:lnRef idx="2">
+            <a:schemeClr val="accent1"/>
+          </a:lnRef>
+          <a:fillRef idx="1">
+            <a:schemeClr val="lt1"/>
+          </a:fillRef>
+          <a:effectRef idx="0">
+            <a:schemeClr val="accent1"/>
+          </a:effectRef>
+          <a:fontRef idx="minor">
+            <a:schemeClr val="dk1"/>
+          </a:fontRef>
+        </p:style>
+        <p:txBody>
+          <a:bodyPr wrap="square" rtlCol="0">
+            <a:spAutoFit/>
+          </a:bodyPr>
+          <a:lstStyle/>
+          <a:p>
+            <a:r>
+              <a:rPr lang="ru-RU" sz="1400" dirty="0" smtClean="0">
+                <a:ln w="0"/>
+                <a:solidFill>
+                  <a:schemeClr val="accent1"/>
+                </a:solidFill>
+                <a:effectLst>
+                  <a:outerShdw blurRad="38100" dist="25400" dir="5400000" algn="ctr" rotWithShape="0">
+                    <a:srgbClr val="6E747A">
+                      <a:alpha val="43000"/>
+                    </a:srgbClr>
+                  </a:outerShdw>
+                </a:effectLst>
+              </a:rPr>
+              <a:t>Лист №30</a:t>
+            </a:r>
+          </a:p>
+          <a:p>
+            <a:r>
+              <a:rPr lang="ru-RU" sz="1400" dirty="0" smtClean="0">
+                <a:ln w="0"/>
+                <a:solidFill>
+                  <a:schemeClr val="accent1"/>
+                </a:solidFill>
+                <a:effectLst>
+                  <a:outerShdw blurRad="38100" dist="25400" dir="5400000" algn="ctr" rotWithShape="0">
+                    <a:srgbClr val="6E747A">
+                      <a:alpha val="43000"/>
+                    </a:srgbClr>
+                  </a:outerShdw>
+                </a:effectLst>
+              </a:rPr>
+              <a:t>Эксперимент №30</a:t>
+            </a:r>
+            <a:endParaRPr lang="ru-RU" sz="1400" dirty="0">
+              <a:ln w="0"/>
+              <a:solidFill>
+                <a:schemeClr val="accent1"/>
+              </a:solidFill>
+              <a:effectLst>
+                <a:outerShdw blurRad="38100" dist="25400" dir="5400000" algn="ctr" rotWithShape="0">
+                  <a:srgbClr val="6E747A">
+                    <a:alpha val="43000"/>
+                  </a:srgbClr>
+                </a:outerShdw>
+              </a:effectLst>
+            </a:endParaRPr>
+          </a:p>
+        </p:txBody>
+      </p:sp>
+      <p:sp>
+        <p:nvSpPr>
+          <p:cNvPr id="13" name="TextBox 12"/>
+          <p:cNvSpPr txBox="1"/>
+          <p:nvPr/>
+        </p:nvSpPr>
+        <p:spPr>
+          <a:xfrm>
+            <a:off x="2012461" y="1620102"/>
+            <a:ext cx="2557463" cy="523220"/>
+          </a:xfrm>
+          <a:prstGeom prst="rect">
+            <a:avLst/>
+          </a:prstGeom>
+        </p:spPr>
+        <p:style>
+          <a:lnRef idx="2">
+            <a:schemeClr val="accent1"/>
+          </a:lnRef>
+          <a:fillRef idx="1">
+            <a:schemeClr val="lt1"/>
+          </a:fillRef>
+          <a:effectRef idx="0">
+            <a:schemeClr val="accent1"/>
+          </a:effectRef>
+          <a:fontRef idx="minor">
+            <a:schemeClr val="dk1"/>
+          </a:fontRef>
+        </p:style>
+        <p:txBody>
+          <a:bodyPr wrap="square" rtlCol="0">
+            <a:spAutoFit/>
+          </a:bodyPr>
+          <a:lstStyle/>
+          <a:p>
+            <a:r>
+              <a:rPr lang="ru-RU" sz="1400" dirty="0" smtClean="0">
+                <a:ln w="0"/>
+                <a:solidFill>
+                  <a:schemeClr val="accent1"/>
+                </a:solidFill>
+                <a:effectLst>
+                  <a:outerShdw blurRad="38100" dist="25400" dir="5400000" algn="ctr" rotWithShape="0">
+                    <a:srgbClr val="6E747A">
+                      <a:alpha val="43000"/>
+                    </a:srgbClr>
+                  </a:outerShdw>
+                </a:effectLst>
+              </a:rPr>
+              <a:t>Лист №1</a:t>
+            </a:r>
+          </a:p>
+          <a:p>
+            <a:r>
+              <a:rPr lang="ru-RU" sz="1400" dirty="0" smtClean="0">
+                <a:ln w="0"/>
+                <a:solidFill>
+                  <a:schemeClr val="accent1"/>
+                </a:solidFill>
+                <a:effectLst>
+                  <a:outerShdw blurRad="38100" dist="25400" dir="5400000" algn="ctr" rotWithShape="0">
+                    <a:srgbClr val="6E747A">
+                      <a:alpha val="43000"/>
+                    </a:srgbClr>
+                  </a:outerShdw>
+                </a:effectLst>
+              </a:rPr>
+              <a:t>Эксперимент №1</a:t>
+            </a:r>
+            <a:endParaRPr lang="ru-RU" sz="1400" dirty="0">
+              <a:ln w="0"/>
+              <a:solidFill>
+                <a:schemeClr val="accent1"/>
+              </a:solidFill>
+              <a:effectLst>
+                <a:outerShdw blurRad="38100" dist="25400" dir="5400000" algn="ctr" rotWithShape="0">
+                  <a:srgbClr val="6E747A">
+                    <a:alpha val="43000"/>
+                  </a:srgbClr>
+                </a:outerShdw>
+              </a:effectLst>
+            </a:endParaRPr>
+          </a:p>
+        </p:txBody>
+      </p:sp>
+      <p:sp>
+        <p:nvSpPr>
+          <p:cNvPr id="17" name="TextBox 16"/>
+          <p:cNvSpPr txBox="1"/>
+          <p:nvPr/>
+        </p:nvSpPr>
+        <p:spPr>
+          <a:xfrm>
+            <a:off x="5180048" y="2228083"/>
+            <a:ext cx="2824163" cy="923330"/>
+          </a:xfrm>
+          <a:prstGeom prst="rect">
+            <a:avLst/>
+          </a:prstGeom>
+        </p:spPr>
+        <p:style>
+          <a:lnRef idx="2">
+            <a:schemeClr val="accent1"/>
+          </a:lnRef>
+          <a:fillRef idx="1">
+            <a:schemeClr val="lt1"/>
+          </a:fillRef>
+          <a:effectRef idx="0">
+            <a:schemeClr val="accent1"/>
+          </a:effectRef>
+          <a:fontRef idx="minor">
+            <a:schemeClr val="dk1"/>
+          </a:fontRef>
+        </p:style>
+        <p:txBody>
+          <a:bodyPr wrap="square" rtlCol="0">
+            <a:spAutoFit/>
+          </a:bodyPr>
+          <a:lstStyle/>
+          <a:p>
+            <a:r>
+              <a:rPr lang="ru-RU" dirty="0" smtClean="0">
+                <a:ln w="0"/>
+                <a:solidFill>
+                  <a:schemeClr val="accent1"/>
+                </a:solidFill>
+                <a:effectLst>
+                  <a:outerShdw blurRad="38100" dist="25400" dir="5400000" algn="ctr" rotWithShape="0">
+                    <a:srgbClr val="6E747A">
+                      <a:alpha val="43000"/>
+                    </a:srgbClr>
+                  </a:outerShdw>
+                </a:effectLst>
+              </a:rPr>
+              <a:t>Лист №31</a:t>
+            </a:r>
+          </a:p>
+          <a:p>
+            <a:r>
+              <a:rPr lang="ru-RU" dirty="0" smtClean="0">
+                <a:ln w="0"/>
+                <a:solidFill>
+                  <a:schemeClr val="accent1"/>
+                </a:solidFill>
+                <a:effectLst>
+                  <a:outerShdw blurRad="38100" dist="25400" dir="5400000" algn="ctr" rotWithShape="0">
+                    <a:srgbClr val="6E747A">
+                      <a:alpha val="43000"/>
+                    </a:srgbClr>
+                  </a:outerShdw>
+                </a:effectLst>
+              </a:rPr>
+              <a:t>Суммарный отчёт по всем экспериментам</a:t>
+            </a:r>
+            <a:endParaRPr lang="ru-RU" dirty="0">
+              <a:ln w="0"/>
+              <a:solidFill>
+                <a:schemeClr val="accent1"/>
+              </a:solidFill>
+              <a:effectLst>
+                <a:outerShdw blurRad="38100" dist="25400" dir="5400000" algn="ctr" rotWithShape="0">
+                  <a:srgbClr val="6E747A">
+                    <a:alpha val="43000"/>
+                  </a:srgbClr>
+                </a:outerShdw>
+              </a:effectLst>
+            </a:endParaRPr>
+          </a:p>
+        </p:txBody>
+      </p:sp>
+      <p:sp>
+        <p:nvSpPr>
+          <p:cNvPr id="26" name="TextBox 25"/>
+          <p:cNvSpPr txBox="1"/>
+          <p:nvPr/>
+        </p:nvSpPr>
+        <p:spPr>
+          <a:xfrm>
+            <a:off x="5180049" y="5012373"/>
+            <a:ext cx="2824163" cy="923330"/>
+          </a:xfrm>
+          <a:prstGeom prst="rect">
+            <a:avLst/>
+          </a:prstGeom>
+        </p:spPr>
+        <p:style>
+          <a:lnRef idx="2">
+            <a:schemeClr val="accent1"/>
+          </a:lnRef>
+          <a:fillRef idx="1">
+            <a:schemeClr val="lt1"/>
+          </a:fillRef>
+          <a:effectRef idx="0">
+            <a:schemeClr val="accent1"/>
+          </a:effectRef>
+          <a:fontRef idx="minor">
+            <a:schemeClr val="dk1"/>
+          </a:fontRef>
+        </p:style>
+        <p:txBody>
+          <a:bodyPr wrap="square" rtlCol="0">
+            <a:spAutoFit/>
+          </a:bodyPr>
+          <a:lstStyle/>
+          <a:p>
+            <a:r>
+              <a:rPr lang="ru-RU" dirty="0" smtClean="0">
+                <a:ln w="0"/>
+                <a:solidFill>
+                  <a:schemeClr val="accent1"/>
+                </a:solidFill>
+                <a:effectLst>
+                  <a:outerShdw blurRad="38100" dist="25400" dir="5400000" algn="ctr" rotWithShape="0">
+                    <a:srgbClr val="6E747A">
+                      <a:alpha val="43000"/>
+                    </a:srgbClr>
+                  </a:outerShdw>
+                </a:effectLst>
+              </a:rPr>
+              <a:t>Лист №31</a:t>
+            </a:r>
+          </a:p>
+          <a:p>
+            <a:r>
+              <a:rPr lang="ru-RU" dirty="0" smtClean="0">
+                <a:ln w="0"/>
+                <a:solidFill>
+                  <a:schemeClr val="accent1"/>
+                </a:solidFill>
+                <a:effectLst>
+                  <a:outerShdw blurRad="38100" dist="25400" dir="5400000" algn="ctr" rotWithShape="0">
+                    <a:srgbClr val="6E747A">
+                      <a:alpha val="43000"/>
+                    </a:srgbClr>
+                  </a:outerShdw>
+                </a:effectLst>
+              </a:rPr>
+              <a:t>Суммарный отчёт по всем экспериментам</a:t>
+            </a:r>
+            <a:endParaRPr lang="ru-RU" dirty="0">
+              <a:ln w="0"/>
+              <a:solidFill>
+                <a:schemeClr val="accent1"/>
+              </a:solidFill>
+              <a:effectLst>
+                <a:outerShdw blurRad="38100" dist="25400" dir="5400000" algn="ctr" rotWithShape="0">
+                  <a:srgbClr val="6E747A">
+                    <a:alpha val="43000"/>
+                  </a:srgbClr>
+                </a:outerShdw>
+              </a:effectLst>
+            </a:endParaRPr>
+          </a:p>
+        </p:txBody>
+      </p:sp>
+      <p:sp>
+        <p:nvSpPr>
+          <p:cNvPr id="27" name="Right Brace 26"/>
+          <p:cNvSpPr/>
+          <p:nvPr/>
+        </p:nvSpPr>
+        <p:spPr>
+          <a:xfrm>
+            <a:off x="4746661" y="1620102"/>
+            <a:ext cx="256651" cy="2139292"/>
+          </a:xfrm>
+          <a:prstGeom prst="rightBrace">
+            <a:avLst/>
+          </a:prstGeom>
+        </p:spPr>
+        <p:style>
+          <a:lnRef idx="1">
+            <a:schemeClr val="accent1"/>
+          </a:lnRef>
+          <a:fillRef idx="0">
+            <a:schemeClr val="accent1"/>
+          </a:fillRef>
+          <a:effectRef idx="0">
+            <a:schemeClr val="accent1"/>
+          </a:effectRef>
+          <a:fontRef idx="minor">
+            <a:schemeClr val="tx1"/>
+          </a:fontRef>
+        </p:style>
+        <p:txBody>
+          <a:bodyPr rtlCol="0" anchor="ctr"/>
+          <a:lstStyle/>
+          <a:p>
+            <a:pPr algn="ctr"/>
+            <a:endParaRPr lang="ru-RU"/>
+          </a:p>
+        </p:txBody>
+      </p:sp>
+      <p:sp>
+        <p:nvSpPr>
+          <p:cNvPr id="28" name="TextBox 27"/>
+          <p:cNvSpPr txBox="1"/>
+          <p:nvPr/>
+        </p:nvSpPr>
+        <p:spPr>
+          <a:xfrm>
+            <a:off x="1974363" y="5169810"/>
+            <a:ext cx="2557463" cy="523220"/>
+          </a:xfrm>
+          <a:prstGeom prst="rect">
+            <a:avLst/>
+          </a:prstGeom>
+        </p:spPr>
+        <p:style>
+          <a:lnRef idx="2">
+            <a:schemeClr val="accent1"/>
+          </a:lnRef>
+          <a:fillRef idx="1">
+            <a:schemeClr val="lt1"/>
+          </a:fillRef>
+          <a:effectRef idx="0">
+            <a:schemeClr val="accent1"/>
+          </a:effectRef>
+          <a:fontRef idx="minor">
+            <a:schemeClr val="dk1"/>
+          </a:fontRef>
+        </p:style>
+        <p:txBody>
+          <a:bodyPr wrap="square" rtlCol="0">
+            <a:spAutoFit/>
+          </a:bodyPr>
+          <a:lstStyle/>
+          <a:p>
+            <a:r>
+              <a:rPr lang="ru-RU" sz="1400" dirty="0" smtClean="0">
+                <a:ln w="0"/>
+                <a:solidFill>
+                  <a:schemeClr val="accent1"/>
+                </a:solidFill>
+                <a:effectLst>
+                  <a:outerShdw blurRad="38100" dist="25400" dir="5400000" algn="ctr" rotWithShape="0">
+                    <a:srgbClr val="6E747A">
+                      <a:alpha val="43000"/>
+                    </a:srgbClr>
+                  </a:outerShdw>
+                </a:effectLst>
+              </a:rPr>
+              <a:t>Лист №2</a:t>
+            </a:r>
+          </a:p>
+          <a:p>
+            <a:r>
+              <a:rPr lang="ru-RU" sz="1400" dirty="0" smtClean="0">
+                <a:ln w="0"/>
+                <a:solidFill>
+                  <a:schemeClr val="accent1"/>
+                </a:solidFill>
+                <a:effectLst>
+                  <a:outerShdw blurRad="38100" dist="25400" dir="5400000" algn="ctr" rotWithShape="0">
+                    <a:srgbClr val="6E747A">
+                      <a:alpha val="43000"/>
+                    </a:srgbClr>
+                  </a:outerShdw>
+                </a:effectLst>
+              </a:rPr>
+              <a:t>Эксперимент №2</a:t>
+            </a:r>
+            <a:endParaRPr lang="ru-RU" sz="1400" dirty="0">
+              <a:ln w="0"/>
+              <a:solidFill>
+                <a:schemeClr val="accent1"/>
+              </a:solidFill>
+              <a:effectLst>
+                <a:outerShdw blurRad="38100" dist="25400" dir="5400000" algn="ctr" rotWithShape="0">
+                  <a:srgbClr val="6E747A">
+                    <a:alpha val="43000"/>
+                  </a:srgbClr>
+                </a:outerShdw>
+              </a:effectLst>
+            </a:endParaRPr>
+          </a:p>
+        </p:txBody>
+      </p:sp>
+      <p:sp>
+        <p:nvSpPr>
+          <p:cNvPr id="29" name="TextBox 28"/>
+          <p:cNvSpPr txBox="1"/>
+          <p:nvPr/>
+        </p:nvSpPr>
+        <p:spPr>
+          <a:xfrm>
+            <a:off x="1993412" y="6066380"/>
+            <a:ext cx="2557463" cy="523220"/>
+          </a:xfrm>
+          <a:prstGeom prst="rect">
+            <a:avLst/>
+          </a:prstGeom>
+        </p:spPr>
+        <p:style>
+          <a:lnRef idx="2">
+            <a:schemeClr val="accent1"/>
+          </a:lnRef>
+          <a:fillRef idx="1">
+            <a:schemeClr val="lt1"/>
+          </a:fillRef>
+          <a:effectRef idx="0">
+            <a:schemeClr val="accent1"/>
+          </a:effectRef>
+          <a:fontRef idx="minor">
+            <a:schemeClr val="dk1"/>
+          </a:fontRef>
+        </p:style>
+        <p:txBody>
+          <a:bodyPr wrap="square" rtlCol="0">
+            <a:spAutoFit/>
+          </a:bodyPr>
+          <a:lstStyle/>
+          <a:p>
+            <a:r>
+              <a:rPr lang="ru-RU" sz="1400" dirty="0" smtClean="0">
+                <a:ln w="0"/>
+                <a:solidFill>
+                  <a:schemeClr val="accent1"/>
+                </a:solidFill>
+                <a:effectLst>
+                  <a:outerShdw blurRad="38100" dist="25400" dir="5400000" algn="ctr" rotWithShape="0">
+                    <a:srgbClr val="6E747A">
+                      <a:alpha val="43000"/>
+                    </a:srgbClr>
+                  </a:outerShdw>
+                </a:effectLst>
+              </a:rPr>
+              <a:t>Лист №30</a:t>
+            </a:r>
+          </a:p>
+          <a:p>
+            <a:r>
+              <a:rPr lang="ru-RU" sz="1400" dirty="0" smtClean="0">
+                <a:ln w="0"/>
+                <a:solidFill>
+                  <a:schemeClr val="accent1"/>
+                </a:solidFill>
+                <a:effectLst>
+                  <a:outerShdw blurRad="38100" dist="25400" dir="5400000" algn="ctr" rotWithShape="0">
+                    <a:srgbClr val="6E747A">
+                      <a:alpha val="43000"/>
+                    </a:srgbClr>
+                  </a:outerShdw>
+                </a:effectLst>
+              </a:rPr>
+              <a:t>Эксперимент №30</a:t>
+            </a:r>
+            <a:endParaRPr lang="ru-RU" sz="1400" dirty="0">
+              <a:ln w="0"/>
+              <a:solidFill>
+                <a:schemeClr val="accent1"/>
+              </a:solidFill>
+              <a:effectLst>
+                <a:outerShdw blurRad="38100" dist="25400" dir="5400000" algn="ctr" rotWithShape="0">
+                  <a:srgbClr val="6E747A">
+                    <a:alpha val="43000"/>
+                  </a:srgbClr>
+                </a:outerShdw>
+              </a:effectLst>
+            </a:endParaRPr>
+          </a:p>
+        </p:txBody>
+      </p:sp>
+      <p:sp>
+        <p:nvSpPr>
+          <p:cNvPr id="30" name="Oval 29"/>
+          <p:cNvSpPr/>
+          <p:nvPr/>
+        </p:nvSpPr>
+        <p:spPr>
+          <a:xfrm flipV="1">
+            <a:off x="2705407" y="5857718"/>
+            <a:ext cx="109538" cy="77986"/>
+          </a:xfrm>
+          <a:prstGeom prst="ellipse">
+            <a:avLst/>
+          </a:prstGeom>
+        </p:spPr>
+        <p:style>
+          <a:lnRef idx="2">
+            <a:schemeClr val="accent1">
+              <a:shade val="50000"/>
+            </a:schemeClr>
+          </a:lnRef>
+          <a:fillRef idx="1">
+            <a:schemeClr val="accent1"/>
+          </a:fillRef>
+          <a:effectRef idx="0">
+            <a:schemeClr val="accent1"/>
+          </a:effectRef>
+          <a:fontRef idx="minor">
+            <a:schemeClr val="lt1"/>
+          </a:fontRef>
+        </p:style>
+        <p:txBody>
+          <a:bodyPr rtlCol="0" anchor="ctr"/>
+          <a:lstStyle/>
+          <a:p>
+            <a:pPr algn="ctr"/>
+            <a:endParaRPr lang="ru-RU"/>
+          </a:p>
+        </p:txBody>
+      </p:sp>
+      <p:sp>
+        <p:nvSpPr>
+          <p:cNvPr id="31" name="Oval 30"/>
+          <p:cNvSpPr/>
+          <p:nvPr/>
+        </p:nvSpPr>
+        <p:spPr>
+          <a:xfrm flipV="1">
+            <a:off x="3086407" y="5857717"/>
+            <a:ext cx="109538" cy="77986"/>
+          </a:xfrm>
+          <a:prstGeom prst="ellipse">
+            <a:avLst/>
+          </a:prstGeom>
+        </p:spPr>
+        <p:style>
+          <a:lnRef idx="2">
+            <a:schemeClr val="accent1">
+              <a:shade val="50000"/>
+            </a:schemeClr>
+          </a:lnRef>
+          <a:fillRef idx="1">
+            <a:schemeClr val="accent1"/>
+          </a:fillRef>
+          <a:effectRef idx="0">
+            <a:schemeClr val="accent1"/>
+          </a:effectRef>
+          <a:fontRef idx="minor">
+            <a:schemeClr val="lt1"/>
+          </a:fontRef>
+        </p:style>
+        <p:txBody>
+          <a:bodyPr rtlCol="0" anchor="ctr"/>
+          <a:lstStyle/>
+          <a:p>
+            <a:pPr algn="ctr"/>
+            <a:endParaRPr lang="ru-RU"/>
+          </a:p>
+        </p:txBody>
+      </p:sp>
+      <p:sp>
+        <p:nvSpPr>
+          <p:cNvPr id="32" name="Oval 31"/>
+          <p:cNvSpPr/>
+          <p:nvPr/>
+        </p:nvSpPr>
+        <p:spPr>
+          <a:xfrm flipV="1">
+            <a:off x="3467407" y="5857717"/>
+            <a:ext cx="109538" cy="77986"/>
+          </a:xfrm>
+          <a:prstGeom prst="ellipse">
+            <a:avLst/>
+          </a:prstGeom>
+        </p:spPr>
+        <p:style>
+          <a:lnRef idx="2">
+            <a:schemeClr val="accent1">
+              <a:shade val="50000"/>
+            </a:schemeClr>
+          </a:lnRef>
+          <a:fillRef idx="1">
+            <a:schemeClr val="accent1"/>
+          </a:fillRef>
+          <a:effectRef idx="0">
+            <a:schemeClr val="accent1"/>
+          </a:effectRef>
+          <a:fontRef idx="minor">
+            <a:schemeClr val="lt1"/>
+          </a:fontRef>
+        </p:style>
+        <p:txBody>
+          <a:bodyPr rtlCol="0" anchor="ctr"/>
+          <a:lstStyle/>
+          <a:p>
+            <a:pPr algn="ctr"/>
+            <a:endParaRPr lang="ru-RU"/>
+          </a:p>
+        </p:txBody>
+      </p:sp>
+      <p:sp>
+        <p:nvSpPr>
+          <p:cNvPr id="33" name="TextBox 32"/>
+          <p:cNvSpPr txBox="1"/>
+          <p:nvPr/>
+        </p:nvSpPr>
+        <p:spPr>
+          <a:xfrm>
+            <a:off x="1993412" y="4450308"/>
+            <a:ext cx="2557463" cy="523220"/>
+          </a:xfrm>
+          <a:prstGeom prst="rect">
+            <a:avLst/>
+          </a:prstGeom>
+        </p:spPr>
+        <p:style>
+          <a:lnRef idx="2">
+            <a:schemeClr val="accent1"/>
+          </a:lnRef>
+          <a:fillRef idx="1">
+            <a:schemeClr val="lt1"/>
+          </a:fillRef>
+          <a:effectRef idx="0">
+            <a:schemeClr val="accent1"/>
+          </a:effectRef>
+          <a:fontRef idx="minor">
+            <a:schemeClr val="dk1"/>
+          </a:fontRef>
+        </p:style>
+        <p:txBody>
+          <a:bodyPr wrap="square" rtlCol="0">
+            <a:spAutoFit/>
+          </a:bodyPr>
+          <a:lstStyle/>
+          <a:p>
+            <a:r>
+              <a:rPr lang="ru-RU" sz="1400" dirty="0" smtClean="0">
+                <a:ln w="0"/>
+                <a:solidFill>
+                  <a:schemeClr val="accent1"/>
+                </a:solidFill>
+                <a:effectLst>
+                  <a:outerShdw blurRad="38100" dist="25400" dir="5400000" algn="ctr" rotWithShape="0">
+                    <a:srgbClr val="6E747A">
+                      <a:alpha val="43000"/>
+                    </a:srgbClr>
+                  </a:outerShdw>
+                </a:effectLst>
+              </a:rPr>
+              <a:t>Лист №1</a:t>
+            </a:r>
+          </a:p>
+          <a:p>
+            <a:r>
+              <a:rPr lang="ru-RU" sz="1400" dirty="0" smtClean="0">
+                <a:ln w="0"/>
+                <a:solidFill>
+                  <a:schemeClr val="accent1"/>
+                </a:solidFill>
+                <a:effectLst>
+                  <a:outerShdw blurRad="38100" dist="25400" dir="5400000" algn="ctr" rotWithShape="0">
+                    <a:srgbClr val="6E747A">
+                      <a:alpha val="43000"/>
+                    </a:srgbClr>
+                  </a:outerShdw>
+                </a:effectLst>
+              </a:rPr>
+              <a:t>Эксперимент №1</a:t>
+            </a:r>
+            <a:endParaRPr lang="ru-RU" sz="1400" dirty="0">
+              <a:ln w="0"/>
+              <a:solidFill>
+                <a:schemeClr val="accent1"/>
+              </a:solidFill>
+              <a:effectLst>
+                <a:outerShdw blurRad="38100" dist="25400" dir="5400000" algn="ctr" rotWithShape="0">
+                  <a:srgbClr val="6E747A">
+                    <a:alpha val="43000"/>
+                  </a:srgbClr>
+                </a:outerShdw>
+              </a:effectLst>
+            </a:endParaRPr>
+          </a:p>
+        </p:txBody>
+      </p:sp>
+      <p:sp>
+        <p:nvSpPr>
+          <p:cNvPr id="34" name="Right Brace 33"/>
+          <p:cNvSpPr/>
+          <p:nvPr/>
+        </p:nvSpPr>
+        <p:spPr>
+          <a:xfrm>
+            <a:off x="4727612" y="4450308"/>
+            <a:ext cx="256651" cy="2139292"/>
+          </a:xfrm>
+          <a:prstGeom prst="rightBrace">
+            <a:avLst/>
+          </a:prstGeom>
+        </p:spPr>
+        <p:style>
+          <a:lnRef idx="1">
+            <a:schemeClr val="accent1"/>
+          </a:lnRef>
+          <a:fillRef idx="0">
+            <a:schemeClr val="accent1"/>
+          </a:fillRef>
+          <a:effectRef idx="0">
+            <a:schemeClr val="accent1"/>
+          </a:effectRef>
+          <a:fontRef idx="minor">
+            <a:schemeClr val="tx1"/>
+          </a:fontRef>
+        </p:style>
+        <p:txBody>
+          <a:bodyPr rtlCol="0" anchor="ctr"/>
+          <a:lstStyle/>
+          <a:p>
+            <a:pPr algn="ctr"/>
+            <a:endParaRPr lang="ru-RU"/>
+          </a:p>
+        </p:txBody>
+      </p:sp>
+      <p:sp>
+        <p:nvSpPr>
+          <p:cNvPr id="35" name="TextBox 34"/>
+          <p:cNvSpPr txBox="1"/>
+          <p:nvPr/>
+        </p:nvSpPr>
+        <p:spPr>
+          <a:xfrm>
+            <a:off x="572598" y="3174618"/>
+            <a:ext cx="1500188" cy="646331"/>
+          </a:xfrm>
+          <a:prstGeom prst="rect">
+            <a:avLst/>
+          </a:prstGeom>
+          <a:noFill/>
+        </p:spPr>
+        <p:txBody>
+          <a:bodyPr wrap="square" rtlCol="0">
+            <a:spAutoFit/>
+          </a:bodyPr>
+          <a:lstStyle/>
+          <a:p>
+            <a:r>
+              <a:rPr lang="ru-RU" dirty="0"/>
+              <a:t>Книга №1</a:t>
+            </a:r>
+          </a:p>
+          <a:p>
+            <a:r>
+              <a:rPr lang="ru-RU" dirty="0" smtClean="0"/>
+              <a:t>Задача №1</a:t>
+            </a:r>
+          </a:p>
+        </p:txBody>
+      </p:sp>
+      <p:sp>
+        <p:nvSpPr>
+          <p:cNvPr id="40" name="Oval 39"/>
+          <p:cNvSpPr/>
+          <p:nvPr/>
+        </p:nvSpPr>
+        <p:spPr>
+          <a:xfrm flipV="1">
+            <a:off x="2724456" y="3027512"/>
+            <a:ext cx="109538" cy="77986"/>
+          </a:xfrm>
+          <a:prstGeom prst="ellipse">
+            <a:avLst/>
+          </a:prstGeom>
+        </p:spPr>
+        <p:style>
+          <a:lnRef idx="2">
+            <a:schemeClr val="accent1">
+              <a:shade val="50000"/>
+            </a:schemeClr>
+          </a:lnRef>
+          <a:fillRef idx="1">
+            <a:schemeClr val="accent1"/>
+          </a:fillRef>
+          <a:effectRef idx="0">
+            <a:schemeClr val="accent1"/>
+          </a:effectRef>
+          <a:fontRef idx="minor">
+            <a:schemeClr val="lt1"/>
+          </a:fontRef>
+        </p:style>
+        <p:txBody>
+          <a:bodyPr rtlCol="0" anchor="ctr"/>
+          <a:lstStyle/>
+          <a:p>
+            <a:pPr algn="ctr"/>
+            <a:endParaRPr lang="ru-RU"/>
+          </a:p>
+        </p:txBody>
+      </p:sp>
+      <p:sp>
+        <p:nvSpPr>
+          <p:cNvPr id="41" name="Oval 40"/>
+          <p:cNvSpPr/>
+          <p:nvPr/>
+        </p:nvSpPr>
+        <p:spPr>
+          <a:xfrm flipV="1">
+            <a:off x="3105456" y="3027511"/>
+            <a:ext cx="109538" cy="77986"/>
+          </a:xfrm>
+          <a:prstGeom prst="ellipse">
+            <a:avLst/>
+          </a:prstGeom>
+        </p:spPr>
+        <p:style>
+          <a:lnRef idx="2">
+            <a:schemeClr val="accent1">
+              <a:shade val="50000"/>
+            </a:schemeClr>
+          </a:lnRef>
+          <a:fillRef idx="1">
+            <a:schemeClr val="accent1"/>
+          </a:fillRef>
+          <a:effectRef idx="0">
+            <a:schemeClr val="accent1"/>
+          </a:effectRef>
+          <a:fontRef idx="minor">
+            <a:schemeClr val="lt1"/>
+          </a:fontRef>
+        </p:style>
+        <p:txBody>
+          <a:bodyPr rtlCol="0" anchor="ctr"/>
+          <a:lstStyle/>
+          <a:p>
+            <a:pPr algn="ctr"/>
+            <a:endParaRPr lang="ru-RU"/>
+          </a:p>
+        </p:txBody>
+      </p:sp>
+      <p:sp>
+        <p:nvSpPr>
+          <p:cNvPr id="42" name="Oval 41"/>
+          <p:cNvSpPr/>
+          <p:nvPr/>
+        </p:nvSpPr>
+        <p:spPr>
+          <a:xfrm flipV="1">
+            <a:off x="3486456" y="3027511"/>
+            <a:ext cx="109538" cy="77986"/>
+          </a:xfrm>
+          <a:prstGeom prst="ellipse">
+            <a:avLst/>
+          </a:prstGeom>
+        </p:spPr>
+        <p:style>
+          <a:lnRef idx="2">
+            <a:schemeClr val="accent1">
+              <a:shade val="50000"/>
+            </a:schemeClr>
+          </a:lnRef>
+          <a:fillRef idx="1">
+            <a:schemeClr val="accent1"/>
+          </a:fillRef>
+          <a:effectRef idx="0">
+            <a:schemeClr val="accent1"/>
+          </a:effectRef>
+          <a:fontRef idx="minor">
+            <a:schemeClr val="lt1"/>
+          </a:fontRef>
+        </p:style>
+        <p:txBody>
+          <a:bodyPr rtlCol="0" anchor="ctr"/>
+          <a:lstStyle/>
+          <a:p>
+            <a:pPr algn="ctr"/>
+            <a:endParaRPr lang="ru-RU"/>
+          </a:p>
+        </p:txBody>
+      </p:sp>
+      <p:sp>
+        <p:nvSpPr>
+          <p:cNvPr id="46" name="Oval 45"/>
+          <p:cNvSpPr/>
+          <p:nvPr/>
+        </p:nvSpPr>
+        <p:spPr>
+          <a:xfrm flipV="1">
+            <a:off x="2724456" y="4066518"/>
+            <a:ext cx="109538" cy="77986"/>
+          </a:xfrm>
+          <a:prstGeom prst="ellipse">
+            <a:avLst/>
+          </a:prstGeom>
+        </p:spPr>
+        <p:style>
+          <a:lnRef idx="2">
+            <a:schemeClr val="accent1">
+              <a:shade val="50000"/>
+            </a:schemeClr>
+          </a:lnRef>
+          <a:fillRef idx="1">
+            <a:schemeClr val="accent1"/>
+          </a:fillRef>
+          <a:effectRef idx="0">
+            <a:schemeClr val="accent1"/>
+          </a:effectRef>
+          <a:fontRef idx="minor">
+            <a:schemeClr val="lt1"/>
+          </a:fontRef>
+        </p:style>
+        <p:txBody>
+          <a:bodyPr rtlCol="0" anchor="ctr"/>
+          <a:lstStyle/>
+          <a:p>
+            <a:pPr algn="ctr"/>
+            <a:endParaRPr lang="ru-RU"/>
+          </a:p>
+        </p:txBody>
+      </p:sp>
+      <p:sp>
+        <p:nvSpPr>
+          <p:cNvPr id="47" name="Oval 46"/>
+          <p:cNvSpPr/>
+          <p:nvPr/>
+        </p:nvSpPr>
+        <p:spPr>
+          <a:xfrm flipV="1">
+            <a:off x="3105456" y="4066517"/>
+            <a:ext cx="109538" cy="77986"/>
+          </a:xfrm>
+          <a:prstGeom prst="ellipse">
+            <a:avLst/>
+          </a:prstGeom>
+        </p:spPr>
+        <p:style>
+          <a:lnRef idx="2">
+            <a:schemeClr val="accent1">
+              <a:shade val="50000"/>
+            </a:schemeClr>
+          </a:lnRef>
+          <a:fillRef idx="1">
+            <a:schemeClr val="accent1"/>
+          </a:fillRef>
+          <a:effectRef idx="0">
+            <a:schemeClr val="accent1"/>
+          </a:effectRef>
+          <a:fontRef idx="minor">
+            <a:schemeClr val="lt1"/>
+          </a:fontRef>
+        </p:style>
+        <p:txBody>
+          <a:bodyPr rtlCol="0" anchor="ctr"/>
+          <a:lstStyle/>
+          <a:p>
+            <a:pPr algn="ctr"/>
+            <a:endParaRPr lang="ru-RU"/>
+          </a:p>
+        </p:txBody>
+      </p:sp>
+      <p:sp>
+        <p:nvSpPr>
+          <p:cNvPr id="48" name="Oval 47"/>
+          <p:cNvSpPr/>
+          <p:nvPr/>
+        </p:nvSpPr>
+        <p:spPr>
+          <a:xfrm flipV="1">
+            <a:off x="3486456" y="4066517"/>
+            <a:ext cx="109538" cy="77986"/>
+          </a:xfrm>
+          <a:prstGeom prst="ellipse">
+            <a:avLst/>
+          </a:prstGeom>
+        </p:spPr>
+        <p:style>
+          <a:lnRef idx="2">
+            <a:schemeClr val="accent1">
+              <a:shade val="50000"/>
+            </a:schemeClr>
+          </a:lnRef>
+          <a:fillRef idx="1">
+            <a:schemeClr val="accent1"/>
+          </a:fillRef>
+          <a:effectRef idx="0">
+            <a:schemeClr val="accent1"/>
+          </a:effectRef>
+          <a:fontRef idx="minor">
+            <a:schemeClr val="lt1"/>
+          </a:fontRef>
+        </p:style>
+        <p:txBody>
+          <a:bodyPr rtlCol="0" anchor="ctr"/>
+          <a:lstStyle/>
+          <a:p>
+            <a:pPr algn="ctr"/>
+            <a:endParaRPr lang="ru-RU"/>
+          </a:p>
+        </p:txBody>
+      </p:sp>
+      <p:sp>
+        <p:nvSpPr>
+          <p:cNvPr id="49" name="Right Brace 48"/>
+          <p:cNvSpPr/>
+          <p:nvPr/>
+        </p:nvSpPr>
+        <p:spPr>
+          <a:xfrm>
+            <a:off x="8146563" y="2540856"/>
+            <a:ext cx="871537" cy="2900362"/>
+          </a:xfrm>
+          <a:prstGeom prst="rightBrace">
+            <a:avLst/>
+          </a:prstGeom>
+        </p:spPr>
+        <p:style>
+          <a:lnRef idx="1">
+            <a:schemeClr val="accent1"/>
+          </a:lnRef>
+          <a:fillRef idx="0">
+            <a:schemeClr val="accent1"/>
+          </a:fillRef>
+          <a:effectRef idx="0">
+            <a:schemeClr val="accent1"/>
+          </a:effectRef>
+          <a:fontRef idx="minor">
+            <a:schemeClr val="tx1"/>
+          </a:fontRef>
+        </p:style>
+        <p:txBody>
+          <a:bodyPr rtlCol="0" anchor="ctr"/>
+          <a:lstStyle/>
+          <a:p>
+            <a:pPr algn="ctr"/>
+            <a:endParaRPr lang="ru-RU"/>
+          </a:p>
+        </p:txBody>
+      </p:sp>
+      <p:sp>
+        <p:nvSpPr>
+          <p:cNvPr id="50" name="TextBox 49"/>
+          <p:cNvSpPr txBox="1"/>
+          <p:nvPr/>
+        </p:nvSpPr>
+        <p:spPr>
+          <a:xfrm>
+            <a:off x="9212570" y="3390872"/>
+            <a:ext cx="2824163" cy="1200329"/>
+          </a:xfrm>
+          <a:prstGeom prst="rect">
+            <a:avLst/>
+          </a:prstGeom>
+        </p:spPr>
+        <p:style>
+          <a:lnRef idx="2">
+            <a:schemeClr val="accent1"/>
+          </a:lnRef>
+          <a:fillRef idx="1">
+            <a:schemeClr val="lt1"/>
+          </a:fillRef>
+          <a:effectRef idx="0">
+            <a:schemeClr val="accent1"/>
+          </a:effectRef>
+          <a:fontRef idx="minor">
+            <a:schemeClr val="dk1"/>
+          </a:fontRef>
+        </p:style>
+        <p:txBody>
+          <a:bodyPr wrap="square" rtlCol="0">
+            <a:spAutoFit/>
+          </a:bodyPr>
+          <a:lstStyle/>
+          <a:p>
+            <a:r>
+              <a:rPr lang="ru-RU" dirty="0" smtClean="0">
+                <a:ln w="0"/>
+                <a:solidFill>
+                  <a:schemeClr val="accent1"/>
+                </a:solidFill>
+                <a:effectLst>
+                  <a:outerShdw blurRad="38100" dist="25400" dir="5400000" algn="ctr" rotWithShape="0">
+                    <a:srgbClr val="6E747A">
+                      <a:alpha val="43000"/>
+                    </a:srgbClr>
+                  </a:outerShdw>
+                </a:effectLst>
+              </a:rPr>
+              <a:t>Книга №6</a:t>
+            </a:r>
+          </a:p>
+          <a:p>
+            <a:r>
+              <a:rPr lang="ru-RU" dirty="0" smtClean="0">
+                <a:ln w="0"/>
+                <a:solidFill>
+                  <a:schemeClr val="accent1"/>
+                </a:solidFill>
+                <a:effectLst>
+                  <a:outerShdw blurRad="38100" dist="25400" dir="5400000" algn="ctr" rotWithShape="0">
+                    <a:srgbClr val="6E747A">
+                      <a:alpha val="43000"/>
+                    </a:srgbClr>
+                  </a:outerShdw>
+                </a:effectLst>
+              </a:rPr>
+              <a:t>Суммарный отчёт по всем задачам одного</a:t>
+            </a:r>
+          </a:p>
+          <a:p>
+            <a:r>
+              <a:rPr lang="ru-RU" dirty="0" smtClean="0">
+                <a:ln w="0"/>
+                <a:solidFill>
+                  <a:schemeClr val="accent1"/>
+                </a:solidFill>
+                <a:effectLst>
+                  <a:outerShdw blurRad="38100" dist="25400" dir="5400000" algn="ctr" rotWithShape="0">
+                    <a:srgbClr val="6E747A">
+                      <a:alpha val="43000"/>
+                    </a:srgbClr>
+                  </a:outerShdw>
+                </a:effectLst>
+              </a:rPr>
+              <a:t>класса тестовых задач</a:t>
+            </a:r>
+          </a:p>
+        </p:txBody>
+      </p:sp>
+      <p:sp>
+        <p:nvSpPr>
+          <p:cNvPr id="51" name="TextBox 50"/>
+          <p:cNvSpPr txBox="1"/>
+          <p:nvPr/>
+        </p:nvSpPr>
+        <p:spPr>
+          <a:xfrm>
+            <a:off x="556857" y="5998834"/>
+            <a:ext cx="1500188" cy="646331"/>
+          </a:xfrm>
+          <a:prstGeom prst="rect">
+            <a:avLst/>
+          </a:prstGeom>
+          <a:noFill/>
+        </p:spPr>
+        <p:txBody>
+          <a:bodyPr wrap="square" rtlCol="0">
+            <a:spAutoFit/>
+          </a:bodyPr>
+          <a:lstStyle/>
+          <a:p>
+            <a:r>
+              <a:rPr lang="ru-RU" dirty="0"/>
+              <a:t>Книга </a:t>
+            </a:r>
+            <a:r>
+              <a:rPr lang="ru-RU" dirty="0" smtClean="0"/>
+              <a:t>№5</a:t>
+            </a:r>
+            <a:endParaRPr lang="ru-RU" dirty="0"/>
+          </a:p>
+          <a:p>
+            <a:r>
+              <a:rPr lang="ru-RU" dirty="0" smtClean="0"/>
+              <a:t>Задача №5</a:t>
+            </a:r>
+          </a:p>
+        </p:txBody>
+      </p:sp>
+      <p:sp>
+        <p:nvSpPr>
+          <p:cNvPr id="4" name="Rounded Rectangular Callout 3"/>
+          <p:cNvSpPr/>
+          <p:nvPr/>
+        </p:nvSpPr>
+        <p:spPr>
+          <a:xfrm>
+            <a:off x="5220006" y="1165963"/>
+            <a:ext cx="3319165" cy="955794"/>
+          </a:xfrm>
+          <a:prstGeom prst="wedgeRoundRectCallout">
+            <a:avLst>
+              <a:gd name="adj1" fmla="val -70662"/>
+              <a:gd name="adj2" fmla="val -6496"/>
+              <a:gd name="adj3" fmla="val 16667"/>
+            </a:avLst>
+          </a:prstGeom>
+        </p:spPr>
+        <p:style>
+          <a:lnRef idx="2">
+            <a:schemeClr val="accent2"/>
+          </a:lnRef>
+          <a:fillRef idx="1">
+            <a:schemeClr val="lt1"/>
+          </a:fillRef>
+          <a:effectRef idx="0">
+            <a:schemeClr val="accent2"/>
+          </a:effectRef>
+          <a:fontRef idx="minor">
+            <a:schemeClr val="dk1"/>
+          </a:fontRef>
+        </p:style>
+        <p:txBody>
+          <a:bodyPr rtlCol="0" anchor="ctr"/>
+          <a:lstStyle/>
+          <a:p>
+            <a:pPr marL="171450" indent="-171450">
+              <a:buFont typeface="Arial" panose="020B0604020202020204" pitchFamily="34" charset="0"/>
+              <a:buChar char="•"/>
+            </a:pPr>
+            <a:r>
+              <a:rPr lang="ru-RU" sz="1000" dirty="0" smtClean="0"/>
+              <a:t>Значения ф-й приспособленности  для кажд. поколения (40 шт)</a:t>
+            </a:r>
+          </a:p>
+          <a:p>
+            <a:pPr marL="171450" indent="-171450">
+              <a:buFont typeface="Arial" panose="020B0604020202020204" pitchFamily="34" charset="0"/>
+              <a:buChar char="•"/>
+            </a:pPr>
+            <a:r>
+              <a:rPr lang="ru-RU" sz="1000" dirty="0" smtClean="0"/>
+              <a:t>Максимальное значение ф-и присп.</a:t>
+            </a:r>
+          </a:p>
+          <a:p>
+            <a:pPr marL="171450" indent="-171450">
+              <a:buFont typeface="Arial" panose="020B0604020202020204" pitchFamily="34" charset="0"/>
+              <a:buChar char="•"/>
+            </a:pPr>
+            <a:r>
+              <a:rPr lang="ru-RU" sz="1000" dirty="0" smtClean="0"/>
+              <a:t>Кол-во итераций до лучшего решения </a:t>
+            </a:r>
+            <a:endParaRPr lang="ru-RU" sz="1000" dirty="0"/>
+          </a:p>
+        </p:txBody>
+      </p:sp>
+      <p:sp>
+        <p:nvSpPr>
+          <p:cNvPr id="36" name="Rounded Rectangular Callout 35"/>
+          <p:cNvSpPr/>
+          <p:nvPr/>
+        </p:nvSpPr>
+        <p:spPr>
+          <a:xfrm>
+            <a:off x="8755865" y="1537169"/>
+            <a:ext cx="3319165" cy="955794"/>
+          </a:xfrm>
+          <a:prstGeom prst="wedgeRoundRectCallout">
+            <a:avLst>
+              <a:gd name="adj1" fmla="val -73252"/>
+              <a:gd name="adj2" fmla="val 40929"/>
+              <a:gd name="adj3" fmla="val 16667"/>
+            </a:avLst>
+          </a:prstGeom>
+        </p:spPr>
+        <p:style>
+          <a:lnRef idx="2">
+            <a:schemeClr val="accent2"/>
+          </a:lnRef>
+          <a:fillRef idx="1">
+            <a:schemeClr val="lt1"/>
+          </a:fillRef>
+          <a:effectRef idx="0">
+            <a:schemeClr val="accent2"/>
+          </a:effectRef>
+          <a:fontRef idx="minor">
+            <a:schemeClr val="dk1"/>
+          </a:fontRef>
+        </p:style>
+        <p:txBody>
+          <a:bodyPr rtlCol="0" anchor="ctr"/>
+          <a:lstStyle/>
+          <a:p>
+            <a:pPr marL="171450" indent="-171450">
+              <a:buFont typeface="Arial" panose="020B0604020202020204" pitchFamily="34" charset="0"/>
+              <a:buChar char="•"/>
+            </a:pPr>
+            <a:r>
+              <a:rPr lang="ru-RU" sz="1000" dirty="0" smtClean="0"/>
+              <a:t>Макс. значение ф-и приспособленности</a:t>
+            </a:r>
+          </a:p>
+          <a:p>
+            <a:pPr marL="171450" indent="-171450">
+              <a:buFont typeface="Arial" panose="020B0604020202020204" pitchFamily="34" charset="0"/>
+              <a:buChar char="•"/>
+            </a:pPr>
+            <a:r>
+              <a:rPr lang="ru-RU" sz="1000" dirty="0"/>
+              <a:t>Вероятность получения лучшей </a:t>
+            </a:r>
+            <a:r>
+              <a:rPr lang="ru-RU" sz="1000" dirty="0" smtClean="0"/>
+              <a:t>особи</a:t>
+            </a:r>
+          </a:p>
+          <a:p>
+            <a:pPr marL="171450" indent="-171450">
+              <a:buFont typeface="Arial" panose="020B0604020202020204" pitchFamily="34" charset="0"/>
+              <a:buChar char="•"/>
+            </a:pPr>
+            <a:r>
+              <a:rPr lang="ru-RU" sz="1000" dirty="0" smtClean="0"/>
+              <a:t>Среднее </a:t>
+            </a:r>
+            <a:r>
+              <a:rPr lang="ru-RU" sz="1000" dirty="0"/>
+              <a:t>значение количества итераций до получения лучшей </a:t>
+            </a:r>
+            <a:r>
+              <a:rPr lang="ru-RU" sz="1000" dirty="0" smtClean="0"/>
+              <a:t>особи</a:t>
+            </a:r>
+            <a:endParaRPr lang="ru-RU" sz="1000" dirty="0"/>
+          </a:p>
+        </p:txBody>
+      </p:sp>
+      <p:sp>
+        <p:nvSpPr>
+          <p:cNvPr id="37" name="Rounded Rectangular Callout 36"/>
+          <p:cNvSpPr/>
+          <p:nvPr/>
+        </p:nvSpPr>
+        <p:spPr>
+          <a:xfrm>
+            <a:off x="8729141" y="5140244"/>
+            <a:ext cx="3345889" cy="1434945"/>
+          </a:xfrm>
+          <a:prstGeom prst="wedgeRoundRectCallout">
+            <a:avLst>
+              <a:gd name="adj1" fmla="val 3743"/>
+              <a:gd name="adj2" fmla="val -87496"/>
+              <a:gd name="adj3" fmla="val 16667"/>
+            </a:avLst>
+          </a:prstGeom>
+        </p:spPr>
+        <p:style>
+          <a:lnRef idx="2">
+            <a:schemeClr val="accent2"/>
+          </a:lnRef>
+          <a:fillRef idx="1">
+            <a:schemeClr val="lt1"/>
+          </a:fillRef>
+          <a:effectRef idx="0">
+            <a:schemeClr val="accent2"/>
+          </a:effectRef>
+          <a:fontRef idx="minor">
+            <a:schemeClr val="dk1"/>
+          </a:fontRef>
+        </p:style>
+        <p:txBody>
+          <a:bodyPr rtlCol="0" anchor="ctr"/>
+          <a:lstStyle/>
+          <a:p>
+            <a:pPr marL="171450" indent="-171450">
+              <a:buFont typeface="Arial" panose="020B0604020202020204" pitchFamily="34" charset="0"/>
+              <a:buChar char="•"/>
+            </a:pPr>
+            <a:r>
+              <a:rPr lang="ru-RU" sz="1000" dirty="0" smtClean="0"/>
+              <a:t>Мин. </a:t>
+            </a:r>
+            <a:r>
+              <a:rPr lang="ru-RU" sz="1000" dirty="0"/>
+              <a:t>отклонение значения функции </a:t>
+            </a:r>
+            <a:r>
+              <a:rPr lang="ru-RU" sz="1000" dirty="0" smtClean="0"/>
+              <a:t>приспособленности от точного решения %</a:t>
+            </a:r>
+          </a:p>
+          <a:p>
+            <a:pPr marL="171450" indent="-171450">
+              <a:buFont typeface="Arial" panose="020B0604020202020204" pitchFamily="34" charset="0"/>
+              <a:buChar char="•"/>
+            </a:pPr>
+            <a:r>
+              <a:rPr lang="ru-RU" sz="1000" dirty="0" smtClean="0"/>
+              <a:t>Средняя </a:t>
+            </a:r>
+            <a:r>
+              <a:rPr lang="ru-RU" sz="1000" dirty="0"/>
+              <a:t>в</a:t>
+            </a:r>
+            <a:r>
+              <a:rPr lang="ru-RU" sz="1000" dirty="0" smtClean="0"/>
+              <a:t>ероятность </a:t>
+            </a:r>
+            <a:r>
+              <a:rPr lang="ru-RU" sz="1000" dirty="0"/>
+              <a:t>получения лучшей </a:t>
+            </a:r>
+            <a:r>
+              <a:rPr lang="ru-RU" sz="1000" dirty="0" smtClean="0"/>
+              <a:t>особи %</a:t>
+            </a:r>
+          </a:p>
+          <a:p>
+            <a:pPr marL="171450" indent="-171450">
+              <a:buFont typeface="Arial" panose="020B0604020202020204" pitchFamily="34" charset="0"/>
+              <a:buChar char="•"/>
+            </a:pPr>
+            <a:r>
+              <a:rPr lang="ru-RU" sz="1000" dirty="0" smtClean="0"/>
+              <a:t>Среднее </a:t>
+            </a:r>
+            <a:r>
+              <a:rPr lang="ru-RU" sz="1000" dirty="0"/>
+              <a:t>значение количества </a:t>
+            </a:r>
+            <a:r>
+              <a:rPr lang="ru-RU" sz="1000" dirty="0" smtClean="0"/>
+              <a:t>итераций % </a:t>
+            </a:r>
+            <a:r>
+              <a:rPr lang="ru-RU" sz="1000" dirty="0"/>
+              <a:t>от наибольшего среднего количества итераций до получения лучшей </a:t>
+            </a:r>
+            <a:r>
+              <a:rPr lang="ru-RU" sz="1000" dirty="0" smtClean="0"/>
+              <a:t>особи</a:t>
+            </a:r>
+          </a:p>
+          <a:p>
+            <a:r>
+              <a:rPr lang="ru-RU" sz="1000" dirty="0" smtClean="0"/>
+              <a:t>   (средняя </a:t>
+            </a:r>
+            <a:r>
+              <a:rPr lang="ru-RU" sz="1000" dirty="0"/>
+              <a:t>скорость до наилучшего </a:t>
+            </a:r>
+            <a:r>
+              <a:rPr lang="ru-RU" sz="1000" dirty="0" smtClean="0"/>
+              <a:t>решения)</a:t>
+            </a:r>
+            <a:endParaRPr lang="ru-RU" sz="1000" dirty="0"/>
+          </a:p>
+        </p:txBody>
+      </p:sp>
+      <p:sp>
+        <p:nvSpPr>
+          <p:cNvPr id="10" name="Rectangle 9"/>
+          <p:cNvSpPr/>
+          <p:nvPr/>
+        </p:nvSpPr>
+        <p:spPr>
+          <a:xfrm>
+            <a:off x="2413965" y="344412"/>
+            <a:ext cx="7848623" cy="646331"/>
           </a:xfrm>
           <a:prstGeom prst="rect">
             <a:avLst/>
           </a:prstGeom>
         </p:spPr>
         <p:txBody>
-          <a:bodyPr vert="horz" lIns="91440" tIns="45720" rIns="91440" bIns="45720" rtlCol="0" anchor="ctr"/>
-          <a:lstStyle>
-            <a:defPPr>
-              <a:defRPr lang="en-US"/>
-            </a:defPPr>
-            <a:lvl1pPr marL="0" algn="l" defTabSz="457200" rtl="0" eaLnBrk="1" latinLnBrk="0" hangingPunct="1">
-              <a:defRPr sz="900" kern="1200">
-                <a:solidFill>
-                  <a:schemeClr val="tx1">
-                    <a:tint val="75000"/>
+          <a:bodyPr wrap="none">
+            <a:spAutoFit/>
+          </a:bodyPr>
+          <a:lstStyle/>
+          <a:p>
+            <a:pPr algn="ctr">
+              <a:spcBef>
+                <a:spcPct val="0"/>
+              </a:spcBef>
+            </a:pPr>
+            <a:r>
+              <a:rPr lang="ru-RU" sz="3600" dirty="0">
+                <a:solidFill>
+                  <a:schemeClr val="accent2">
+                    <a:lumMod val="75000"/>
                   </a:schemeClr>
                 </a:solidFill>
-                <a:latin typeface="+mn-lt"/>
-                <a:ea typeface="+mn-ea"/>
-                <a:cs typeface="+mn-cs"/>
-              </a:defRPr>
-            </a:lvl1pPr>
-            <a:lvl2pPr marL="457200" algn="l" defTabSz="457200" rtl="0" eaLnBrk="1" latinLnBrk="0" hangingPunct="1">
-              <a:defRPr sz="1800" kern="1200">
-                <a:solidFill>
-                  <a:schemeClr val="tx1"/>
-                </a:solidFill>
-                <a:latin typeface="+mn-lt"/>
-                <a:ea typeface="+mn-ea"/>
-                <a:cs typeface="+mn-cs"/>
-              </a:defRPr>
-            </a:lvl2pPr>
-            <a:lvl3pPr marL="914400" algn="l" defTabSz="457200" rtl="0" eaLnBrk="1" latinLnBrk="0" hangingPunct="1">
-              <a:defRPr sz="1800" kern="1200">
-                <a:solidFill>
-                  <a:schemeClr val="tx1"/>
-                </a:solidFill>
-                <a:latin typeface="+mn-lt"/>
-                <a:ea typeface="+mn-ea"/>
-                <a:cs typeface="+mn-cs"/>
-              </a:defRPr>
-            </a:lvl3pPr>
-            <a:lvl4pPr marL="1371600" algn="l" defTabSz="457200" rtl="0" eaLnBrk="1" latinLnBrk="0" hangingPunct="1">
-              <a:defRPr sz="1800" kern="1200">
-                <a:solidFill>
-                  <a:schemeClr val="tx1"/>
-                </a:solidFill>
-                <a:latin typeface="+mn-lt"/>
-                <a:ea typeface="+mn-ea"/>
-                <a:cs typeface="+mn-cs"/>
-              </a:defRPr>
-            </a:lvl4pPr>
-            <a:lvl5pPr marL="1828800" algn="l" defTabSz="457200" rtl="0" eaLnBrk="1" latinLnBrk="0" hangingPunct="1">
-              <a:defRPr sz="1800" kern="1200">
-                <a:solidFill>
-                  <a:schemeClr val="tx1"/>
-                </a:solidFill>
-                <a:latin typeface="+mn-lt"/>
-                <a:ea typeface="+mn-ea"/>
-                <a:cs typeface="+mn-cs"/>
-              </a:defRPr>
-            </a:lvl5pPr>
-            <a:lvl6pPr marL="2286000" algn="l" defTabSz="457200" rtl="0" eaLnBrk="1" latinLnBrk="0" hangingPunct="1">
-              <a:defRPr sz="1800" kern="1200">
-                <a:solidFill>
-                  <a:schemeClr val="tx1"/>
-                </a:solidFill>
-                <a:latin typeface="+mn-lt"/>
-                <a:ea typeface="+mn-ea"/>
-                <a:cs typeface="+mn-cs"/>
-              </a:defRPr>
-            </a:lvl6pPr>
-            <a:lvl7pPr marL="2743200" algn="l" defTabSz="457200" rtl="0" eaLnBrk="1" latinLnBrk="0" hangingPunct="1">
-              <a:defRPr sz="1800" kern="1200">
-                <a:solidFill>
-                  <a:schemeClr val="tx1"/>
-                </a:solidFill>
-                <a:latin typeface="+mn-lt"/>
-                <a:ea typeface="+mn-ea"/>
-                <a:cs typeface="+mn-cs"/>
-              </a:defRPr>
-            </a:lvl7pPr>
-            <a:lvl8pPr marL="3200400" algn="l" defTabSz="457200" rtl="0" eaLnBrk="1" latinLnBrk="0" hangingPunct="1">
-              <a:defRPr sz="1800" kern="1200">
-                <a:solidFill>
-                  <a:schemeClr val="tx1"/>
-                </a:solidFill>
-                <a:latin typeface="+mn-lt"/>
-                <a:ea typeface="+mn-ea"/>
-                <a:cs typeface="+mn-cs"/>
-              </a:defRPr>
-            </a:lvl8pPr>
-            <a:lvl9pPr marL="3657600" algn="l" defTabSz="457200" rtl="0" eaLnBrk="1" latinLnBrk="0" hangingPunct="1">
-              <a:defRPr sz="1800" kern="1200">
-                <a:solidFill>
-                  <a:schemeClr val="tx1"/>
-                </a:solidFill>
-                <a:latin typeface="+mn-lt"/>
-                <a:ea typeface="+mn-ea"/>
-                <a:cs typeface="+mn-cs"/>
-              </a:defRPr>
-            </a:lvl9pPr>
-          </a:lstStyle>
-          <a:p>
-            <a:pPr algn="r"/>
-            <a:r>
-              <a:rPr lang="ru-RU" dirty="0" smtClean="0">
-                <a:solidFill>
-                  <a:schemeClr val="accent1">
-                    <a:lumMod val="60000"/>
-                    <a:lumOff val="40000"/>
-                  </a:schemeClr>
-                </a:solidFill>
+                <a:latin typeface="+mj-lt"/>
+                <a:ea typeface="+mj-ea"/>
+                <a:cs typeface="+mj-cs"/>
               </a:rPr>
-              <a:t>Пронина Е. В. "Применение генетического алгоритма к задаче формирования инвестиционного портфеля"</a:t>
-            </a:r>
-            <a:endParaRPr lang="en-US" dirty="0">
-              <a:solidFill>
-                <a:schemeClr val="accent1">
-                  <a:lumMod val="60000"/>
-                  <a:lumOff val="40000"/>
-                </a:schemeClr>
-              </a:solidFill>
-            </a:endParaRPr>
+              <a:t>Эксперимент: вывод результатов</a:t>
+            </a:r>
           </a:p>
         </p:txBody>
       </p:sp>
     </p:spTree>
     <p:extLst>
       <p:ext uri="{BB962C8B-B14F-4D97-AF65-F5344CB8AC3E}">
-        <p14:creationId xmlns:p14="http://schemas.microsoft.com/office/powerpoint/2010/main" val="3344102804"/>
+        <p14:creationId xmlns:p14="http://schemas.microsoft.com/office/powerpoint/2010/main" val="3746786940"/>
       </p:ext>
     </p:extLst>
   </p:cSld>
@@ -9868,7 +11230,15 @@
             </a:pPr>
             <a:r>
               <a:rPr lang="ru-RU" dirty="0"/>
-              <a:t>Из полученых результатов исследования для каждого класса задачи выбрано по 5 эффективных </a:t>
+              <a:t>Из полученых результатов исследования для каждого </a:t>
+            </a:r>
+            <a:r>
+              <a:rPr lang="ru-RU" dirty="0" smtClean="0"/>
+              <a:t>класса тестовых задач выбрано </a:t>
+            </a:r>
+            <a:r>
+              <a:rPr lang="ru-RU" dirty="0"/>
+              <a:t>по 5 эффективных </a:t>
             </a:r>
             <a:r>
               <a:rPr lang="ru-RU" dirty="0" smtClean="0"/>
@@ -9884,7 +11254,15 @@
             </a:r>
             <a:r>
               <a:rPr lang="ru-RU" dirty="0"/>
-              <a:t>для всех классов задач выбраны три эффективные комбинации. Данные </a:t>
+              <a:t>для всех </a:t>
+            </a:r>
+            <a:r>
+              <a:rPr lang="ru-RU" dirty="0" smtClean="0"/>
+              <a:t>классов тестовых </a:t>
+            </a:r>
+            <a:r>
+              <a:rPr lang="ru-RU" dirty="0"/>
+              <a:t>задач выбраны три эффективные комбинации. Данные </a:t>
             </a:r>
             <a:r>
               <a:rPr lang="ru-RU" dirty="0" smtClean="0"/>
@@ -9920,15 +11298,23 @@
             </a:pPr>
             <a:r>
               <a:rPr lang="ru-RU" b="1" dirty="0" smtClean="0"/>
-              <a:t>Относительно классов задач: </a:t>
+              <a:t>Относительно классов тестовых задач: </a:t>
             </a:r>
             <a:r>
               <a:rPr lang="ru-RU" dirty="0" smtClean="0"/>
-              <a:t>Для </a:t>
+              <a:t>Для задач </a:t>
             </a:r>
             <a:r>
               <a:rPr lang="ru-RU" dirty="0"/>
-              <a:t>классов тестовых задач с корреляцией и с сильной корреляцией вероятность нахождения глобального оптимума  не превышает 22,67%, что подтверждает теорию о труднорешаемости таких задач, напротив, для классов тестовых задач без корряции и с подсуммами вероятность нахождения глобального оптимума достигает 72% и 84,67%, соответственно, что говорит о менее трудном нахождении их решения.</a:t>
+              <a:t>с корреляцией и с сильной корреляцией вероятность нахождения глобального оптимума  не превышает 22,67%, что подтверждает теорию о труднорешаемости таких задач, напротив, для </a:t>
+            </a:r>
+            <a:r>
+              <a:rPr lang="ru-RU" dirty="0" smtClean="0"/>
+              <a:t>задач </a:t>
+            </a:r>
+            <a:r>
+              <a:rPr lang="ru-RU" dirty="0"/>
+              <a:t>без корряции и с подсуммами вероятность нахождения глобального оптимума достигает 72% и 84,67%, соответственно, что говорит о менее трудном нахождении их решения.</a:t>
             </a:r>
           </a:p>
         </p:txBody>
@@ -10186,7 +11572,7 @@
           <p:nvPr>
             <p:extLst>
               <p:ext uri="{D42A27DB-BD31-4B8C-83A1-F6EECF244321}">
-                <p14:modId xmlns:p14="http://schemas.microsoft.com/office/powerpoint/2010/main" val="2020241915"/>
+                <p14:modId xmlns:p14="http://schemas.microsoft.com/office/powerpoint/2010/main" val="1916310897"/>
               </p:ext>
             </p:extLst>
           </p:nvPr>
@@ -10234,22 +11620,16 @@
                         </a:spcAft>
                       </a:pPr>
                       <a:r>
+                        <a:rPr lang="ru-RU" sz="1200" dirty="0" smtClean="0">
+                          <a:effectLst/>
+                        </a:rPr>
+                        <a:t>Алгоритм Данцига</a:t>
+                      </a:r>
+                      <a:r>
                         <a:rPr lang="en-US" sz="1200" dirty="0" smtClean="0">
                           <a:effectLst/>
                         </a:rPr>
-                        <a:t>Danzig </a:t>
-                      </a:r>
-                      <a:r>
-                        <a:rPr lang="ru-RU" sz="1200" baseline="0" dirty="0" smtClean="0">
-                          <a:effectLst/>
-                        </a:rPr>
-                        <a:t> </a:t>
-                      </a:r>
-                      <a:r>
-                        <a:rPr lang="en-US" sz="1200" dirty="0" smtClean="0">
-                          <a:effectLst/>
-                        </a:rPr>
-                        <a:t>algorithm</a:t>
+                        <a:t/>
                       </a:r>
                       <a:br>
                         <a:rPr lang="en-US" sz="1200" dirty="0" smtClean="0">
@@ -10257,6 +11637,12 @@
                         </a:rPr>
                       </a:br>
                       <a:r>
+                        <a:rPr lang="ru-RU" sz="1200" dirty="0" smtClean="0">
+                          <a:effectLst/>
+                        </a:rPr>
+                        <a:t>Однородный кроссовер</a:t>
+                      </a:r>
+                      <a:r>
                         <a:rPr lang="en-US" sz="1200" dirty="0" smtClean="0">
                           <a:effectLst/>
                         </a:rPr>
@@ -10268,10 +11654,22 @@
                         </a:rPr>
                       </a:br>
                       <a:r>
+                        <a:rPr lang="ru-RU" sz="1200" dirty="0" smtClean="0">
+                          <a:effectLst/>
+                        </a:rPr>
+                        <a:t>Точечная</a:t>
+                      </a:r>
+                      <a:r>
+                        <a:rPr lang="ru-RU" sz="1200" baseline="0" dirty="0" smtClean="0">
+                          <a:effectLst/>
+                        </a:rPr>
+                        <a:t> мутация</a:t>
+                      </a:r>
+                      <a:r>
                         <a:rPr lang="en-US" sz="1200" dirty="0" smtClean="0">
                           <a:effectLst/>
                         </a:rPr>
-                        <a:t>Uniform crossover</a:t>
+                        <a:t/>
                       </a:r>
                       <a:br>
                         <a:rPr lang="en-US" sz="1200" dirty="0" smtClean="0">
@@ -10279,43 +11677,10 @@
                         </a:rPr>
                       </a:br>
                       <a:r>
-                        <a:rPr lang="en-US" sz="1200" dirty="0" smtClean="0">
-                          <a:effectLst/>
-                        </a:rPr>
-                        <a:t/>
-                      </a:r>
-                      <a:br>
-                        <a:rPr lang="en-US" sz="1200" dirty="0" smtClean="0">
-                          <a:effectLst/>
-                        </a:rPr>
-                      </a:br>
-                      <a:r>
-                        <a:rPr lang="en-US" sz="1200" dirty="0" smtClean="0">
-                          <a:effectLst/>
-                        </a:rPr>
-                        <a:t>Point mutation</a:t>
-                      </a:r>
-                      <a:br>
-                        <a:rPr lang="en-US" sz="1200" dirty="0" smtClean="0">
-                          <a:effectLst/>
-                        </a:rPr>
-                      </a:br>
-                      <a:r>
-                        <a:rPr lang="en-US" sz="1200" dirty="0" smtClean="0">
-                          <a:effectLst/>
-                        </a:rPr>
-                        <a:t/>
-                      </a:r>
-                      <a:br>
-                        <a:rPr lang="en-US" sz="1200" dirty="0" smtClean="0">
-                          <a:effectLst/>
-                        </a:rPr>
-                      </a:br>
-                      <a:r>
-                        <a:rPr lang="en-US" sz="1200" dirty="0" smtClean="0">
-                          <a:effectLst/>
-                        </a:rPr>
-                        <a:t>Linear-rank</a:t>
+                        <a:rPr lang="ru-RU" sz="1200" dirty="0" smtClean="0">
+                          <a:effectLst/>
+                        </a:rPr>
+                        <a:t>Линейная ранговая схема</a:t>
                       </a:r>
                       <a:endParaRPr lang="ru-RU" sz="1800" b="0" dirty="0">
                         <a:solidFill>
@@ -10344,7 +11709,7 @@
                         </a:spcAft>
                       </a:pPr>
                       <a:r>
-                        <a:rPr lang="en-US" sz="1200" kern="1200" dirty="0" smtClean="0">
+                        <a:rPr lang="ru-RU" sz="1200" kern="1200" dirty="0" smtClean="0">
                           <a:solidFill>
                             <a:schemeClr val="tx1"/>
                           </a:solidFill>
@@ -10353,10 +11718,10 @@
                           <a:ea typeface="+mn-ea"/>
                           <a:cs typeface="+mn-cs"/>
                         </a:rPr>
-                        <a:t>Random algorithm</a:t>
-                      </a:r>
-                      <a:br>
-                        <a:rPr lang="en-US" sz="1200" kern="1200" dirty="0" smtClean="0">
+                        <a:t>Случайный</a:t>
+                      </a:r>
+                      <a:r>
+                        <a:rPr lang="ru-RU" sz="1200" kern="1200" baseline="0" dirty="0" smtClean="0">
                           <a:solidFill>
                             <a:schemeClr val="tx1"/>
                           </a:solidFill>
@@ -10365,7 +11730,8 @@
                           <a:ea typeface="+mn-ea"/>
                           <a:cs typeface="+mn-cs"/>
                         </a:rPr>
-                      </a:br>
+                        <a:t> алгоритм</a:t>
+                      </a:r>
                       <a:r>
                         <a:rPr lang="en-US" sz="1200" kern="1200" dirty="0" smtClean="0">
                           <a:solidFill>
@@ -10390,7 +11756,7 @@
                         </a:rPr>
                       </a:br>
                       <a:r>
-                        <a:rPr lang="en-US" sz="1200" kern="1200" dirty="0" smtClean="0">
+                        <a:rPr lang="ru-RU" sz="1200" kern="1200" dirty="0" smtClean="0">
                           <a:solidFill>
                             <a:schemeClr val="tx1"/>
                           </a:solidFill>
@@ -10399,10 +11765,10 @@
                           <a:ea typeface="+mn-ea"/>
                           <a:cs typeface="+mn-cs"/>
                         </a:rPr>
-                        <a:t>Uniform crossover</a:t>
-                      </a:r>
-                      <a:br>
-                        <a:rPr lang="en-US" sz="1200" kern="1200" dirty="0" smtClean="0">
+                        <a:t>Однородный</a:t>
+                      </a:r>
+                      <a:r>
+                        <a:rPr lang="ru-RU" sz="1200" kern="1200" baseline="0" dirty="0" smtClean="0">
                           <a:solidFill>
                             <a:schemeClr val="tx1"/>
                           </a:solidFill>
@@ -10411,7 +11777,8 @@
                           <a:ea typeface="+mn-ea"/>
                           <a:cs typeface="+mn-cs"/>
                         </a:rPr>
-                      </a:br>
+                        <a:t> кроссовер</a:t>
+                      </a:r>
                       <a:r>
                         <a:rPr lang="en-US" sz="1200" kern="1200" dirty="0" smtClean="0">
                           <a:solidFill>
@@ -10436,7 +11803,7 @@
                         </a:rPr>
                       </a:br>
                       <a:r>
-                        <a:rPr lang="en-US" sz="1200" kern="1200" dirty="0" smtClean="0">
+                        <a:rPr lang="ru-RU" sz="1200" kern="1200" dirty="0" smtClean="0">
                           <a:solidFill>
                             <a:schemeClr val="tx1"/>
                           </a:solidFill>
@@ -10445,9 +11812,9 @@
                           <a:ea typeface="+mn-ea"/>
                           <a:cs typeface="+mn-cs"/>
                         </a:rPr>
-                        <a:t>Translocation</a:t>
-                      </a:r>
-                      <a:br>
+                        <a:t>Транслокация</a:t>
+                      </a:r>
+                      <a:r>
                         <a:rPr lang="en-US" sz="1200" kern="1200" dirty="0" smtClean="0">
                           <a:solidFill>
                             <a:schemeClr val="tx1"/>
@@ -10457,8 +11824,9 @@
                           <a:ea typeface="+mn-ea"/>
                           <a:cs typeface="+mn-cs"/>
                         </a:rPr>
-                      </a:br>
-                      <a:r>
+                        <a:t/>
+                      </a:r>
+                      <a:br>
                         <a:rPr lang="en-US" sz="1200" kern="1200" dirty="0" smtClean="0">
                           <a:solidFill>
                             <a:schemeClr val="tx1"/>
@@ -10468,10 +11836,41 @@
                           <a:ea typeface="+mn-ea"/>
                           <a:cs typeface="+mn-cs"/>
                         </a:rPr>
-                        <a:t/>
-                      </a:r>
-                      <a:br>
-                        <a:rPr lang="en-US" sz="1200" kern="1200" dirty="0" smtClean="0">
+                      </a:br>
+                      <a:r>
+                        <a:rPr lang="ru-RU" sz="1200" dirty="0" smtClean="0">
+                          <a:effectLst/>
+                        </a:rPr>
+                        <a:t>Линейная ранговая схема</a:t>
+                      </a:r>
+                      <a:endParaRPr lang="ru-RU" sz="1800" b="0" dirty="0">
+                        <a:solidFill>
+                          <a:schemeClr val="tx1"/>
+                        </a:solidFill>
+                        <a:effectLst/>
+                        <a:latin typeface="Calibri" panose="020F0502020204030204" pitchFamily="34" charset="0"/>
+                        <a:ea typeface="Calibri" panose="020F0502020204030204" pitchFamily="34" charset="0"/>
+                        <a:cs typeface="Times New Roman" panose="02020603050405020304" pitchFamily="18" charset="0"/>
+                      </a:endParaRPr>
+                    </a:p>
+                  </a:txBody>
+                  <a:tcPr marL="63175" marR="63175" marT="0" marB="0" anchor="b"/>
+                </a:tc>
+                <a:tc>
+                  <a:txBody>
+                    <a:bodyPr/>
+                    <a:lstStyle/>
+                    <a:p>
+                      <a:pPr algn="ctr">
+                        <a:lnSpc>
+                          <a:spcPct val="100000"/>
+                        </a:lnSpc>
+                        <a:spcAft>
+                          <a:spcPts val="0"/>
+                        </a:spcAft>
+                      </a:pPr>
+                      <a:r>
+                        <a:rPr lang="ru-RU" sz="1200" kern="1200" dirty="0" smtClean="0">
                           <a:solidFill>
                             <a:schemeClr val="tx1"/>
                           </a:solidFill>
@@ -10480,9 +11879,20 @@
                           <a:ea typeface="+mn-ea"/>
                           <a:cs typeface="+mn-cs"/>
                         </a:rPr>
-                      </a:br>
-                      <a:r>
-                        <a:rPr lang="en-US" sz="1200" kern="1200" dirty="0" smtClean="0">
+                        <a:t>Алгоритм Данцига</a:t>
+                      </a:r>
+                    </a:p>
+                    <a:p>
+                      <a:pPr algn="ctr">
+                        <a:lnSpc>
+                          <a:spcPct val="100000"/>
+                        </a:lnSpc>
+                        <a:spcAft>
+                          <a:spcPts val="0"/>
+                        </a:spcAft>
+                      </a:pPr>
+                      <a:r>
+                        <a:rPr lang="ru-RU" sz="1200" kern="1200" dirty="0" smtClean="0">
                           <a:solidFill>
                             <a:schemeClr val="tx1"/>
                           </a:solidFill>
@@ -10491,7 +11901,89 @@
                           <a:ea typeface="+mn-ea"/>
                           <a:cs typeface="+mn-cs"/>
                         </a:rPr>
-                        <a:t>Linear-rank</a:t>
+                        <a:t>Однородный кроссовер</a:t>
+                      </a:r>
+                      <a:r>
+                        <a:rPr lang="en-US" sz="1200" kern="1200" dirty="0" smtClean="0">
+                          <a:solidFill>
+                            <a:schemeClr val="tx1"/>
+                          </a:solidFill>
+                          <a:effectLst/>
+                          <a:latin typeface="+mn-lt"/>
+                          <a:ea typeface="+mn-ea"/>
+                          <a:cs typeface="+mn-cs"/>
+                        </a:rPr>
+                        <a:t/>
+                      </a:r>
+                      <a:br>
+                        <a:rPr lang="en-US" sz="1200" kern="1200" dirty="0" smtClean="0">
+                          <a:solidFill>
+                            <a:schemeClr val="tx1"/>
+                          </a:solidFill>
+                          <a:effectLst/>
+                          <a:latin typeface="+mn-lt"/>
+                          <a:ea typeface="+mn-ea"/>
+                          <a:cs typeface="+mn-cs"/>
+                        </a:rPr>
+                      </a:br>
+                      <a:r>
+                        <a:rPr lang="ru-RU" sz="1200" kern="1200" dirty="0" smtClean="0">
+                          <a:solidFill>
+                            <a:schemeClr val="tx1"/>
+                          </a:solidFill>
+                          <a:effectLst/>
+                          <a:latin typeface="+mn-lt"/>
+                          <a:ea typeface="+mn-ea"/>
+                          <a:cs typeface="+mn-cs"/>
+                        </a:rPr>
+                        <a:t>Инверсия</a:t>
+                      </a:r>
+                      <a:r>
+                        <a:rPr lang="en-US" sz="1200" kern="1200" dirty="0" smtClean="0">
+                          <a:solidFill>
+                            <a:schemeClr val="tx1"/>
+                          </a:solidFill>
+                          <a:effectLst/>
+                          <a:latin typeface="+mn-lt"/>
+                          <a:ea typeface="+mn-ea"/>
+                          <a:cs typeface="+mn-cs"/>
+                        </a:rPr>
+                        <a:t/>
+                      </a:r>
+                      <a:br>
+                        <a:rPr lang="en-US" sz="1200" kern="1200" dirty="0" smtClean="0">
+                          <a:solidFill>
+                            <a:schemeClr val="tx1"/>
+                          </a:solidFill>
+                          <a:effectLst/>
+                          <a:latin typeface="+mn-lt"/>
+                          <a:ea typeface="+mn-ea"/>
+                          <a:cs typeface="+mn-cs"/>
+                        </a:rPr>
+                      </a:br>
+                      <a:r>
+                        <a:rPr lang="ru-RU" sz="1200" kern="1200" dirty="0" smtClean="0">
+                          <a:solidFill>
+                            <a:schemeClr val="tx1"/>
+                          </a:solidFill>
+                          <a:effectLst/>
+                          <a:latin typeface="+mn-lt"/>
+                          <a:ea typeface="+mn-ea"/>
+                          <a:cs typeface="+mn-cs"/>
+                        </a:rPr>
+                        <a:t>Линейная</a:t>
+                      </a:r>
+                      <a:r>
+                        <a:rPr lang="ru-RU" sz="1200" kern="1200" baseline="0" dirty="0" smtClean="0">
+                          <a:solidFill>
+                            <a:schemeClr val="tx1"/>
+                          </a:solidFill>
+                          <a:effectLst/>
+                          <a:latin typeface="+mn-lt"/>
+                          <a:ea typeface="+mn-ea"/>
+                          <a:cs typeface="+mn-cs"/>
+                        </a:rPr>
+                        <a:t> ранговая схема</a:t>
                       </a:r>
                       <a:endParaRPr lang="ru-RU" sz="1200" dirty="0">
                         <a:solidFill>
@@ -10520,7 +12012,7 @@
                         </a:spcAft>
                       </a:pPr>
                       <a:r>
-                        <a:rPr lang="en-US" sz="1200" kern="1200" dirty="0" smtClean="0">
+                        <a:rPr lang="ru-RU" sz="1200" kern="1200" dirty="0" smtClean="0">
                           <a:solidFill>
                             <a:schemeClr val="tx1"/>
                           </a:solidFill>
@@ -10529,9 +12021,9 @@
                           <a:ea typeface="+mn-ea"/>
                           <a:cs typeface="+mn-cs"/>
                         </a:rPr>
-                        <a:t>Danzig algorithm</a:t>
-                      </a:r>
-                      <a:br>
+                        <a:t>Случайный алгоритм</a:t>
+                      </a:r>
+                      <a:r>
                         <a:rPr lang="en-US" sz="1200" kern="1200" dirty="0" smtClean="0">
                           <a:solidFill>
                             <a:schemeClr val="tx1"/>
@@ -10541,8 +12033,9 @@
                           <a:ea typeface="+mn-ea"/>
                           <a:cs typeface="+mn-cs"/>
                         </a:rPr>
-                      </a:br>
-                      <a:r>
+                        <a:t/>
+                      </a:r>
+                      <a:br>
                         <a:rPr lang="en-US" sz="1200" kern="1200" dirty="0" smtClean="0">
                           <a:solidFill>
                             <a:schemeClr val="tx1"/>
@@ -10552,10 +12045,9 @@
                           <a:ea typeface="+mn-ea"/>
                           <a:cs typeface="+mn-cs"/>
                         </a:rPr>
-                        <a:t/>
-                      </a:r>
-                      <a:br>
-                        <a:rPr lang="en-US" sz="1200" kern="1200" dirty="0" smtClean="0">
+                      </a:br>
+                      <a:r>
+                        <a:rPr lang="ru-RU" sz="1200" kern="1200" dirty="0" smtClean="0">
                           <a:solidFill>
                             <a:schemeClr val="tx1"/>
                           </a:solidFill>
@@ -10564,9 +12056,10 @@
                           <a:ea typeface="+mn-ea"/>
                           <a:cs typeface="+mn-cs"/>
                         </a:rPr>
-                      </a:br>
-                      <a:r>
-                        <a:rPr lang="en-US" sz="1200" kern="1200" dirty="0" smtClean="0">
+                        <a:t>Однородный</a:t>
+                      </a:r>
+                      <a:r>
+                        <a:rPr lang="ru-RU" sz="1200" kern="1200" baseline="0" dirty="0" smtClean="0">
                           <a:solidFill>
                             <a:schemeClr val="tx1"/>
                           </a:solidFill>
@@ -10575,9 +12068,9 @@
                           <a:ea typeface="+mn-ea"/>
                           <a:cs typeface="+mn-cs"/>
                         </a:rPr>
-                        <a:t>Uniform crossover</a:t>
-                      </a:r>
-                      <a:br>
+                        <a:t> кроссовер</a:t>
+                      </a:r>
+                      <a:r>
                         <a:rPr lang="en-US" sz="1200" kern="1200" dirty="0" smtClean="0">
                           <a:solidFill>
                             <a:schemeClr val="tx1"/>
@@ -10587,8 +12080,9 @@
                           <a:ea typeface="+mn-ea"/>
                           <a:cs typeface="+mn-cs"/>
                         </a:rPr>
-                      </a:br>
-                      <a:r>
+                        <a:t/>
+                      </a:r>
+                      <a:br>
                         <a:rPr lang="en-US" sz="1200" kern="1200" dirty="0" smtClean="0">
                           <a:solidFill>
                             <a:schemeClr val="tx1"/>
@@ -10598,10 +12092,9 @@
                           <a:ea typeface="+mn-ea"/>
                           <a:cs typeface="+mn-cs"/>
                         </a:rPr>
-                        <a:t/>
-                      </a:r>
-                      <a:br>
-                        <a:rPr lang="en-US" sz="1200" kern="1200" dirty="0" smtClean="0">
+                      </a:br>
+                      <a:r>
+                        <a:rPr lang="ru-RU" sz="1200" kern="1200" dirty="0" smtClean="0">
                           <a:solidFill>
                             <a:schemeClr val="tx1"/>
                           </a:solidFill>
@@ -10610,7 +12103,8 @@
                           <a:ea typeface="+mn-ea"/>
                           <a:cs typeface="+mn-cs"/>
                         </a:rPr>
-                      </a:br>
+                        <a:t>Сальтация</a:t>
+                      </a:r>
                       <a:r>
                         <a:rPr lang="en-US" sz="1200" kern="1200" dirty="0" smtClean="0">
                           <a:solidFill>
@@ -10621,7 +12115,7 @@
                           <a:ea typeface="+mn-ea"/>
                           <a:cs typeface="+mn-cs"/>
                         </a:rPr>
-                        <a:t>Inversion</a:t>
+                        <a:t/>
                       </a:r>
                       <a:br>
                         <a:rPr lang="en-US" sz="1200" kern="1200" dirty="0" smtClean="0">
@@ -10635,41 +12129,12 @@
                         </a:rPr>
                       </a:br>
                       <a:r>
-                        <a:rPr lang="en-US" sz="1200" kern="1200" dirty="0" smtClean="0">
-                          <a:solidFill>
-                            <a:schemeClr val="tx1"/>
-                          </a:solidFill>
-                          <a:effectLst/>
-                          <a:latin typeface="+mn-lt"/>
-                          <a:ea typeface="+mn-ea"/>
-                          <a:cs typeface="+mn-cs"/>
-                        </a:rPr>
-                        <a:t/>
-                      </a:r>
-                      <a:br>
-                        <a:rPr lang="en-US" sz="1200" kern="1200" dirty="0" smtClean="0">
-                          <a:solidFill>
-                            <a:schemeClr val="tx1"/>
-                          </a:solidFill>
-                          <a:effectLst/>
-                          <a:latin typeface="+mn-lt"/>
-                          <a:ea typeface="+mn-ea"/>
-                          <a:cs typeface="+mn-cs"/>
-                        </a:rPr>
-                      </a:br>
-                      <a:r>
-                        <a:rPr lang="en-US" sz="1200" kern="1200" dirty="0" smtClean="0">
-                          <a:solidFill>
-                            <a:schemeClr val="tx1"/>
-                          </a:solidFill>
-                          <a:effectLst/>
-                          <a:latin typeface="+mn-lt"/>
-                          <a:ea typeface="+mn-ea"/>
-                          <a:cs typeface="+mn-cs"/>
-                        </a:rPr>
-                        <a:t>Linear-rank</a:t>
-                      </a:r>
-                      <a:endParaRPr lang="ru-RU" sz="1200" dirty="0">
+                        <a:rPr lang="ru-RU" sz="1200" dirty="0" smtClean="0">
+                          <a:effectLst/>
+                        </a:rPr>
+                        <a:t>Линейная ранговая схема</a:t>
+                      </a:r>
+                      <a:endParaRPr lang="ru-RU" sz="1800" b="0" dirty="0">
                         <a:solidFill>
                           <a:schemeClr val="tx1"/>
                         </a:solidFill>
@@ -10696,7 +12161,7 @@
                         </a:spcAft>
                       </a:pPr>
                       <a:r>
-                        <a:rPr lang="en-US" sz="1200" kern="1200" dirty="0" smtClean="0">
+                        <a:rPr lang="ru-RU" sz="1200" kern="1200" dirty="0" smtClean="0">
                           <a:solidFill>
                             <a:schemeClr val="tx1"/>
                           </a:solidFill>
@@ -10705,9 +12170,9 @@
                           <a:ea typeface="+mn-ea"/>
                           <a:cs typeface="+mn-cs"/>
                         </a:rPr>
-                        <a:t>Random algorithm</a:t>
-                      </a:r>
-                      <a:br>
+                        <a:t>Случайный алгоритм</a:t>
+                      </a:r>
+                      <a:r>
                         <a:rPr lang="en-US" sz="1200" kern="1200" dirty="0" smtClean="0">
                           <a:solidFill>
                             <a:schemeClr val="tx1"/>
@@ -10717,8 +12182,9 @@
                           <a:ea typeface="+mn-ea"/>
                           <a:cs typeface="+mn-cs"/>
                         </a:rPr>
-                      </a:br>
-                      <a:r>
+                        <a:t/>
+                      </a:r>
+                      <a:br>
                         <a:rPr lang="en-US" sz="1200" kern="1200" dirty="0" smtClean="0">
                           <a:solidFill>
                             <a:schemeClr val="tx1"/>
@@ -10728,10 +12194,9 @@
                           <a:ea typeface="+mn-ea"/>
                           <a:cs typeface="+mn-cs"/>
                         </a:rPr>
-                        <a:t/>
-                      </a:r>
-                      <a:br>
-                        <a:rPr lang="en-US" sz="1200" kern="1200" dirty="0" smtClean="0">
+                      </a:br>
+                      <a:r>
+                        <a:rPr lang="ru-RU" sz="1200" kern="1200" dirty="0" smtClean="0">
                           <a:solidFill>
                             <a:schemeClr val="tx1"/>
                           </a:solidFill>
@@ -10740,9 +12205,10 @@
                           <a:ea typeface="+mn-ea"/>
                           <a:cs typeface="+mn-cs"/>
                         </a:rPr>
-                      </a:br>
-                      <a:r>
-                        <a:rPr lang="en-US" sz="1200" kern="1200" dirty="0" smtClean="0">
+                        <a:t>Однородный</a:t>
+                      </a:r>
+                      <a:r>
+                        <a:rPr lang="ru-RU" sz="1200" kern="1200" baseline="0" dirty="0" smtClean="0">
                           <a:solidFill>
                             <a:schemeClr val="tx1"/>
                           </a:solidFill>
@@ -10751,9 +12217,9 @@
                           <a:ea typeface="+mn-ea"/>
                           <a:cs typeface="+mn-cs"/>
                         </a:rPr>
-                        <a:t>Uniform crossover</a:t>
-                      </a:r>
-                      <a:br>
+                        <a:t> кроссовер</a:t>
+                      </a:r>
+                      <a:r>
                         <a:rPr lang="en-US" sz="1200" kern="1200" dirty="0" smtClean="0">
                           <a:solidFill>
                             <a:schemeClr val="tx1"/>
@@ -10763,8 +12229,9 @@
                           <a:ea typeface="+mn-ea"/>
                           <a:cs typeface="+mn-cs"/>
                         </a:rPr>
-                      </a:br>
-                      <a:r>
+                        <a:t/>
+                      </a:r>
+                      <a:br>
                         <a:rPr lang="en-US" sz="1200" kern="1200" dirty="0" smtClean="0">
                           <a:solidFill>
                             <a:schemeClr val="tx1"/>
@@ -10774,10 +12241,9 @@
                           <a:ea typeface="+mn-ea"/>
                           <a:cs typeface="+mn-cs"/>
                         </a:rPr>
-                        <a:t/>
-                      </a:r>
-                      <a:br>
-                        <a:rPr lang="en-US" sz="1200" kern="1200" dirty="0" smtClean="0">
+                      </a:br>
+                      <a:r>
+                        <a:rPr lang="ru-RU" sz="1200" kern="1200" dirty="0" smtClean="0">
                           <a:solidFill>
                             <a:schemeClr val="tx1"/>
                           </a:solidFill>
@@ -10786,7 +12252,8 @@
                           <a:ea typeface="+mn-ea"/>
                           <a:cs typeface="+mn-cs"/>
                         </a:rPr>
-                      </a:br>
+                        <a:t>Инверсия</a:t>
+                      </a:r>
                       <a:r>
                         <a:rPr lang="en-US" sz="1200" kern="1200" dirty="0" smtClean="0">
                           <a:solidFill>
@@ -10797,7 +12264,7 @@
                           <a:ea typeface="+mn-ea"/>
                           <a:cs typeface="+mn-cs"/>
                         </a:rPr>
-                        <a:t>Saltation</a:t>
+                        <a:t/>
                       </a:r>
                       <a:br>
                         <a:rPr lang="en-US" sz="1200" kern="1200" dirty="0" smtClean="0">
@@ -10811,217 +12278,12 @@
                         </a:rPr>
                       </a:br>
                       <a:r>
-                        <a:rPr lang="en-US" sz="1200" kern="1200" dirty="0" smtClean="0">
-                          <a:solidFill>
-                            <a:schemeClr val="tx1"/>
-                          </a:solidFill>
-                          <a:effectLst/>
-                          <a:latin typeface="+mn-lt"/>
-                          <a:ea typeface="+mn-ea"/>
-                          <a:cs typeface="+mn-cs"/>
-                        </a:rPr>
-                        <a:t/>
-                      </a:r>
-                      <a:br>
-                        <a:rPr lang="en-US" sz="1200" kern="1200" dirty="0" smtClean="0">
-                          <a:solidFill>
-                            <a:schemeClr val="tx1"/>
-                          </a:solidFill>
-                          <a:effectLst/>
-                          <a:latin typeface="+mn-lt"/>
-                          <a:ea typeface="+mn-ea"/>
-                          <a:cs typeface="+mn-cs"/>
-                        </a:rPr>
-                      </a:br>
-                      <a:r>
-                        <a:rPr lang="en-US" sz="1200" kern="1200" dirty="0" smtClean="0">
-                          <a:solidFill>
-                            <a:schemeClr val="tx1"/>
-                          </a:solidFill>
-                          <a:effectLst/>
-                          <a:latin typeface="+mn-lt"/>
-                          <a:ea typeface="+mn-ea"/>
-                          <a:cs typeface="+mn-cs"/>
-                        </a:rPr>
-                        <a:t>Linear-rank</a:t>
-                      </a:r>
-                      <a:endParaRPr lang="ru-RU" sz="1200" dirty="0">
-                        <a:solidFill>
-                          <a:schemeClr val="tx1"/>
-                        </a:solidFill>
-                        <a:effectLst/>
-                        <a:latin typeface="Calibri" panose="020F0502020204030204" pitchFamily="34" charset="0"/>
-                        <a:ea typeface="Calibri" panose="020F0502020204030204" pitchFamily="34" charset="0"/>
-                        <a:cs typeface="Times New Roman" panose="02020603050405020304" pitchFamily="18" charset="0"/>
-                      </a:endParaRPr>
-                    </a:p>
-                  </a:txBody>
-                  <a:tcPr marL="63175" marR="63175" marT="0" marB="0" anchor="b"/>
-                </a:tc>
-                <a:tc>
-                  <a:txBody>
-                    <a:bodyPr/>
-                    <a:lstStyle/>
-                    <a:p>
-                      <a:pPr algn="ctr">
-                        <a:lnSpc>
-                          <a:spcPct val="100000"/>
-                        </a:lnSpc>
-                        <a:spcAft>
-                          <a:spcPts val="0"/>
-                        </a:spcAft>
-                      </a:pPr>
-                      <a:r>
-                        <a:rPr lang="en-US" sz="1200" kern="1200" dirty="0" smtClean="0">
-                          <a:solidFill>
-                            <a:schemeClr val="tx1"/>
-                          </a:solidFill>
-                          <a:effectLst/>
-                          <a:latin typeface="+mn-lt"/>
-                          <a:ea typeface="+mn-ea"/>
-                          <a:cs typeface="+mn-cs"/>
-                        </a:rPr>
-                        <a:t>Random algorithm</a:t>
-                      </a:r>
-                      <a:br>
-                        <a:rPr lang="en-US" sz="1200" kern="1200" dirty="0" smtClean="0">
-                          <a:solidFill>
-                            <a:schemeClr val="tx1"/>
-                          </a:solidFill>
-                          <a:effectLst/>
-                          <a:latin typeface="+mn-lt"/>
-                          <a:ea typeface="+mn-ea"/>
-                          <a:cs typeface="+mn-cs"/>
-                        </a:rPr>
-                      </a:br>
-                      <a:r>
-                        <a:rPr lang="en-US" sz="1200" kern="1200" dirty="0" smtClean="0">
-                          <a:solidFill>
-                            <a:schemeClr val="tx1"/>
-                          </a:solidFill>
-                          <a:effectLst/>
-                          <a:latin typeface="+mn-lt"/>
-                          <a:ea typeface="+mn-ea"/>
-                          <a:cs typeface="+mn-cs"/>
-                        </a:rPr>
-                        <a:t/>
-                      </a:r>
-                      <a:br>
-                        <a:rPr lang="en-US" sz="1200" kern="1200" dirty="0" smtClean="0">
-                          <a:solidFill>
-                            <a:schemeClr val="tx1"/>
-                          </a:solidFill>
-                          <a:effectLst/>
-                          <a:latin typeface="+mn-lt"/>
-                          <a:ea typeface="+mn-ea"/>
-                          <a:cs typeface="+mn-cs"/>
-                        </a:rPr>
-                      </a:br>
-                      <a:r>
-                        <a:rPr lang="en-US" sz="1200" kern="1200" dirty="0" smtClean="0">
-                          <a:solidFill>
-                            <a:schemeClr val="tx1"/>
-                          </a:solidFill>
-                          <a:effectLst/>
-                          <a:latin typeface="+mn-lt"/>
-                          <a:ea typeface="+mn-ea"/>
-                          <a:cs typeface="+mn-cs"/>
-                        </a:rPr>
-                        <a:t>Uniform crossover</a:t>
-                      </a:r>
-                      <a:br>
-                        <a:rPr lang="en-US" sz="1200" kern="1200" dirty="0" smtClean="0">
-                          <a:solidFill>
-                            <a:schemeClr val="tx1"/>
-                          </a:solidFill>
-                          <a:effectLst/>
-                          <a:latin typeface="+mn-lt"/>
-                          <a:ea typeface="+mn-ea"/>
-                          <a:cs typeface="+mn-cs"/>
-                        </a:rPr>
-                      </a:br>
-                      <a:r>
-                        <a:rPr lang="en-US" sz="1200" kern="1200" dirty="0" smtClean="0">
-                          <a:solidFill>
-                            <a:schemeClr val="tx1"/>
-                          </a:solidFill>
-                          <a:effectLst/>
-                          <a:latin typeface="+mn-lt"/>
-                          <a:ea typeface="+mn-ea"/>
-                          <a:cs typeface="+mn-cs"/>
-                        </a:rPr>
-                        <a:t/>
-                      </a:r>
-                      <a:br>
-                        <a:rPr lang="en-US" sz="1200" kern="1200" dirty="0" smtClean="0">
-                          <a:solidFill>
-                            <a:schemeClr val="tx1"/>
-                          </a:solidFill>
-                          <a:effectLst/>
-                          <a:latin typeface="+mn-lt"/>
-                          <a:ea typeface="+mn-ea"/>
-                          <a:cs typeface="+mn-cs"/>
-                        </a:rPr>
-                      </a:br>
-                      <a:r>
-                        <a:rPr lang="en-US" sz="1200" kern="1200" dirty="0" smtClean="0">
-                          <a:solidFill>
-                            <a:schemeClr val="tx1"/>
-                          </a:solidFill>
-                          <a:effectLst/>
-                          <a:latin typeface="+mn-lt"/>
-                          <a:ea typeface="+mn-ea"/>
-                          <a:cs typeface="+mn-cs"/>
-                        </a:rPr>
-                        <a:t>Inversion</a:t>
-                      </a:r>
-                      <a:br>
-                        <a:rPr lang="en-US" sz="1200" kern="1200" dirty="0" smtClean="0">
-                          <a:solidFill>
-                            <a:schemeClr val="tx1"/>
-                          </a:solidFill>
-                          <a:effectLst/>
-                          <a:latin typeface="+mn-lt"/>
-                          <a:ea typeface="+mn-ea"/>
-                          <a:cs typeface="+mn-cs"/>
-                        </a:rPr>
-                      </a:br>
-                      <a:r>
-                        <a:rPr lang="en-US" sz="1200" kern="1200" dirty="0" smtClean="0">
-                          <a:solidFill>
-                            <a:schemeClr val="tx1"/>
-                          </a:solidFill>
-                          <a:effectLst/>
-                          <a:latin typeface="+mn-lt"/>
-                          <a:ea typeface="+mn-ea"/>
-                          <a:cs typeface="+mn-cs"/>
-                        </a:rPr>
-                        <a:t/>
-                      </a:r>
-                      <a:br>
-                        <a:rPr lang="en-US" sz="1200" kern="1200" dirty="0" smtClean="0">
-                          <a:solidFill>
-                            <a:schemeClr val="tx1"/>
-                          </a:solidFill>
-                          <a:effectLst/>
-                          <a:latin typeface="+mn-lt"/>
-                          <a:ea typeface="+mn-ea"/>
-                          <a:cs typeface="+mn-cs"/>
-                        </a:rPr>
-                      </a:br>
-                      <a:r>
-                        <a:rPr lang="en-US" sz="1200" kern="1200" dirty="0" smtClean="0">
-                          <a:solidFill>
-                            <a:schemeClr val="tx1"/>
-                          </a:solidFill>
-                          <a:effectLst/>
-                          <a:latin typeface="+mn-lt"/>
-                          <a:ea typeface="+mn-ea"/>
-                          <a:cs typeface="+mn-cs"/>
-                        </a:rPr>
-                        <a:t>Linear-rank</a:t>
-                      </a:r>
-                      <a:endParaRPr lang="ru-RU" sz="1200" dirty="0">
+                        <a:rPr lang="ru-RU" sz="1200" dirty="0" smtClean="0">
+                          <a:effectLst/>
+                        </a:rPr>
+                        <a:t>Линейная ранговая схема</a:t>
+                      </a:r>
+                      <a:endParaRPr lang="ru-RU" sz="1800" b="0" dirty="0">
                         <a:solidFill>
                           <a:schemeClr val="tx1"/>
                         </a:solidFill>
@@ -11050,10 +12312,16 @@
                         </a:spcAft>
                       </a:pPr>
                       <a:r>
+                        <a:rPr lang="ru-RU" sz="1100" dirty="0" smtClean="0">
+                          <a:effectLst/>
+                        </a:rPr>
+                        <a:t>Вероятность</a:t>
+                      </a:r>
+                      <a:r>
                         <a:rPr lang="en-US" sz="1100" dirty="0" smtClean="0">
                           <a:effectLst/>
                         </a:rPr>
-                        <a:t>Probability %</a:t>
+                        <a:t> %</a:t>
                       </a:r>
                       <a:endParaRPr lang="ru-RU" sz="1600" dirty="0">
                         <a:solidFill>
@@ -11257,34 +12525,22 @@
                         </a:spcAft>
                       </a:pPr>
                       <a:r>
-                        <a:rPr lang="en-US" sz="1100" dirty="0" err="1" smtClean="0">
-                          <a:effectLst/>
-                        </a:rPr>
-                        <a:t>Iter</a:t>
-                      </a:r>
-                      <a:r>
-                        <a:rPr lang="en-US" sz="1100" dirty="0" smtClean="0">
-                          <a:effectLst/>
-                        </a:rPr>
-                        <a:t>.</a:t>
+                        <a:rPr lang="ru-RU" sz="1100" dirty="0" smtClean="0">
+                          <a:effectLst/>
+                        </a:rPr>
+                        <a:t>Среднее</a:t>
+                      </a:r>
+                      <a:r>
+                        <a:rPr lang="ru-RU" sz="1100" baseline="0" dirty="0" smtClean="0">
+                          <a:effectLst/>
+                        </a:rPr>
+                        <a:t> кол-во итераций</a:t>
                       </a:r>
                       <a:r>
                         <a:rPr lang="en-US" sz="1100" baseline="0" dirty="0" smtClean="0">
                           <a:effectLst/>
                         </a:rPr>
-                        <a:t> count (</a:t>
-                      </a:r>
-                      <a:r>
-                        <a:rPr lang="en-US" sz="1100" baseline="0" dirty="0" err="1" smtClean="0">
-                          <a:effectLst/>
-                        </a:rPr>
-                        <a:t>avg</a:t>
-                      </a:r>
-                      <a:r>
-                        <a:rPr lang="en-US" sz="1100" baseline="0" dirty="0" smtClean="0">
-                          <a:effectLst/>
-                        </a:rPr>
-                        <a:t>) %</a:t>
+                        <a:t> %</a:t>
                       </a:r>
                       <a:endParaRPr lang="ru-RU" sz="1600" dirty="0">
                         <a:solidFill>
@@ -11486,7 +12742,7 @@
           <p:nvPr>
             <p:extLst>
               <p:ext uri="{D42A27DB-BD31-4B8C-83A1-F6EECF244321}">
-                <p14:modId xmlns:p14="http://schemas.microsoft.com/office/powerpoint/2010/main" val="376011105"/>
+                <p14:modId xmlns:p14="http://schemas.microsoft.com/office/powerpoint/2010/main" val="936067562"/>
               </p:ext>
             </p:extLst>
           </p:nvPr>
@@ -11537,7 +12793,7 @@
                         <a:rPr lang="ru-RU" sz="1200" baseline="0" dirty="0" smtClean="0">
                           <a:effectLst/>
                         </a:rPr>
-                        <a:t> </a:t>
+                        <a:t>Случайный алгоритм</a:t>
                       </a:r>
                       <a:r>
                         <a:rPr lang="en-US" sz="1200" kern="1200" dirty="0" smtClean="0">
@@ -11549,7 +12805,7 @@
                           <a:ea typeface="+mn-ea"/>
                           <a:cs typeface="+mn-cs"/>
                         </a:rPr>
-                        <a:t>Danzig algorithm</a:t>
+                        <a:t/>
                       </a:r>
                       <a:br>
                         <a:rPr lang="en-US" sz="1200" kern="1200" dirty="0" smtClean="0">
@@ -11563,7 +12819,7 @@
                         </a:rPr>
                       </a:br>
                       <a:r>
-                        <a:rPr lang="en-US" sz="1200" kern="1200" dirty="0" smtClean="0">
+                        <a:rPr lang="ru-RU" sz="1200" kern="1200" dirty="0" smtClean="0">
                           <a:solidFill>
                             <a:schemeClr val="tx1"/>
                           </a:solidFill>
@@ -11572,9 +12828,9 @@
                           <a:ea typeface="+mn-ea"/>
                           <a:cs typeface="+mn-cs"/>
                         </a:rPr>
-                        <a:t/>
-                      </a:r>
-                      <a:br>
+                        <a:t>Однородный кроссовер</a:t>
+                      </a:r>
+                      <a:r>
                         <a:rPr lang="en-US" sz="1200" kern="1200" dirty="0" smtClean="0">
                           <a:solidFill>
                             <a:schemeClr val="tx1"/>
@@ -11584,8 +12840,9 @@
                           <a:ea typeface="+mn-ea"/>
                           <a:cs typeface="+mn-cs"/>
                         </a:rPr>
-                      </a:br>
-                      <a:r>
+                        <a:t/>
+                      </a:r>
+                      <a:br>
                         <a:rPr lang="en-US" sz="1200" kern="1200" dirty="0" smtClean="0">
                           <a:solidFill>
                             <a:schemeClr val="tx1"/>
@@ -11595,10 +12852,9 @@
                           <a:ea typeface="+mn-ea"/>
                           <a:cs typeface="+mn-cs"/>
                         </a:rPr>
-                        <a:t>Uniform crossover</a:t>
-                      </a:r>
-                      <a:br>
-                        <a:rPr lang="en-US" sz="1200" kern="1200" dirty="0" smtClean="0">
+                      </a:br>
+                      <a:r>
+                        <a:rPr lang="ru-RU" sz="1200" kern="1200" dirty="0" smtClean="0">
                           <a:solidFill>
                             <a:schemeClr val="tx1"/>
                           </a:solidFill>
@@ -11607,7 +12863,8 @@
                           <a:ea typeface="+mn-ea"/>
                           <a:cs typeface="+mn-cs"/>
                         </a:rPr>
-                      </a:br>
+                        <a:t>Точечная мутация</a:t>
+                      </a:r>
                       <a:r>
                         <a:rPr lang="en-US" sz="1200" kern="1200" dirty="0" smtClean="0">
                           <a:solidFill>
@@ -11632,64 +12889,12 @@
                         </a:rPr>
                       </a:br>
                       <a:r>
-                        <a:rPr lang="en-US" sz="1200" kern="1200" dirty="0" smtClean="0">
-                          <a:solidFill>
-                            <a:schemeClr val="tx1"/>
-                          </a:solidFill>
-                          <a:effectLst/>
-                          <a:latin typeface="+mn-lt"/>
-                          <a:ea typeface="+mn-ea"/>
-                          <a:cs typeface="+mn-cs"/>
-                        </a:rPr>
-                        <a:t>Point mutation</a:t>
-                      </a:r>
-                      <a:br>
-                        <a:rPr lang="en-US" sz="1200" kern="1200" dirty="0" smtClean="0">
-                          <a:solidFill>
-                            <a:schemeClr val="tx1"/>
-                          </a:solidFill>
-                          <a:effectLst/>
-                          <a:latin typeface="+mn-lt"/>
-                          <a:ea typeface="+mn-ea"/>
-                          <a:cs typeface="+mn-cs"/>
-                        </a:rPr>
-                      </a:br>
-                      <a:r>
-                        <a:rPr lang="en-US" sz="1200" kern="1200" dirty="0" smtClean="0">
-                          <a:solidFill>
-                            <a:schemeClr val="tx1"/>
-                          </a:solidFill>
-                          <a:effectLst/>
-                          <a:latin typeface="+mn-lt"/>
-                          <a:ea typeface="+mn-ea"/>
-                          <a:cs typeface="+mn-cs"/>
-                        </a:rPr>
-                        <a:t/>
-                      </a:r>
-                      <a:br>
-                        <a:rPr lang="en-US" sz="1200" kern="1200" dirty="0" smtClean="0">
-                          <a:solidFill>
-                            <a:schemeClr val="tx1"/>
-                          </a:solidFill>
-                          <a:effectLst/>
-                          <a:latin typeface="+mn-lt"/>
-                          <a:ea typeface="+mn-ea"/>
-                          <a:cs typeface="+mn-cs"/>
-                        </a:rPr>
-                      </a:br>
-                      <a:r>
-                        <a:rPr lang="en-US" sz="1200" kern="1200" dirty="0" smtClean="0">
-                          <a:solidFill>
-                            <a:schemeClr val="tx1"/>
-                          </a:solidFill>
-                          <a:effectLst/>
-                          <a:latin typeface="+mn-lt"/>
-                          <a:ea typeface="+mn-ea"/>
-                          <a:cs typeface="+mn-cs"/>
-                        </a:rPr>
-                        <a:t>Linear-rank</a:t>
-                      </a:r>
-                      <a:endParaRPr lang="ru-RU" sz="1800" dirty="0">
+                        <a:rPr lang="ru-RU" sz="1200" dirty="0" smtClean="0">
+                          <a:effectLst/>
+                        </a:rPr>
+                        <a:t>Линейная ранговая схема</a:t>
+                      </a:r>
+                      <a:endParaRPr lang="ru-RU" sz="1800" b="0" dirty="0">
                         <a:solidFill>
                           <a:schemeClr val="tx1"/>
                         </a:solidFill>
@@ -11716,7 +12921,7 @@
                         </a:spcAft>
                       </a:pPr>
                       <a:r>
-                        <a:rPr lang="en-US" sz="1200" kern="1200" dirty="0" smtClean="0">
+                        <a:rPr lang="ru-RU" sz="1200" kern="1200" dirty="0" smtClean="0">
                           <a:solidFill>
                             <a:schemeClr val="tx1"/>
                           </a:solidFill>
@@ -11725,9 +12930,9 @@
                           <a:ea typeface="+mn-ea"/>
                           <a:cs typeface="+mn-cs"/>
                         </a:rPr>
-                        <a:t>Danzig algorithm</a:t>
-                      </a:r>
-                      <a:br>
+                        <a:t>Алгоритм Данцига</a:t>
+                      </a:r>
+                      <a:r>
                         <a:rPr lang="en-US" sz="1200" kern="1200" dirty="0" smtClean="0">
                           <a:solidFill>
                             <a:schemeClr val="tx1"/>
@@ -11737,8 +12942,9 @@
                           <a:ea typeface="+mn-ea"/>
                           <a:cs typeface="+mn-cs"/>
                         </a:rPr>
-                      </a:br>
-                      <a:r>
+                        <a:t/>
+                      </a:r>
+                      <a:br>
                         <a:rPr lang="en-US" sz="1200" kern="1200" dirty="0" smtClean="0">
                           <a:solidFill>
                             <a:schemeClr val="tx1"/>
@@ -11748,10 +12954,9 @@
                           <a:ea typeface="+mn-ea"/>
                           <a:cs typeface="+mn-cs"/>
                         </a:rPr>
-                        <a:t/>
-                      </a:r>
-                      <a:br>
-                        <a:rPr lang="en-US" sz="1200" kern="1200" dirty="0" smtClean="0">
+                      </a:br>
+                      <a:r>
+                        <a:rPr lang="ru-RU" sz="1200" kern="1200" dirty="0" smtClean="0">
                           <a:solidFill>
                             <a:schemeClr val="tx1"/>
                           </a:solidFill>
@@ -11760,7 +12965,8 @@
                           <a:ea typeface="+mn-ea"/>
                           <a:cs typeface="+mn-cs"/>
                         </a:rPr>
-                      </a:br>
+                        <a:t>Однородный кроссовер</a:t>
+                      </a:r>
                       <a:r>
                         <a:rPr lang="en-US" sz="1200" kern="1200" dirty="0" smtClean="0">
                           <a:solidFill>
@@ -11771,7 +12977,7 @@
                           <a:ea typeface="+mn-ea"/>
                           <a:cs typeface="+mn-cs"/>
                         </a:rPr>
-                        <a:t>Uniform crossover</a:t>
+                        <a:t/>
                       </a:r>
                       <a:br>
                         <a:rPr lang="en-US" sz="1200" kern="1200" dirty="0" smtClean="0">
@@ -11785,7 +12991,7 @@
                         </a:rPr>
                       </a:br>
                       <a:r>
-                        <a:rPr lang="en-US" sz="1200" kern="1200" dirty="0" smtClean="0">
+                        <a:rPr lang="ru-RU" sz="1200" kern="1200" dirty="0" smtClean="0">
                           <a:solidFill>
                             <a:schemeClr val="tx1"/>
                           </a:solidFill>
@@ -11794,9 +13000,9 @@
                           <a:ea typeface="+mn-ea"/>
                           <a:cs typeface="+mn-cs"/>
                         </a:rPr>
-                        <a:t/>
-                      </a:r>
-                      <a:br>
+                        <a:t>Сальтация</a:t>
+                      </a:r>
+                      <a:r>
                         <a:rPr lang="en-US" sz="1200" kern="1200" dirty="0" smtClean="0">
                           <a:solidFill>
                             <a:schemeClr val="tx1"/>
@@ -11806,8 +13012,9 @@
                           <a:ea typeface="+mn-ea"/>
                           <a:cs typeface="+mn-cs"/>
                         </a:rPr>
-                      </a:br>
-                      <a:r>
+                        <a:t/>
+                      </a:r>
+                      <a:br>
                         <a:rPr lang="en-US" sz="1200" kern="1200" dirty="0" smtClean="0">
                           <a:solidFill>
                             <a:schemeClr val="tx1"/>
@@ -11817,55 +13024,14 @@
                           <a:ea typeface="+mn-ea"/>
                           <a:cs typeface="+mn-cs"/>
                         </a:rPr>
-                        <a:t>Saltation</a:t>
-                      </a:r>
-                      <a:br>
-                        <a:rPr lang="en-US" sz="1200" kern="1200" dirty="0" smtClean="0">
-                          <a:solidFill>
-                            <a:schemeClr val="tx1"/>
-                          </a:solidFill>
-                          <a:effectLst/>
-                          <a:latin typeface="+mn-lt"/>
-                          <a:ea typeface="+mn-ea"/>
-                          <a:cs typeface="+mn-cs"/>
-                        </a:rPr>
                       </a:br>
                       <a:r>
-                        <a:rPr lang="en-US" sz="1200" kern="1200" dirty="0" smtClean="0">
-                          <a:solidFill>
-                            <a:schemeClr val="tx1"/>
-                          </a:solidFill>
-                          <a:effectLst/>
-                          <a:latin typeface="+mn-lt"/>
-                          <a:ea typeface="+mn-ea"/>
-                          <a:cs typeface="+mn-cs"/>
-                        </a:rPr>
-                        <a:t/>
-                      </a:r>
-                      <a:br>
-                        <a:rPr lang="en-US" sz="1200" kern="1200" dirty="0" smtClean="0">
-                          <a:solidFill>
-                            <a:schemeClr val="tx1"/>
-                          </a:solidFill>
-                          <a:effectLst/>
-                          <a:latin typeface="+mn-lt"/>
-                          <a:ea typeface="+mn-ea"/>
-                          <a:cs typeface="+mn-cs"/>
-                        </a:rPr>
-                      </a:br>
-                      <a:r>
-                        <a:rPr lang="en-US" sz="1200" kern="1200" dirty="0" smtClean="0">
-                          <a:solidFill>
-                            <a:schemeClr val="tx1"/>
-                          </a:solidFill>
-                          <a:effectLst/>
-                          <a:latin typeface="+mn-lt"/>
-                          <a:ea typeface="+mn-ea"/>
-                          <a:cs typeface="+mn-cs"/>
-                        </a:rPr>
-                        <a:t>Linear-rank</a:t>
-                      </a:r>
-                      <a:endParaRPr lang="ru-RU" sz="1200" dirty="0">
+                        <a:rPr lang="ru-RU" sz="1200" dirty="0" smtClean="0">
+                          <a:effectLst/>
+                        </a:rPr>
+                        <a:t>Линейная ранговая схема</a:t>
+                      </a:r>
+                      <a:endParaRPr lang="ru-RU" sz="1800" b="0" dirty="0">
                         <a:solidFill>
                           <a:schemeClr val="tx1"/>
                         </a:solidFill>
@@ -11892,7 +13058,7 @@
                         </a:spcAft>
                       </a:pPr>
                       <a:r>
-                        <a:rPr lang="en-US" sz="1200" kern="1200" dirty="0" smtClean="0">
+                        <a:rPr lang="ru-RU" sz="1200" kern="1200" dirty="0" smtClean="0">
                           <a:solidFill>
                             <a:schemeClr val="tx1"/>
                           </a:solidFill>
@@ -11901,9 +13067,9 @@
                           <a:ea typeface="+mn-ea"/>
                           <a:cs typeface="+mn-cs"/>
                         </a:rPr>
-                        <a:t>Danzig algorithm</a:t>
-                      </a:r>
-                      <a:br>
+                        <a:t>Алгоритм Данцига</a:t>
+                      </a:r>
+                      <a:r>
                         <a:rPr lang="en-US" sz="1200" kern="1200" dirty="0" smtClean="0">
                           <a:solidFill>
                             <a:schemeClr val="tx1"/>
@@ -11913,8 +13079,9 @@
                           <a:ea typeface="+mn-ea"/>
                           <a:cs typeface="+mn-cs"/>
                         </a:rPr>
-                      </a:br>
-                      <a:r>
+                        <a:t/>
+                      </a:r>
+                      <a:br>
                         <a:rPr lang="en-US" sz="1200" kern="1200" dirty="0" smtClean="0">
                           <a:solidFill>
                             <a:schemeClr val="tx1"/>
@@ -11924,10 +13091,9 @@
                           <a:ea typeface="+mn-ea"/>
                           <a:cs typeface="+mn-cs"/>
                         </a:rPr>
-                        <a:t/>
-                      </a:r>
-                      <a:br>
-                        <a:rPr lang="en-US" sz="1200" kern="1200" dirty="0" smtClean="0">
+                      </a:br>
+                      <a:r>
+                        <a:rPr lang="ru-RU" sz="1200" kern="1200" dirty="0" smtClean="0">
                           <a:solidFill>
                             <a:schemeClr val="tx1"/>
                           </a:solidFill>
@@ -11936,9 +13102,10 @@
                           <a:ea typeface="+mn-ea"/>
                           <a:cs typeface="+mn-cs"/>
                         </a:rPr>
-                      </a:br>
-                      <a:r>
-                        <a:rPr lang="en-US" sz="1200" kern="1200" dirty="0" smtClean="0">
+                        <a:t>Однородный</a:t>
+                      </a:r>
+                      <a:r>
+                        <a:rPr lang="ru-RU" sz="1200" kern="1200" baseline="0" dirty="0" smtClean="0">
                           <a:solidFill>
                             <a:schemeClr val="tx1"/>
                           </a:solidFill>
@@ -11947,10 +13114,20 @@
                           <a:ea typeface="+mn-ea"/>
                           <a:cs typeface="+mn-cs"/>
                         </a:rPr>
-                        <a:t>Uniform crossover</a:t>
-                      </a:r>
-                      <a:br>
-                        <a:rPr lang="en-US" sz="1200" kern="1200" dirty="0" smtClean="0">
+                        <a:t> кроссовер</a:t>
+                      </a:r>
+                    </a:p>
+                    <a:p>
+                      <a:pPr algn="ctr">
+                        <a:lnSpc>
+                          <a:spcPct val="100000"/>
+                        </a:lnSpc>
+                        <a:spcAft>
+                          <a:spcPts val="0"/>
+                        </a:spcAft>
+                      </a:pPr>
+                      <a:r>
+                        <a:rPr lang="ru-RU" sz="1200" kern="1200" dirty="0" smtClean="0">
                           <a:solidFill>
                             <a:schemeClr val="tx1"/>
                           </a:solidFill>
@@ -11959,7 +13136,8 @@
                           <a:ea typeface="+mn-ea"/>
                           <a:cs typeface="+mn-cs"/>
                         </a:rPr>
-                      </a:br>
+                        <a:t>Инверсия</a:t>
+                      </a:r>
                       <a:r>
                         <a:rPr lang="en-US" sz="1200" kern="1200" dirty="0" smtClean="0">
                           <a:solidFill>
@@ -11984,64 +13162,12 @@
                         </a:rPr>
                       </a:br>
                       <a:r>
-                        <a:rPr lang="en-US" sz="1200" kern="1200" dirty="0" smtClean="0">
-                          <a:solidFill>
-                            <a:schemeClr val="tx1"/>
-                          </a:solidFill>
-                          <a:effectLst/>
-                          <a:latin typeface="+mn-lt"/>
-                          <a:ea typeface="+mn-ea"/>
-                          <a:cs typeface="+mn-cs"/>
-                        </a:rPr>
-                        <a:t>Inversion</a:t>
-                      </a:r>
-                      <a:br>
-                        <a:rPr lang="en-US" sz="1200" kern="1200" dirty="0" smtClean="0">
-                          <a:solidFill>
-                            <a:schemeClr val="tx1"/>
-                          </a:solidFill>
-                          <a:effectLst/>
-                          <a:latin typeface="+mn-lt"/>
-                          <a:ea typeface="+mn-ea"/>
-                          <a:cs typeface="+mn-cs"/>
-                        </a:rPr>
-                      </a:br>
-                      <a:r>
-                        <a:rPr lang="en-US" sz="1200" kern="1200" dirty="0" smtClean="0">
-                          <a:solidFill>
-                            <a:schemeClr val="tx1"/>
-                          </a:solidFill>
-                          <a:effectLst/>
-                          <a:latin typeface="+mn-lt"/>
-                          <a:ea typeface="+mn-ea"/>
-                          <a:cs typeface="+mn-cs"/>
-                        </a:rPr>
-                        <a:t/>
-                      </a:r>
-                      <a:br>
-                        <a:rPr lang="en-US" sz="1200" kern="1200" dirty="0" smtClean="0">
-                          <a:solidFill>
-                            <a:schemeClr val="tx1"/>
-                          </a:solidFill>
-                          <a:effectLst/>
-                          <a:latin typeface="+mn-lt"/>
-                          <a:ea typeface="+mn-ea"/>
-                          <a:cs typeface="+mn-cs"/>
-                        </a:rPr>
-                      </a:br>
-                      <a:r>
-                        <a:rPr lang="en-US" sz="1200" kern="1200" dirty="0" smtClean="0">
-                          <a:solidFill>
-                            <a:schemeClr val="tx1"/>
-                          </a:solidFill>
-                          <a:effectLst/>
-                          <a:latin typeface="+mn-lt"/>
-                          <a:ea typeface="+mn-ea"/>
-                          <a:cs typeface="+mn-cs"/>
-                        </a:rPr>
-                        <a:t>Linear-rank</a:t>
-                      </a:r>
-                      <a:endParaRPr lang="ru-RU" sz="1200" dirty="0">
+                        <a:rPr lang="ru-RU" sz="1200" dirty="0" smtClean="0">
+                          <a:effectLst/>
+                        </a:rPr>
+                        <a:t>Линейная ранговая схема</a:t>
+                      </a:r>
+                      <a:endParaRPr lang="ru-RU" sz="1800" b="0" dirty="0">
                         <a:solidFill>
                           <a:schemeClr val="tx1"/>
                         </a:solidFill>
@@ -12068,7 +13194,7 @@
                         </a:spcAft>
                       </a:pPr>
                       <a:r>
-                        <a:rPr lang="en-US" sz="1200" kern="1200" dirty="0" smtClean="0">
+                        <a:rPr lang="ru-RU" sz="1200" kern="1200" dirty="0" smtClean="0">
                           <a:solidFill>
                             <a:schemeClr val="tx1"/>
                           </a:solidFill>
@@ -12077,9 +13203,9 @@
                           <a:ea typeface="+mn-ea"/>
                           <a:cs typeface="+mn-cs"/>
                         </a:rPr>
-                        <a:t>Danzig algorithm</a:t>
-                      </a:r>
-                      <a:br>
+                        <a:t>Алгоритм Данцига</a:t>
+                      </a:r>
+                      <a:r>
                         <a:rPr lang="en-US" sz="1200" kern="1200" dirty="0" smtClean="0">
                           <a:solidFill>
                             <a:schemeClr val="tx1"/>
@@ -12089,8 +13215,9 @@
                           <a:ea typeface="+mn-ea"/>
                           <a:cs typeface="+mn-cs"/>
                         </a:rPr>
-                      </a:br>
-                      <a:r>
+                        <a:t/>
+                      </a:r>
+                      <a:br>
                         <a:rPr lang="en-US" sz="1200" kern="1200" dirty="0" smtClean="0">
                           <a:solidFill>
                             <a:schemeClr val="tx1"/>
@@ -12100,10 +13227,9 @@
                           <a:ea typeface="+mn-ea"/>
                           <a:cs typeface="+mn-cs"/>
                         </a:rPr>
-                        <a:t/>
-                      </a:r>
-                      <a:br>
-                        <a:rPr lang="en-US" sz="1200" kern="1200" dirty="0" smtClean="0">
+                      </a:br>
+                      <a:r>
+                        <a:rPr lang="ru-RU" sz="1200" kern="1200" dirty="0" smtClean="0">
                           <a:solidFill>
                             <a:schemeClr val="tx1"/>
                           </a:solidFill>
@@ -12112,7 +13238,8 @@
                           <a:ea typeface="+mn-ea"/>
                           <a:cs typeface="+mn-cs"/>
                         </a:rPr>
-                      </a:br>
+                        <a:t>Однородный кроссовер</a:t>
+                      </a:r>
                       <a:r>
                         <a:rPr lang="en-US" sz="1200" kern="1200" dirty="0" smtClean="0">
                           <a:solidFill>
@@ -12123,7 +13250,7 @@
                           <a:ea typeface="+mn-ea"/>
                           <a:cs typeface="+mn-cs"/>
                         </a:rPr>
-                        <a:t>Uniform crossover</a:t>
+                        <a:t/>
                       </a:r>
                       <a:br>
                         <a:rPr lang="en-US" sz="1200" kern="1200" dirty="0" smtClean="0">
@@ -12137,7 +13264,7 @@
                         </a:rPr>
                       </a:br>
                       <a:r>
-                        <a:rPr lang="en-US" sz="1200" kern="1200" dirty="0" smtClean="0">
+                        <a:rPr lang="ru-RU" sz="1200" kern="1200" dirty="0" smtClean="0">
                           <a:solidFill>
                             <a:schemeClr val="tx1"/>
                           </a:solidFill>
@@ -12146,78 +13273,34 @@
                           <a:ea typeface="+mn-ea"/>
                           <a:cs typeface="+mn-cs"/>
                         </a:rPr>
-                        <a:t/>
-                      </a:r>
-                      <a:br>
-                        <a:rPr lang="en-US" sz="1200" kern="1200" dirty="0" smtClean="0">
-                          <a:solidFill>
-                            <a:schemeClr val="tx1"/>
-                          </a:solidFill>
-                          <a:effectLst/>
-                          <a:latin typeface="+mn-lt"/>
-                          <a:ea typeface="+mn-ea"/>
-                          <a:cs typeface="+mn-cs"/>
-                        </a:rPr>
-                      </a:br>
-                      <a:r>
-                        <a:rPr lang="en-US" sz="1200" kern="1200" dirty="0" smtClean="0">
-                          <a:solidFill>
-                            <a:schemeClr val="tx1"/>
-                          </a:solidFill>
-                          <a:effectLst/>
-                          <a:latin typeface="+mn-lt"/>
-                          <a:ea typeface="+mn-ea"/>
-                          <a:cs typeface="+mn-cs"/>
-                        </a:rPr>
-                        <a:t>Translocation</a:t>
-                      </a:r>
-                      <a:br>
-                        <a:rPr lang="en-US" sz="1200" kern="1200" dirty="0" smtClean="0">
-                          <a:solidFill>
-                            <a:schemeClr val="tx1"/>
-                          </a:solidFill>
-                          <a:effectLst/>
-                          <a:latin typeface="+mn-lt"/>
-                          <a:ea typeface="+mn-ea"/>
-                          <a:cs typeface="+mn-cs"/>
-                        </a:rPr>
-                      </a:br>
-                      <a:r>
-                        <a:rPr lang="en-US" sz="1200" kern="1200" dirty="0" smtClean="0">
-                          <a:solidFill>
-                            <a:schemeClr val="tx1"/>
-                          </a:solidFill>
-                          <a:effectLst/>
-                          <a:latin typeface="+mn-lt"/>
-                          <a:ea typeface="+mn-ea"/>
-                          <a:cs typeface="+mn-cs"/>
-                        </a:rPr>
-                        <a:t/>
-                      </a:r>
-                      <a:br>
-                        <a:rPr lang="en-US" sz="1200" kern="1200" dirty="0" smtClean="0">
-                          <a:solidFill>
-                            <a:schemeClr val="tx1"/>
-                          </a:solidFill>
-                          <a:effectLst/>
-                          <a:latin typeface="+mn-lt"/>
-                          <a:ea typeface="+mn-ea"/>
-                          <a:cs typeface="+mn-cs"/>
-                        </a:rPr>
-                      </a:br>
-                      <a:r>
-                        <a:rPr lang="en-US" sz="1200" kern="1200" dirty="0" smtClean="0">
-                          <a:solidFill>
-                            <a:schemeClr val="tx1"/>
-                          </a:solidFill>
-                          <a:effectLst/>
-                          <a:latin typeface="+mn-lt"/>
-                          <a:ea typeface="+mn-ea"/>
-                          <a:cs typeface="+mn-cs"/>
-                        </a:rPr>
-                        <a:t>Linear-rank</a:t>
-                      </a:r>
-                      <a:endParaRPr lang="ru-RU" sz="1200" dirty="0">
+                        <a:t>Транслокация</a:t>
+                      </a:r>
+                    </a:p>
+                    <a:p>
+                      <a:pPr marL="0" marR="0" indent="0" algn="ctr" defTabSz="457200" rtl="0" eaLnBrk="1" fontAlgn="auto" latinLnBrk="0" hangingPunct="1">
+                        <a:lnSpc>
+                          <a:spcPct val="100000"/>
+                        </a:lnSpc>
+                        <a:spcBef>
+                          <a:spcPts val="0"/>
+                        </a:spcBef>
+                        <a:spcAft>
+                          <a:spcPts val="0"/>
+                        </a:spcAft>
+                        <a:buClrTx/>
+                        <a:buSzTx/>
+                        <a:buFontTx/>
+                        <a:buNone/>
+                        <a:tabLst/>
+                        <a:defRPr/>
+                      </a:pPr>
+                      <a:r>
+                        <a:rPr lang="ru-RU" sz="1200" dirty="0" smtClean="0">
+                          <a:effectLst/>
+                        </a:rPr>
+                        <a:t>Линейная ранговая схема</a:t>
+                      </a:r>
+                      <a:endParaRPr lang="ru-RU" sz="1800" b="0" dirty="0" smtClean="0">
                         <a:solidFill>
                           <a:schemeClr val="tx1"/>
                         </a:solidFill>
@@ -12244,7 +13327,7 @@
                         </a:spcAft>
                       </a:pPr>
                       <a:r>
-                        <a:rPr lang="en-US" sz="1200" kern="1200" dirty="0" smtClean="0">
+                        <a:rPr lang="ru-RU" sz="1200" kern="1200" dirty="0" smtClean="0">
                           <a:solidFill>
                             <a:schemeClr val="tx1"/>
                           </a:solidFill>
@@ -12253,10 +13336,10 @@
                           <a:ea typeface="+mn-ea"/>
                           <a:cs typeface="+mn-cs"/>
                         </a:rPr>
-                        <a:t>Random algorithm</a:t>
-                      </a:r>
-                      <a:br>
-                        <a:rPr lang="en-US" sz="1200" kern="1200" dirty="0" smtClean="0">
+                        <a:t>Случайный</a:t>
+                      </a:r>
+                      <a:r>
+                        <a:rPr lang="ru-RU" sz="1200" kern="1200" baseline="0" dirty="0" smtClean="0">
                           <a:solidFill>
                             <a:schemeClr val="tx1"/>
                           </a:solidFill>
@@ -12265,7 +13348,8 @@
                           <a:ea typeface="+mn-ea"/>
                           <a:cs typeface="+mn-cs"/>
                         </a:rPr>
-                      </a:br>
+                        <a:t> алгоритм</a:t>
+                      </a:r>
                       <a:r>
                         <a:rPr lang="en-US" sz="1200" kern="1200" dirty="0" smtClean="0">
                           <a:solidFill>
@@ -12290,7 +13374,7 @@
                         </a:rPr>
                       </a:br>
                       <a:r>
-                        <a:rPr lang="en-US" sz="1200" kern="1200" dirty="0" smtClean="0">
+                        <a:rPr lang="ru-RU" sz="1200" kern="1200" dirty="0" smtClean="0">
                           <a:solidFill>
                             <a:schemeClr val="tx1"/>
                           </a:solidFill>
@@ -12299,9 +13383,9 @@
                           <a:ea typeface="+mn-ea"/>
                           <a:cs typeface="+mn-cs"/>
                         </a:rPr>
-                        <a:t>Uniform crossover</a:t>
-                      </a:r>
-                      <a:br>
+                        <a:t>Однородный кроссовер</a:t>
+                      </a:r>
+                      <a:r>
                         <a:rPr lang="en-US" sz="1200" kern="1200" dirty="0" smtClean="0">
                           <a:solidFill>
                             <a:schemeClr val="tx1"/>
@@ -12311,8 +13395,9 @@
                           <a:ea typeface="+mn-ea"/>
                           <a:cs typeface="+mn-cs"/>
                         </a:rPr>
-                      </a:br>
-                      <a:r>
+                        <a:t/>
+                      </a:r>
+                      <a:br>
                         <a:rPr lang="en-US" sz="1200" kern="1200" dirty="0" smtClean="0">
                           <a:solidFill>
                             <a:schemeClr val="tx1"/>
@@ -12322,10 +13407,9 @@
                           <a:ea typeface="+mn-ea"/>
                           <a:cs typeface="+mn-cs"/>
                         </a:rPr>
-                        <a:t/>
-                      </a:r>
-                      <a:br>
-                        <a:rPr lang="en-US" sz="1200" kern="1200" dirty="0" smtClean="0">
+                      </a:br>
+                      <a:r>
+                        <a:rPr lang="ru-RU" sz="1200" kern="1200" dirty="0" smtClean="0">
                           <a:solidFill>
                             <a:schemeClr val="tx1"/>
                           </a:solidFill>
@@ -12334,7 +13418,8 @@
                           <a:ea typeface="+mn-ea"/>
                           <a:cs typeface="+mn-cs"/>
                         </a:rPr>
-                      </a:br>
+                        <a:t>Сальтация</a:t>
+                      </a:r>
                       <a:r>
                         <a:rPr lang="en-US" sz="1200" kern="1200" dirty="0" smtClean="0">
                           <a:solidFill>
@@ -12345,7 +13430,7 @@
                           <a:ea typeface="+mn-ea"/>
                           <a:cs typeface="+mn-cs"/>
                         </a:rPr>
-                        <a:t>Saltation</a:t>
+                        <a:t/>
                       </a:r>
                       <a:br>
                         <a:rPr lang="en-US" sz="1200" kern="1200" dirty="0" smtClean="0">
@@ -12359,41 +13444,12 @@
                         </a:rPr>
                       </a:br>
                       <a:r>
-                        <a:rPr lang="en-US" sz="1200" kern="1200" dirty="0" smtClean="0">
-                          <a:solidFill>
-                            <a:schemeClr val="tx1"/>
-                          </a:solidFill>
-                          <a:effectLst/>
-                          <a:latin typeface="+mn-lt"/>
-                          <a:ea typeface="+mn-ea"/>
-                          <a:cs typeface="+mn-cs"/>
-                        </a:rPr>
-                        <a:t/>
-                      </a:r>
-                      <a:br>
-                        <a:rPr lang="en-US" sz="1200" kern="1200" dirty="0" smtClean="0">
-                          <a:solidFill>
-                            <a:schemeClr val="tx1"/>
-                          </a:solidFill>
-                          <a:effectLst/>
-                          <a:latin typeface="+mn-lt"/>
-                          <a:ea typeface="+mn-ea"/>
-                          <a:cs typeface="+mn-cs"/>
-                        </a:rPr>
-                      </a:br>
-                      <a:r>
-                        <a:rPr lang="en-US" sz="1200" kern="1200" dirty="0" smtClean="0">
-                          <a:solidFill>
-                            <a:schemeClr val="tx1"/>
-                          </a:solidFill>
-                          <a:effectLst/>
-                          <a:latin typeface="+mn-lt"/>
-                          <a:ea typeface="+mn-ea"/>
-                          <a:cs typeface="+mn-cs"/>
-                        </a:rPr>
-                        <a:t>Linear-rank</a:t>
-                      </a:r>
-                      <a:endParaRPr lang="ru-RU" sz="1200" dirty="0">
+                        <a:rPr lang="ru-RU" sz="1200" dirty="0" smtClean="0">
+                          <a:effectLst/>
+                        </a:rPr>
+                        <a:t>Линейная ранговая схема</a:t>
+                      </a:r>
+                      <a:endParaRPr lang="ru-RU" sz="1800" b="0" dirty="0">
                         <a:solidFill>
                           <a:schemeClr val="tx1"/>
                         </a:solidFill>
@@ -12422,10 +13478,16 @@
                         </a:spcAft>
                       </a:pPr>
                       <a:r>
+                        <a:rPr lang="ru-RU" sz="1100" dirty="0" smtClean="0">
+                          <a:effectLst/>
+                        </a:rPr>
+                        <a:t>Вероятность</a:t>
+                      </a:r>
+                      <a:r>
                         <a:rPr lang="en-US" sz="1100" dirty="0" smtClean="0">
                           <a:effectLst/>
                         </a:rPr>
-                        <a:t>Probability %</a:t>
+                        <a:t> %</a:t>
                       </a:r>
                       <a:endParaRPr lang="ru-RU" sz="1600" dirty="0">
                         <a:solidFill>
@@ -12667,34 +13729,22 @@
                         </a:spcAft>
                       </a:pPr>
                       <a:r>
-                        <a:rPr lang="en-US" sz="1100" dirty="0" err="1" smtClean="0">
-                          <a:effectLst/>
-                        </a:rPr>
-                        <a:t>Iter</a:t>
-                      </a:r>
-                      <a:r>
-                        <a:rPr lang="en-US" sz="1100" dirty="0" smtClean="0">
-                          <a:effectLst/>
-                        </a:rPr>
-                        <a:t>.</a:t>
+                        <a:rPr lang="ru-RU" sz="1100" dirty="0" smtClean="0">
+                          <a:effectLst/>
+                        </a:rPr>
+                        <a:t>Среднее</a:t>
+                      </a:r>
+                      <a:r>
+                        <a:rPr lang="ru-RU" sz="1100" baseline="0" dirty="0" smtClean="0">
+                          <a:effectLst/>
+                        </a:rPr>
+                        <a:t> кол-во итераций</a:t>
                       </a:r>
                       <a:r>
                         <a:rPr lang="en-US" sz="1100" baseline="0" dirty="0" smtClean="0">
                           <a:effectLst/>
                         </a:rPr>
-                        <a:t> count (</a:t>
-                      </a:r>
-                      <a:r>
-                        <a:rPr lang="en-US" sz="1100" baseline="0" dirty="0" err="1" smtClean="0">
-                          <a:effectLst/>
-                        </a:rPr>
-                        <a:t>avg</a:t>
-                      </a:r>
-                      <a:r>
-                        <a:rPr lang="en-US" sz="1100" baseline="0" dirty="0" smtClean="0">
-                          <a:effectLst/>
-                        </a:rPr>
-                        <a:t>) %</a:t>
+                        <a:t> %</a:t>
                       </a:r>
                       <a:endParaRPr lang="ru-RU" sz="1600" dirty="0">
                         <a:solidFill>
@@ -13242,7 +14292,7 @@
           <p:nvPr>
             <p:extLst>
               <p:ext uri="{D42A27DB-BD31-4B8C-83A1-F6EECF244321}">
-                <p14:modId xmlns:p14="http://schemas.microsoft.com/office/powerpoint/2010/main" val="3470921864"/>
+                <p14:modId xmlns:p14="http://schemas.microsoft.com/office/powerpoint/2010/main" val="3240600193"/>
               </p:ext>
             </p:extLst>
           </p:nvPr>
@@ -13290,7 +14340,7 @@
                         </a:spcAft>
                       </a:pPr>
                       <a:r>
-                        <a:rPr lang="en-US" sz="1200" kern="1200" dirty="0" smtClean="0">
+                        <a:rPr lang="ru-RU" sz="1200" kern="1200" dirty="0" smtClean="0">
                           <a:solidFill>
                             <a:schemeClr val="tx1"/>
                           </a:solidFill>
@@ -13299,9 +14349,9 @@
                           <a:ea typeface="+mn-ea"/>
                           <a:cs typeface="+mn-cs"/>
                         </a:rPr>
-                        <a:t>Danzig algorithm</a:t>
-                      </a:r>
-                      <a:br>
+                        <a:t>Алгоритм Данцига</a:t>
+                      </a:r>
+                      <a:r>
                         <a:rPr lang="en-US" sz="1200" kern="1200" dirty="0" smtClean="0">
                           <a:solidFill>
                             <a:schemeClr val="tx1"/>
@@ -13311,8 +14361,9 @@
                           <a:ea typeface="+mn-ea"/>
                           <a:cs typeface="+mn-cs"/>
                         </a:rPr>
-                      </a:br>
-                      <a:r>
+                        <a:t/>
+                      </a:r>
+                      <a:br>
                         <a:rPr lang="en-US" sz="1200" kern="1200" dirty="0" smtClean="0">
                           <a:solidFill>
                             <a:schemeClr val="tx1"/>
@@ -13322,10 +14373,9 @@
                           <a:ea typeface="+mn-ea"/>
                           <a:cs typeface="+mn-cs"/>
                         </a:rPr>
-                        <a:t/>
-                      </a:r>
-                      <a:br>
-                        <a:rPr lang="en-US" sz="1200" kern="1200" dirty="0" smtClean="0">
+                      </a:br>
+                      <a:r>
+                        <a:rPr lang="ru-RU" sz="1200" kern="1200" dirty="0" smtClean="0">
                           <a:solidFill>
                             <a:schemeClr val="tx1"/>
                           </a:solidFill>
@@ -13334,7 +14384,8 @@
                           <a:ea typeface="+mn-ea"/>
                           <a:cs typeface="+mn-cs"/>
                         </a:rPr>
-                      </a:br>
+                        <a:t>Двуточечный кроссовер</a:t>
+                      </a:r>
                       <a:r>
                         <a:rPr lang="en-US" sz="1200" kern="1200" dirty="0" smtClean="0">
                           <a:solidFill>
@@ -13345,7 +14396,7 @@
                           <a:ea typeface="+mn-ea"/>
                           <a:cs typeface="+mn-cs"/>
                         </a:rPr>
-                        <a:t>Two-point crossover</a:t>
+                        <a:t/>
                       </a:r>
                       <a:br>
                         <a:rPr lang="en-US" sz="1200" kern="1200" dirty="0" smtClean="0">
@@ -13359,7 +14410,7 @@
                         </a:rPr>
                       </a:br>
                       <a:r>
-                        <a:rPr lang="en-US" sz="1200" kern="1200" dirty="0" smtClean="0">
+                        <a:rPr lang="ru-RU" sz="1200" kern="1200" dirty="0" smtClean="0">
                           <a:solidFill>
                             <a:schemeClr val="tx1"/>
                           </a:solidFill>
@@ -13368,9 +14419,9 @@
                           <a:ea typeface="+mn-ea"/>
                           <a:cs typeface="+mn-cs"/>
                         </a:rPr>
-                        <a:t/>
-                      </a:r>
-                      <a:br>
+                        <a:t>Инверсия</a:t>
+                      </a:r>
+                      <a:r>
                         <a:rPr lang="en-US" sz="1200" kern="1200" dirty="0" smtClean="0">
                           <a:solidFill>
                             <a:schemeClr val="tx1"/>
@@ -13380,8 +14431,9 @@
                           <a:ea typeface="+mn-ea"/>
                           <a:cs typeface="+mn-cs"/>
                         </a:rPr>
-                      </a:br>
-                      <a:r>
+                        <a:t/>
+                      </a:r>
+                      <a:br>
                         <a:rPr lang="en-US" sz="1200" kern="1200" dirty="0" smtClean="0">
                           <a:solidFill>
                             <a:schemeClr val="tx1"/>
@@ -13391,55 +14443,14 @@
                           <a:ea typeface="+mn-ea"/>
                           <a:cs typeface="+mn-cs"/>
                         </a:rPr>
-                        <a:t>Inversion</a:t>
-                      </a:r>
-                      <a:br>
-                        <a:rPr lang="en-US" sz="1200" kern="1200" dirty="0" smtClean="0">
-                          <a:solidFill>
-                            <a:schemeClr val="tx1"/>
-                          </a:solidFill>
-                          <a:effectLst/>
-                          <a:latin typeface="+mn-lt"/>
-                          <a:ea typeface="+mn-ea"/>
-                          <a:cs typeface="+mn-cs"/>
-                        </a:rPr>
                       </a:br>
                       <a:r>
-                        <a:rPr lang="en-US" sz="1200" kern="1200" dirty="0" smtClean="0">
-                          <a:solidFill>
-                            <a:schemeClr val="tx1"/>
-                          </a:solidFill>
-                          <a:effectLst/>
-                          <a:latin typeface="+mn-lt"/>
-                          <a:ea typeface="+mn-ea"/>
-                          <a:cs typeface="+mn-cs"/>
-                        </a:rPr>
-                        <a:t/>
-                      </a:r>
-                      <a:br>
-                        <a:rPr lang="en-US" sz="1200" kern="1200" dirty="0" smtClean="0">
-                          <a:solidFill>
-                            <a:schemeClr val="tx1"/>
-                          </a:solidFill>
-                          <a:effectLst/>
-                          <a:latin typeface="+mn-lt"/>
-                          <a:ea typeface="+mn-ea"/>
-                          <a:cs typeface="+mn-cs"/>
-                        </a:rPr>
-                      </a:br>
-                      <a:r>
-                        <a:rPr lang="en-US" sz="1200" kern="1200" dirty="0" smtClean="0">
-                          <a:solidFill>
-                            <a:schemeClr val="tx1"/>
-                          </a:solidFill>
-                          <a:effectLst/>
-                          <a:latin typeface="+mn-lt"/>
-                          <a:ea typeface="+mn-ea"/>
-                          <a:cs typeface="+mn-cs"/>
-                        </a:rPr>
-                        <a:t>Linear-rank</a:t>
-                      </a:r>
-                      <a:endParaRPr lang="ru-RU" sz="1200" b="0" dirty="0">
+                        <a:rPr lang="ru-RU" sz="1200" dirty="0" smtClean="0">
+                          <a:effectLst/>
+                        </a:rPr>
+                        <a:t>Линейная ранговая схема</a:t>
+                      </a:r>
+                      <a:endParaRPr lang="ru-RU" sz="1800" b="0" dirty="0">
                         <a:solidFill>
                           <a:schemeClr val="tx1"/>
                         </a:solidFill>
@@ -13466,7 +14477,7 @@
                         </a:spcAft>
                       </a:pPr>
                       <a:r>
-                        <a:rPr lang="en-US" sz="1200" kern="1200" dirty="0" smtClean="0">
+                        <a:rPr lang="ru-RU" sz="1200" kern="1200" dirty="0" smtClean="0">
                           <a:solidFill>
                             <a:schemeClr val="tx1"/>
                           </a:solidFill>
@@ -13475,9 +14486,9 @@
                           <a:ea typeface="+mn-ea"/>
                           <a:cs typeface="+mn-cs"/>
                         </a:rPr>
-                        <a:t>Danzig algorithm</a:t>
-                      </a:r>
-                      <a:br>
+                        <a:t>Алгоритм Данцига</a:t>
+                      </a:r>
+                      <a:r>
                         <a:rPr lang="en-US" sz="1200" kern="1200" dirty="0" smtClean="0">
                           <a:solidFill>
                             <a:schemeClr val="tx1"/>
@@ -13487,8 +14498,9 @@
                           <a:ea typeface="+mn-ea"/>
                           <a:cs typeface="+mn-cs"/>
                         </a:rPr>
-                      </a:br>
-                      <a:r>
+                        <a:t/>
+                      </a:r>
+                      <a:br>
                         <a:rPr lang="en-US" sz="1200" kern="1200" dirty="0" smtClean="0">
                           <a:solidFill>
                             <a:schemeClr val="tx1"/>
@@ -13498,10 +14510,9 @@
                           <a:ea typeface="+mn-ea"/>
                           <a:cs typeface="+mn-cs"/>
                         </a:rPr>
-                        <a:t/>
-                      </a:r>
-                      <a:br>
-                        <a:rPr lang="en-US" sz="1200" kern="1200" dirty="0" smtClean="0">
+                      </a:br>
+                      <a:r>
+                        <a:rPr lang="ru-RU" sz="1200" kern="1200" dirty="0" smtClean="0">
                           <a:solidFill>
                             <a:schemeClr val="tx1"/>
                           </a:solidFill>
@@ -13510,9 +14521,20 @@
                           <a:ea typeface="+mn-ea"/>
                           <a:cs typeface="+mn-cs"/>
                         </a:rPr>
-                      </a:br>
-                      <a:r>
-                        <a:rPr lang="en-US" sz="1200" kern="1200" dirty="0" smtClean="0">
+                        <a:t>Одноточечный кроссовер</a:t>
+                      </a:r>
+                    </a:p>
+                    <a:p>
+                      <a:pPr algn="ctr">
+                        <a:lnSpc>
+                          <a:spcPct val="100000"/>
+                        </a:lnSpc>
+                        <a:spcAft>
+                          <a:spcPts val="0"/>
+                        </a:spcAft>
+                      </a:pPr>
+                      <a:r>
+                        <a:rPr lang="ru-RU" sz="1200" kern="1200" dirty="0" smtClean="0">
                           <a:solidFill>
                             <a:schemeClr val="tx1"/>
                           </a:solidFill>
@@ -13521,9 +14543,9 @@
                           <a:ea typeface="+mn-ea"/>
                           <a:cs typeface="+mn-cs"/>
                         </a:rPr>
-                        <a:t>Single-point crossover</a:t>
-                      </a:r>
-                      <a:br>
+                        <a:t>Инверсия</a:t>
+                      </a:r>
+                      <a:r>
                         <a:rPr lang="en-US" sz="1200" kern="1200" dirty="0" smtClean="0">
                           <a:solidFill>
                             <a:schemeClr val="tx1"/>
@@ -13533,8 +14555,9 @@
                           <a:ea typeface="+mn-ea"/>
                           <a:cs typeface="+mn-cs"/>
                         </a:rPr>
-                      </a:br>
-                      <a:r>
+                        <a:t/>
+                      </a:r>
+                      <a:br>
                         <a:rPr lang="en-US" sz="1200" kern="1200" dirty="0" smtClean="0">
                           <a:solidFill>
                             <a:schemeClr val="tx1"/>
@@ -13544,78 +14567,14 @@
                           <a:ea typeface="+mn-ea"/>
                           <a:cs typeface="+mn-cs"/>
                         </a:rPr>
-                        <a:t/>
-                      </a:r>
-                      <a:br>
-                        <a:rPr lang="en-US" sz="1200" kern="1200" dirty="0" smtClean="0">
-                          <a:solidFill>
-                            <a:schemeClr val="tx1"/>
-                          </a:solidFill>
-                          <a:effectLst/>
-                          <a:latin typeface="+mn-lt"/>
-                          <a:ea typeface="+mn-ea"/>
-                          <a:cs typeface="+mn-cs"/>
-                        </a:rPr>
                       </a:br>
                       <a:r>
-                        <a:rPr lang="en-US" sz="1200" kern="1200" dirty="0" smtClean="0">
-                          <a:solidFill>
-                            <a:schemeClr val="tx1"/>
-                          </a:solidFill>
-                          <a:effectLst/>
-                          <a:latin typeface="+mn-lt"/>
-                          <a:ea typeface="+mn-ea"/>
-                          <a:cs typeface="+mn-cs"/>
-                        </a:rPr>
-                        <a:t>Inversion</a:t>
-                      </a:r>
-                      <a:br>
-                        <a:rPr lang="en-US" sz="1200" kern="1200" dirty="0" smtClean="0">
-                          <a:solidFill>
-                            <a:schemeClr val="tx1"/>
-                          </a:solidFill>
-                          <a:effectLst/>
-                          <a:latin typeface="+mn-lt"/>
-                          <a:ea typeface="+mn-ea"/>
-                          <a:cs typeface="+mn-cs"/>
-                        </a:rPr>
-                      </a:br>
-                      <a:r>
-                        <a:rPr lang="en-US" sz="1200" kern="1200" dirty="0" smtClean="0">
-                          <a:solidFill>
-                            <a:schemeClr val="tx1"/>
-                          </a:solidFill>
-                          <a:effectLst/>
-                          <a:latin typeface="+mn-lt"/>
-                          <a:ea typeface="+mn-ea"/>
-                          <a:cs typeface="+mn-cs"/>
-                        </a:rPr>
-                        <a:t/>
-                      </a:r>
-                      <a:br>
-                        <a:rPr lang="en-US" sz="1200" kern="1200" dirty="0" smtClean="0">
-                          <a:solidFill>
-                            <a:schemeClr val="tx1"/>
-                          </a:solidFill>
-                          <a:effectLst/>
-                          <a:latin typeface="+mn-lt"/>
-                          <a:ea typeface="+mn-ea"/>
-                          <a:cs typeface="+mn-cs"/>
-                        </a:rPr>
-                      </a:br>
-                      <a:r>
-                        <a:rPr lang="en-US" sz="1200" kern="1200" dirty="0" smtClean="0">
-                          <a:solidFill>
-                            <a:schemeClr val="tx1"/>
-                          </a:solidFill>
-                          <a:effectLst/>
-                          <a:latin typeface="+mn-lt"/>
-                          <a:ea typeface="+mn-ea"/>
-                          <a:cs typeface="+mn-cs"/>
-                        </a:rPr>
-                        <a:t>Linear-rank</a:t>
-                      </a:r>
-                      <a:endParaRPr lang="ru-RU" sz="1000" dirty="0">
+                        <a:rPr lang="ru-RU" sz="1200" dirty="0" smtClean="0">
+                          <a:effectLst/>
+                        </a:rPr>
+                        <a:t>Линейная ранговая схема</a:t>
+                      </a:r>
+                      <a:endParaRPr lang="ru-RU" sz="1800" b="0" dirty="0">
                         <a:solidFill>
                           <a:schemeClr val="tx1"/>
                         </a:solidFill>
@@ -13641,8 +14600,27 @@
                           <a:spcPts val="0"/>
                         </a:spcAft>
                       </a:pPr>
-                      <a:r>
-                        <a:rPr lang="en-US" sz="1200" kern="1200" dirty="0" smtClean="0">
+                      <a:endParaRPr lang="ru-RU" sz="1200" kern="1200" dirty="0" smtClean="0">
+                        <a:solidFill>
+                          <a:schemeClr val="tx1"/>
+                        </a:solidFill>
+                        <a:effectLst/>
+                        <a:latin typeface="+mn-lt"/>
+                        <a:ea typeface="+mn-ea"/>
+                        <a:cs typeface="+mn-cs"/>
+                      </a:endParaRPr>
+                    </a:p>
+                    <a:p>
+                      <a:pPr algn="ctr">
+                        <a:lnSpc>
+                          <a:spcPct val="100000"/>
+                        </a:lnSpc>
+                        <a:spcAft>
+                          <a:spcPts val="0"/>
+                        </a:spcAft>
+                      </a:pPr>
+                      <a:r>
+                        <a:rPr lang="ru-RU" sz="1200" kern="1200" dirty="0" smtClean="0">
                           <a:solidFill>
                             <a:schemeClr val="tx1"/>
                           </a:solidFill>
@@ -13651,10 +14629,29 @@
                           <a:ea typeface="+mn-ea"/>
                           <a:cs typeface="+mn-cs"/>
                         </a:rPr>
-                        <a:t>Random algorithm</a:t>
-                      </a:r>
-                      <a:br>
-                        <a:rPr lang="en-US" sz="1200" kern="1200" dirty="0" smtClean="0">
+                        <a:t>Случайный алгоритм</a:t>
+                      </a:r>
+                    </a:p>
+                    <a:p>
+                      <a:pPr marL="0" marR="0" indent="0" algn="ctr" defTabSz="457200" rtl="0" eaLnBrk="1" fontAlgn="auto" latinLnBrk="0" hangingPunct="1">
+                        <a:lnSpc>
+                          <a:spcPct val="100000"/>
+                        </a:lnSpc>
+                        <a:spcBef>
+                          <a:spcPts val="0"/>
+                        </a:spcBef>
+                        <a:spcAft>
+                          <a:spcPts val="0"/>
+                        </a:spcAft>
+                        <a:buClrTx/>
+                        <a:buSzTx/>
+                        <a:buFontTx/>
+                        <a:buNone/>
+                        <a:tabLst/>
+                        <a:defRPr/>
+                      </a:pPr>
+                      <a:r>
+                        <a:rPr lang="ru-RU" sz="1200" kern="1200" dirty="0" smtClean="0">
                           <a:solidFill>
                             <a:schemeClr val="tx1"/>
                           </a:solidFill>
@@ -13663,9 +14660,10 @@
                           <a:ea typeface="+mn-ea"/>
                           <a:cs typeface="+mn-cs"/>
                         </a:rPr>
-                      </a:br>
-                      <a:r>
-                        <a:rPr lang="en-US" sz="1200" kern="1200" dirty="0" smtClean="0">
+                        <a:t>Однородный</a:t>
+                      </a:r>
+                      <a:r>
+                        <a:rPr lang="ru-RU" sz="1200" kern="1200" baseline="0" dirty="0" smtClean="0">
                           <a:solidFill>
                             <a:schemeClr val="tx1"/>
                           </a:solidFill>
@@ -13674,9 +14672,9 @@
                           <a:ea typeface="+mn-ea"/>
                           <a:cs typeface="+mn-cs"/>
                         </a:rPr>
-                        <a:t/>
-                      </a:r>
-                      <a:br>
+                        <a:t> кроссовер</a:t>
+                      </a:r>
+                      <a:r>
                         <a:rPr lang="en-US" sz="1200" kern="1200" dirty="0" smtClean="0">
                           <a:solidFill>
                             <a:schemeClr val="tx1"/>
@@ -13686,8 +14684,9 @@
                           <a:ea typeface="+mn-ea"/>
                           <a:cs typeface="+mn-cs"/>
                         </a:rPr>
-                      </a:br>
-                      <a:r>
+                        <a:t/>
+                      </a:r>
+                      <a:br>
                         <a:rPr lang="en-US" sz="1200" kern="1200" dirty="0" smtClean="0">
                           <a:solidFill>
                             <a:schemeClr val="tx1"/>
@@ -13697,10 +14696,9 @@
                           <a:ea typeface="+mn-ea"/>
                           <a:cs typeface="+mn-cs"/>
                         </a:rPr>
-                        <a:t>Uniform crossover</a:t>
-                      </a:r>
-                      <a:br>
-                        <a:rPr lang="en-US" sz="1200" kern="1200" dirty="0" smtClean="0">
+                      </a:br>
+                      <a:r>
+                        <a:rPr lang="ru-RU" sz="1200" kern="1200" dirty="0" smtClean="0">
                           <a:solidFill>
                             <a:schemeClr val="tx1"/>
                           </a:solidFill>
@@ -13709,7 +14707,8 @@
                           <a:ea typeface="+mn-ea"/>
                           <a:cs typeface="+mn-cs"/>
                         </a:rPr>
-                      </a:br>
+                        <a:t>Сальтация</a:t>
+                      </a:r>
                       <a:r>
                         <a:rPr lang="en-US" sz="1200" kern="1200" dirty="0" smtClean="0">
                           <a:solidFill>
@@ -13734,64 +14733,12 @@
                         </a:rPr>
                       </a:br>
                       <a:r>
-                        <a:rPr lang="en-US" sz="1200" kern="1200" dirty="0" smtClean="0">
-                          <a:solidFill>
-                            <a:schemeClr val="tx1"/>
-                          </a:solidFill>
-                          <a:effectLst/>
-                          <a:latin typeface="+mn-lt"/>
-                          <a:ea typeface="+mn-ea"/>
-                          <a:cs typeface="+mn-cs"/>
-                        </a:rPr>
-                        <a:t>Saltation</a:t>
-                      </a:r>
-                      <a:br>
-                        <a:rPr lang="en-US" sz="1200" kern="1200" dirty="0" smtClean="0">
-                          <a:solidFill>
-                            <a:schemeClr val="tx1"/>
-                          </a:solidFill>
-                          <a:effectLst/>
-                          <a:latin typeface="+mn-lt"/>
-                          <a:ea typeface="+mn-ea"/>
-                          <a:cs typeface="+mn-cs"/>
-                        </a:rPr>
-                      </a:br>
-                      <a:r>
-                        <a:rPr lang="en-US" sz="1200" kern="1200" dirty="0" smtClean="0">
-                          <a:solidFill>
-                            <a:schemeClr val="tx1"/>
-                          </a:solidFill>
-                          <a:effectLst/>
-                          <a:latin typeface="+mn-lt"/>
-                          <a:ea typeface="+mn-ea"/>
-                          <a:cs typeface="+mn-cs"/>
-                        </a:rPr>
-                        <a:t/>
-                      </a:r>
-                      <a:br>
-                        <a:rPr lang="en-US" sz="1200" kern="1200" dirty="0" smtClean="0">
-                          <a:solidFill>
-                            <a:schemeClr val="tx1"/>
-                          </a:solidFill>
-                          <a:effectLst/>
-                          <a:latin typeface="+mn-lt"/>
-                          <a:ea typeface="+mn-ea"/>
-                          <a:cs typeface="+mn-cs"/>
-                        </a:rPr>
-                      </a:br>
-                      <a:r>
-                        <a:rPr lang="en-US" sz="1200" kern="1200" dirty="0" smtClean="0">
-                          <a:solidFill>
-                            <a:schemeClr val="tx1"/>
-                          </a:solidFill>
-                          <a:effectLst/>
-                          <a:latin typeface="+mn-lt"/>
-                          <a:ea typeface="+mn-ea"/>
-                          <a:cs typeface="+mn-cs"/>
-                        </a:rPr>
-                        <a:t>Linear-rank</a:t>
-                      </a:r>
-                      <a:endParaRPr lang="ru-RU" sz="1200" dirty="0">
+                        <a:rPr lang="ru-RU" sz="1200" dirty="0" smtClean="0">
+                          <a:effectLst/>
+                        </a:rPr>
+                        <a:t>Линейная ранговая схема</a:t>
+                      </a:r>
+                      <a:endParaRPr lang="ru-RU" sz="1800" b="0" dirty="0" smtClean="0">
                         <a:solidFill>
                           <a:schemeClr val="tx1"/>
                         </a:solidFill>
@@ -13818,7 +14765,7 @@
                         </a:spcAft>
                       </a:pPr>
                       <a:r>
-                        <a:rPr lang="en-US" sz="1200" kern="1200" dirty="0" smtClean="0">
+                        <a:rPr lang="ru-RU" sz="1200" kern="1200" dirty="0" smtClean="0">
                           <a:solidFill>
                             <a:schemeClr val="tx1"/>
                           </a:solidFill>
@@ -13827,9 +14774,9 @@
                           <a:ea typeface="+mn-ea"/>
                           <a:cs typeface="+mn-cs"/>
                         </a:rPr>
-                        <a:t>Random algorithm</a:t>
-                      </a:r>
-                      <a:br>
+                        <a:t>Случайный алгоритм</a:t>
+                      </a:r>
+                      <a:r>
                         <a:rPr lang="en-US" sz="1200" kern="1200" dirty="0" smtClean="0">
                           <a:solidFill>
                             <a:schemeClr val="tx1"/>
@@ -13839,8 +14786,9 @@
                           <a:ea typeface="+mn-ea"/>
                           <a:cs typeface="+mn-cs"/>
                         </a:rPr>
-                      </a:br>
-                      <a:r>
+                        <a:t/>
+                      </a:r>
+                      <a:br>
                         <a:rPr lang="en-US" sz="1200" kern="1200" dirty="0" smtClean="0">
                           <a:solidFill>
                             <a:schemeClr val="tx1"/>
@@ -13850,10 +14798,9 @@
                           <a:ea typeface="+mn-ea"/>
                           <a:cs typeface="+mn-cs"/>
                         </a:rPr>
-                        <a:t/>
-                      </a:r>
-                      <a:br>
-                        <a:rPr lang="en-US" sz="1200" kern="1200" dirty="0" smtClean="0">
+                      </a:br>
+                      <a:r>
+                        <a:rPr lang="ru-RU" sz="1200" kern="1200" dirty="0" smtClean="0">
                           <a:solidFill>
                             <a:schemeClr val="tx1"/>
                           </a:solidFill>
@@ -13862,9 +14809,10 @@
                           <a:ea typeface="+mn-ea"/>
                           <a:cs typeface="+mn-cs"/>
                         </a:rPr>
-                      </a:br>
-                      <a:r>
-                        <a:rPr lang="en-US" sz="1200" kern="1200" dirty="0" smtClean="0">
+                        <a:t>Двуточечный</a:t>
+                      </a:r>
+                      <a:r>
+                        <a:rPr lang="ru-RU" sz="1200" kern="1200" baseline="0" dirty="0" smtClean="0">
                           <a:solidFill>
                             <a:schemeClr val="tx1"/>
                           </a:solidFill>
@@ -13873,9 +14821,9 @@
                           <a:ea typeface="+mn-ea"/>
                           <a:cs typeface="+mn-cs"/>
                         </a:rPr>
-                        <a:t>Two-point crossover</a:t>
-                      </a:r>
-                      <a:br>
+                        <a:t> кроссовер</a:t>
+                      </a:r>
+                      <a:r>
                         <a:rPr lang="en-US" sz="1200" kern="1200" dirty="0" smtClean="0">
                           <a:solidFill>
                             <a:schemeClr val="tx1"/>
@@ -13885,8 +14833,9 @@
                           <a:ea typeface="+mn-ea"/>
                           <a:cs typeface="+mn-cs"/>
                         </a:rPr>
-                      </a:br>
-                      <a:r>
+                        <a:t/>
+                      </a:r>
+                      <a:br>
                         <a:rPr lang="en-US" sz="1200" kern="1200" dirty="0" smtClean="0">
                           <a:solidFill>
                             <a:schemeClr val="tx1"/>
@@ -13896,10 +14845,9 @@
                           <a:ea typeface="+mn-ea"/>
                           <a:cs typeface="+mn-cs"/>
                         </a:rPr>
-                        <a:t/>
-                      </a:r>
-                      <a:br>
-                        <a:rPr lang="en-US" sz="1200" kern="1200" dirty="0" smtClean="0">
+                      </a:br>
+                      <a:r>
+                        <a:rPr lang="ru-RU" sz="1200" kern="1200" dirty="0" smtClean="0">
                           <a:solidFill>
                             <a:schemeClr val="tx1"/>
                           </a:solidFill>
@@ -13908,7 +14856,8 @@
                           <a:ea typeface="+mn-ea"/>
                           <a:cs typeface="+mn-cs"/>
                         </a:rPr>
-                      </a:br>
+                        <a:t>Точечная мутация</a:t>
+                      </a:r>
                       <a:r>
                         <a:rPr lang="en-US" sz="1200" kern="1200" dirty="0" smtClean="0">
                           <a:solidFill>
@@ -13919,7 +14868,7 @@
                           <a:ea typeface="+mn-ea"/>
                           <a:cs typeface="+mn-cs"/>
                         </a:rPr>
-                        <a:t>Point mutation</a:t>
+                        <a:t/>
                       </a:r>
                       <a:br>
                         <a:rPr lang="en-US" sz="1200" kern="1200" dirty="0" smtClean="0">
@@ -13933,41 +14882,12 @@
                         </a:rPr>
                       </a:br>
                       <a:r>
-                        <a:rPr lang="en-US" sz="1200" kern="1200" dirty="0" smtClean="0">
-                          <a:solidFill>
-                            <a:schemeClr val="tx1"/>
-                          </a:solidFill>
-                          <a:effectLst/>
-                          <a:latin typeface="+mn-lt"/>
-                          <a:ea typeface="+mn-ea"/>
-                          <a:cs typeface="+mn-cs"/>
-                        </a:rPr>
-                        <a:t/>
-                      </a:r>
-                      <a:br>
-                        <a:rPr lang="en-US" sz="1200" kern="1200" dirty="0" smtClean="0">
-                          <a:solidFill>
-                            <a:schemeClr val="tx1"/>
-                          </a:solidFill>
-                          <a:effectLst/>
-                          <a:latin typeface="+mn-lt"/>
-                          <a:ea typeface="+mn-ea"/>
-                          <a:cs typeface="+mn-cs"/>
-                        </a:rPr>
-                      </a:br>
-                      <a:r>
-                        <a:rPr lang="en-US" sz="1200" kern="1200" dirty="0" smtClean="0">
-                          <a:solidFill>
-                            <a:schemeClr val="tx1"/>
-                          </a:solidFill>
-                          <a:effectLst/>
-                          <a:latin typeface="+mn-lt"/>
-                          <a:ea typeface="+mn-ea"/>
-                          <a:cs typeface="+mn-cs"/>
-                        </a:rPr>
-                        <a:t>Linear-rank</a:t>
-                      </a:r>
-                      <a:endParaRPr lang="ru-RU" sz="1200" dirty="0">
+                        <a:rPr lang="ru-RU" sz="1200" dirty="0" smtClean="0">
+                          <a:effectLst/>
+                        </a:rPr>
+                        <a:t>Линейная ранговая схема</a:t>
+                      </a:r>
+                      <a:endParaRPr lang="ru-RU" sz="1800" b="0" dirty="0">
                         <a:solidFill>
                           <a:schemeClr val="tx1"/>
                         </a:solidFill>
@@ -13994,7 +14914,7 @@
                         </a:spcAft>
                       </a:pPr>
                       <a:r>
-                        <a:rPr lang="en-US" sz="1200" kern="1200" dirty="0" smtClean="0">
+                        <a:rPr lang="ru-RU" sz="1200" kern="1200" dirty="0" smtClean="0">
                           <a:solidFill>
                             <a:schemeClr val="tx1"/>
                           </a:solidFill>
@@ -14003,10 +14923,10 @@
                           <a:ea typeface="+mn-ea"/>
                           <a:cs typeface="+mn-cs"/>
                         </a:rPr>
-                        <a:t>Random algorithm</a:t>
-                      </a:r>
-                      <a:br>
-                        <a:rPr lang="en-US" sz="1200" kern="1200" dirty="0" smtClean="0">
+                        <a:t>Случайный</a:t>
+                      </a:r>
+                      <a:r>
+                        <a:rPr lang="ru-RU" sz="1200" kern="1200" baseline="0" dirty="0" smtClean="0">
                           <a:solidFill>
                             <a:schemeClr val="tx1"/>
                           </a:solidFill>
@@ -14015,7 +14935,8 @@
                           <a:ea typeface="+mn-ea"/>
                           <a:cs typeface="+mn-cs"/>
                         </a:rPr>
-                      </a:br>
+                        <a:t> алгоритм</a:t>
+                      </a:r>
                       <a:r>
                         <a:rPr lang="en-US" sz="1200" kern="1200" dirty="0" smtClean="0">
                           <a:solidFill>
@@ -14040,7 +14961,7 @@
                         </a:rPr>
                       </a:br>
                       <a:r>
-                        <a:rPr lang="en-US" sz="1200" kern="1200" dirty="0" smtClean="0">
+                        <a:rPr lang="ru-RU" sz="1200" kern="1200" dirty="0" smtClean="0">
                           <a:solidFill>
                             <a:schemeClr val="tx1"/>
                           </a:solidFill>
@@ -14049,9 +14970,9 @@
                           <a:ea typeface="+mn-ea"/>
                           <a:cs typeface="+mn-cs"/>
                         </a:rPr>
-                        <a:t>Uniform crossover</a:t>
-                      </a:r>
-                      <a:br>
+                        <a:t>Однородный кроссовер</a:t>
+                      </a:r>
+                      <a:r>
                         <a:rPr lang="en-US" sz="1200" kern="1200" dirty="0" smtClean="0">
                           <a:solidFill>
                             <a:schemeClr val="tx1"/>
@@ -14061,8 +14982,9 @@
                           <a:ea typeface="+mn-ea"/>
                           <a:cs typeface="+mn-cs"/>
                         </a:rPr>
-                      </a:br>
-                      <a:r>
+                        <a:t/>
+                      </a:r>
+                      <a:br>
                         <a:rPr lang="en-US" sz="1200" kern="1200" dirty="0" smtClean="0">
                           <a:solidFill>
                             <a:schemeClr val="tx1"/>
@@ -14072,10 +14994,9 @@
                           <a:ea typeface="+mn-ea"/>
                           <a:cs typeface="+mn-cs"/>
                         </a:rPr>
-                        <a:t/>
-                      </a:r>
-                      <a:br>
-                        <a:rPr lang="en-US" sz="1200" kern="1200" dirty="0" smtClean="0">
+                      </a:br>
+                      <a:r>
+                        <a:rPr lang="ru-RU" sz="1200" kern="1200" dirty="0" smtClean="0">
                           <a:solidFill>
                             <a:schemeClr val="tx1"/>
                           </a:solidFill>
@@ -14084,7 +15005,8 @@
                           <a:ea typeface="+mn-ea"/>
                           <a:cs typeface="+mn-cs"/>
                         </a:rPr>
-                      </a:br>
+                        <a:t>Транслокация</a:t>
+                      </a:r>
                       <a:r>
                         <a:rPr lang="en-US" sz="1200" kern="1200" dirty="0" smtClean="0">
                           <a:solidFill>
@@ -14095,7 +15017,7 @@
                           <a:ea typeface="+mn-ea"/>
                           <a:cs typeface="+mn-cs"/>
                         </a:rPr>
-                        <a:t>Translocation</a:t>
+                        <a:t/>
                       </a:r>
                       <a:br>
                         <a:rPr lang="en-US" sz="1200" kern="1200" dirty="0" smtClean="0">
@@ -14109,41 +15031,12 @@
                         </a:rPr>
                       </a:br>
                       <a:r>
-                        <a:rPr lang="en-US" sz="1200" kern="1200" dirty="0" smtClean="0">
-                          <a:solidFill>
-                            <a:schemeClr val="tx1"/>
-                          </a:solidFill>
-                          <a:effectLst/>
-                          <a:latin typeface="+mn-lt"/>
-                          <a:ea typeface="+mn-ea"/>
-                          <a:cs typeface="+mn-cs"/>
-                        </a:rPr>
-                        <a:t/>
-                      </a:r>
-                      <a:br>
-                        <a:rPr lang="en-US" sz="1200" kern="1200" dirty="0" smtClean="0">
-                          <a:solidFill>
-                            <a:schemeClr val="tx1"/>
-                          </a:solidFill>
-                          <a:effectLst/>
-                          <a:latin typeface="+mn-lt"/>
-                          <a:ea typeface="+mn-ea"/>
-                          <a:cs typeface="+mn-cs"/>
-                        </a:rPr>
-                      </a:br>
-                      <a:r>
-                        <a:rPr lang="en-US" sz="1200" kern="1200" dirty="0" smtClean="0">
-                          <a:solidFill>
-                            <a:schemeClr val="tx1"/>
-                          </a:solidFill>
-                          <a:effectLst/>
-                          <a:latin typeface="+mn-lt"/>
-                          <a:ea typeface="+mn-ea"/>
-                          <a:cs typeface="+mn-cs"/>
-                        </a:rPr>
-                        <a:t>Linear-rank</a:t>
-                      </a:r>
-                      <a:endParaRPr lang="ru-RU" sz="1200" dirty="0">
+                        <a:rPr lang="ru-RU" sz="1200" dirty="0" smtClean="0">
+                          <a:effectLst/>
+                        </a:rPr>
+                        <a:t>Линейная ранговая схема</a:t>
+                      </a:r>
+                      <a:endParaRPr lang="ru-RU" sz="1800" b="0" dirty="0">
                         <a:solidFill>
                           <a:schemeClr val="tx1"/>
                         </a:solidFill>
@@ -14172,10 +15065,16 @@
                         </a:spcAft>
                       </a:pPr>
                       <a:r>
+                        <a:rPr lang="ru-RU" sz="1100" dirty="0" smtClean="0">
+                          <a:effectLst/>
+                        </a:rPr>
+                        <a:t>Вероятность</a:t>
+                      </a:r>
+                      <a:r>
                         <a:rPr lang="en-US" sz="1100" dirty="0" smtClean="0">
                           <a:effectLst/>
                         </a:rPr>
-                        <a:t>Probability %</a:t>
+                        <a:t> %</a:t>
                       </a:r>
                       <a:endParaRPr lang="ru-RU" sz="1600" dirty="0">
                         <a:solidFill>
@@ -14441,34 +15340,22 @@
                         </a:spcAft>
                       </a:pPr>
                       <a:r>
-                        <a:rPr lang="en-US" sz="1100" dirty="0" err="1" smtClean="0">
-                          <a:effectLst/>
-                        </a:rPr>
-                        <a:t>Iter</a:t>
-                      </a:r>
-                      <a:r>
-                        <a:rPr lang="en-US" sz="1100" dirty="0" smtClean="0">
-                          <a:effectLst/>
-                        </a:rPr>
-                        <a:t>.</a:t>
+                        <a:rPr lang="ru-RU" sz="1100" dirty="0" smtClean="0">
+                          <a:effectLst/>
+                        </a:rPr>
+                        <a:t>Среднее</a:t>
+                      </a:r>
+                      <a:r>
+                        <a:rPr lang="ru-RU" sz="1100" baseline="0" dirty="0" smtClean="0">
+                          <a:effectLst/>
+                        </a:rPr>
+                        <a:t> кол-во итераций</a:t>
                       </a:r>
                       <a:r>
                         <a:rPr lang="en-US" sz="1100" baseline="0" dirty="0" smtClean="0">
                           <a:effectLst/>
                         </a:rPr>
-                        <a:t> count (</a:t>
-                      </a:r>
-                      <a:r>
-                        <a:rPr lang="en-US" sz="1100" baseline="0" dirty="0" err="1" smtClean="0">
-                          <a:effectLst/>
-                        </a:rPr>
-                        <a:t>avg</a:t>
-                      </a:r>
-                      <a:r>
-                        <a:rPr lang="en-US" sz="1100" baseline="0" dirty="0" smtClean="0">
-                          <a:effectLst/>
-                        </a:rPr>
-                        <a:t>) %</a:t>
+                        <a:t> %</a:t>
                       </a:r>
                       <a:endParaRPr lang="ru-RU" sz="1600" dirty="0">
                         <a:solidFill>
@@ -14732,7 +15619,7 @@
           <p:nvPr>
             <p:extLst>
               <p:ext uri="{D42A27DB-BD31-4B8C-83A1-F6EECF244321}">
-                <p14:modId xmlns:p14="http://schemas.microsoft.com/office/powerpoint/2010/main" val="3461216868"/>
+                <p14:modId xmlns:p14="http://schemas.microsoft.com/office/powerpoint/2010/main" val="4044158135"/>
               </p:ext>
             </p:extLst>
           </p:nvPr>
@@ -14771,16 +15658,25 @@
                     <a:bodyPr/>
                     <a:lstStyle/>
                     <a:p>
-                      <a:pPr algn="ctr">
+                      <a:pPr marL="0" marR="0" indent="0" algn="ctr" defTabSz="457200" rtl="0" eaLnBrk="1" fontAlgn="auto" latinLnBrk="0" hangingPunct="1">
                         <a:lnSpc>
                           <a:spcPct val="100000"/>
                         </a:lnSpc>
+                        <a:spcBef>
+                          <a:spcPts val="0"/>
+                        </a:spcBef>
                         <a:spcAft>
                           <a:spcPts val="0"/>
                         </a:spcAft>
+                        <a:buClrTx/>
+                        <a:buSzTx/>
+                        <a:buFontTx/>
+                        <a:buNone/>
+                        <a:tabLst/>
+                        <a:defRPr/>
                       </a:pPr>
                       <a:r>
-                        <a:rPr lang="en-US" sz="1200" kern="1200" dirty="0" smtClean="0">
+                        <a:rPr lang="ru-RU" sz="1200" kern="1200" dirty="0" smtClean="0">
                           <a:solidFill>
                             <a:schemeClr val="tx1"/>
                           </a:solidFill>
@@ -14789,9 +15685,9 @@
                           <a:ea typeface="+mn-ea"/>
                           <a:cs typeface="+mn-cs"/>
                         </a:rPr>
-                        <a:t>Danzig algorithm</a:t>
-                      </a:r>
-                      <a:br>
+                        <a:t>Алгоритм Данцига</a:t>
+                      </a:r>
+                      <a:r>
                         <a:rPr lang="en-US" sz="1200" kern="1200" dirty="0" smtClean="0">
                           <a:solidFill>
                             <a:schemeClr val="tx1"/>
@@ -14801,8 +15697,9 @@
                           <a:ea typeface="+mn-ea"/>
                           <a:cs typeface="+mn-cs"/>
                         </a:rPr>
-                      </a:br>
-                      <a:r>
+                        <a:t/>
+                      </a:r>
+                      <a:br>
                         <a:rPr lang="en-US" sz="1200" kern="1200" dirty="0" smtClean="0">
                           <a:solidFill>
                             <a:schemeClr val="tx1"/>
@@ -14812,10 +15709,9 @@
                           <a:ea typeface="+mn-ea"/>
                           <a:cs typeface="+mn-cs"/>
                         </a:rPr>
-                        <a:t/>
-                      </a:r>
-                      <a:br>
-                        <a:rPr lang="en-US" sz="1200" kern="1200" dirty="0" smtClean="0">
+                      </a:br>
+                      <a:r>
+                        <a:rPr lang="ru-RU" sz="1200" kern="1200" dirty="0" smtClean="0">
                           <a:solidFill>
                             <a:schemeClr val="tx1"/>
                           </a:solidFill>
@@ -14824,9 +15720,10 @@
                           <a:ea typeface="+mn-ea"/>
                           <a:cs typeface="+mn-cs"/>
                         </a:rPr>
-                      </a:br>
-                      <a:r>
-                        <a:rPr lang="en-US" sz="1200" kern="1200" dirty="0" smtClean="0">
+                        <a:t>Однородный</a:t>
+                      </a:r>
+                      <a:r>
+                        <a:rPr lang="ru-RU" sz="1200" kern="1200" baseline="0" dirty="0" smtClean="0">
                           <a:solidFill>
                             <a:schemeClr val="tx1"/>
                           </a:solidFill>
@@ -14835,9 +15732,9 @@
                           <a:ea typeface="+mn-ea"/>
                           <a:cs typeface="+mn-cs"/>
                         </a:rPr>
-                        <a:t>Uniform crossover</a:t>
-                      </a:r>
-                      <a:br>
+                        <a:t> кроссовер</a:t>
+                      </a:r>
+                      <a:r>
                         <a:rPr lang="en-US" sz="1200" kern="1200" dirty="0" smtClean="0">
                           <a:solidFill>
                             <a:schemeClr val="tx1"/>
@@ -14847,8 +15744,9 @@
                           <a:ea typeface="+mn-ea"/>
                           <a:cs typeface="+mn-cs"/>
                         </a:rPr>
-                      </a:br>
-                      <a:r>
+                        <a:t/>
+                      </a:r>
+                      <a:br>
                         <a:rPr lang="en-US" sz="1200" kern="1200" dirty="0" smtClean="0">
                           <a:solidFill>
                             <a:schemeClr val="tx1"/>
@@ -14858,10 +15756,9 @@
                           <a:ea typeface="+mn-ea"/>
                           <a:cs typeface="+mn-cs"/>
                         </a:rPr>
-                        <a:t/>
-                      </a:r>
-                      <a:br>
-                        <a:rPr lang="en-US" sz="1200" kern="1200" dirty="0" smtClean="0">
+                      </a:br>
+                      <a:r>
+                        <a:rPr lang="ru-RU" sz="1200" kern="1200" dirty="0" smtClean="0">
                           <a:solidFill>
                             <a:schemeClr val="tx1"/>
                           </a:solidFill>
@@ -14870,7 +15767,8 @@
                           <a:ea typeface="+mn-ea"/>
                           <a:cs typeface="+mn-cs"/>
                         </a:rPr>
-                      </a:br>
+                        <a:t>Сальтация</a:t>
+                      </a:r>
                       <a:r>
                         <a:rPr lang="en-US" sz="1200" kern="1200" dirty="0" smtClean="0">
                           <a:solidFill>
@@ -14881,7 +15779,7 @@
                           <a:ea typeface="+mn-ea"/>
                           <a:cs typeface="+mn-cs"/>
                         </a:rPr>
-                        <a:t>Saltation</a:t>
+                        <a:t/>
                       </a:r>
                       <a:br>
                         <a:rPr lang="en-US" sz="1200" kern="1200" dirty="0" smtClean="0">
@@ -14895,41 +15793,12 @@
                         </a:rPr>
                       </a:br>
                       <a:r>
-                        <a:rPr lang="en-US" sz="1200" kern="1200" dirty="0" smtClean="0">
-                          <a:solidFill>
-                            <a:schemeClr val="tx1"/>
-                          </a:solidFill>
-                          <a:effectLst/>
-                          <a:latin typeface="+mn-lt"/>
-                          <a:ea typeface="+mn-ea"/>
-                          <a:cs typeface="+mn-cs"/>
-                        </a:rPr>
-                        <a:t/>
-                      </a:r>
-                      <a:br>
-                        <a:rPr lang="en-US" sz="1200" kern="1200" dirty="0" smtClean="0">
-                          <a:solidFill>
-                            <a:schemeClr val="tx1"/>
-                          </a:solidFill>
-                          <a:effectLst/>
-                          <a:latin typeface="+mn-lt"/>
-                          <a:ea typeface="+mn-ea"/>
-                          <a:cs typeface="+mn-cs"/>
-                        </a:rPr>
-                      </a:br>
-                      <a:r>
-                        <a:rPr lang="en-US" sz="1200" kern="1200" dirty="0" smtClean="0">
-                          <a:solidFill>
-                            <a:schemeClr val="tx1"/>
-                          </a:solidFill>
-                          <a:effectLst/>
-                          <a:latin typeface="+mn-lt"/>
-                          <a:ea typeface="+mn-ea"/>
-                          <a:cs typeface="+mn-cs"/>
-                        </a:rPr>
-                        <a:t>Linear-rank</a:t>
-                      </a:r>
-                      <a:endParaRPr lang="ru-RU" sz="1200" dirty="0">
+                        <a:rPr lang="ru-RU" sz="1200" dirty="0" smtClean="0">
+                          <a:effectLst/>
+                        </a:rPr>
+                        <a:t>Линейная ранговая схема</a:t>
+                      </a:r>
+                      <a:endParaRPr lang="ru-RU" sz="1800" b="0" dirty="0" smtClean="0">
                         <a:solidFill>
                           <a:schemeClr val="tx1"/>
                         </a:solidFill>
@@ -14956,7 +15825,7 @@
                         </a:spcAft>
                       </a:pPr>
                       <a:r>
-                        <a:rPr lang="en-US" sz="1200" kern="1200" dirty="0" smtClean="0">
+                        <a:rPr lang="ru-RU" sz="1200" kern="1200" dirty="0" smtClean="0">
                           <a:solidFill>
                             <a:schemeClr val="tx1"/>
                           </a:solidFill>
@@ -14965,9 +15834,9 @@
                           <a:ea typeface="+mn-ea"/>
                           <a:cs typeface="+mn-cs"/>
                         </a:rPr>
-                        <a:t>Danzig algorithm</a:t>
-                      </a:r>
-                      <a:br>
+                        <a:t>Алгоритм Данцига</a:t>
+                      </a:r>
+                      <a:r>
                         <a:rPr lang="en-US" sz="1200" kern="1200" dirty="0" smtClean="0">
                           <a:solidFill>
                             <a:schemeClr val="tx1"/>
@@ -14977,8 +15846,9 @@
                           <a:ea typeface="+mn-ea"/>
                           <a:cs typeface="+mn-cs"/>
                         </a:rPr>
-                      </a:br>
-                      <a:r>
+                        <a:t/>
+                      </a:r>
+                      <a:br>
                         <a:rPr lang="en-US" sz="1200" kern="1200" dirty="0" smtClean="0">
                           <a:solidFill>
                             <a:schemeClr val="tx1"/>
@@ -14988,10 +15858,9 @@
                           <a:ea typeface="+mn-ea"/>
                           <a:cs typeface="+mn-cs"/>
                         </a:rPr>
-                        <a:t/>
-                      </a:r>
-                      <a:br>
-                        <a:rPr lang="en-US" sz="1200" kern="1200" dirty="0" smtClean="0">
+                      </a:br>
+                      <a:r>
+                        <a:rPr lang="ru-RU" sz="1200" kern="1200" dirty="0" smtClean="0">
                           <a:solidFill>
                             <a:schemeClr val="tx1"/>
                           </a:solidFill>
@@ -15000,7 +15869,8 @@
                           <a:ea typeface="+mn-ea"/>
                           <a:cs typeface="+mn-cs"/>
                         </a:rPr>
-                      </a:br>
+                        <a:t>Однородный кроссовер</a:t>
+                      </a:r>
                       <a:r>
                         <a:rPr lang="en-US" sz="1200" kern="1200" dirty="0" smtClean="0">
                           <a:solidFill>
@@ -15011,7 +15881,7 @@
                           <a:ea typeface="+mn-ea"/>
                           <a:cs typeface="+mn-cs"/>
                         </a:rPr>
-                        <a:t>Uniform crossover</a:t>
+                        <a:t/>
                       </a:r>
                       <a:br>
                         <a:rPr lang="en-US" sz="1200" kern="1200" dirty="0" smtClean="0">
@@ -15025,7 +15895,7 @@
                         </a:rPr>
                       </a:br>
                       <a:r>
-                        <a:rPr lang="en-US" sz="1200" kern="1200" dirty="0" smtClean="0">
+                        <a:rPr lang="ru-RU" sz="1200" kern="1200" dirty="0" smtClean="0">
                           <a:solidFill>
                             <a:schemeClr val="tx1"/>
                           </a:solidFill>
@@ -15034,9 +15904,9 @@
                           <a:ea typeface="+mn-ea"/>
                           <a:cs typeface="+mn-cs"/>
                         </a:rPr>
-                        <a:t/>
-                      </a:r>
-                      <a:br>
+                        <a:t>Инверсия</a:t>
+                      </a:r>
+                      <a:r>
                         <a:rPr lang="en-US" sz="1200" kern="1200" dirty="0" smtClean="0">
                           <a:solidFill>
                             <a:schemeClr val="tx1"/>
@@ -15046,8 +15916,9 @@
                           <a:ea typeface="+mn-ea"/>
                           <a:cs typeface="+mn-cs"/>
                         </a:rPr>
-                      </a:br>
-                      <a:r>
+                        <a:t/>
+                      </a:r>
+                      <a:br>
                         <a:rPr lang="en-US" sz="1200" kern="1200" dirty="0" smtClean="0">
                           <a:solidFill>
                             <a:schemeClr val="tx1"/>
@@ -15057,55 +15928,14 @@
                           <a:ea typeface="+mn-ea"/>
                           <a:cs typeface="+mn-cs"/>
                         </a:rPr>
-                        <a:t>Inversion</a:t>
-                      </a:r>
-                      <a:br>
-                        <a:rPr lang="en-US" sz="1200" kern="1200" dirty="0" smtClean="0">
-                          <a:solidFill>
-                            <a:schemeClr val="tx1"/>
-                          </a:solidFill>
-                          <a:effectLst/>
-                          <a:latin typeface="+mn-lt"/>
-                          <a:ea typeface="+mn-ea"/>
-                          <a:cs typeface="+mn-cs"/>
-                        </a:rPr>
                       </a:br>
                       <a:r>
-                        <a:rPr lang="en-US" sz="1200" kern="1200" dirty="0" smtClean="0">
-                          <a:solidFill>
-                            <a:schemeClr val="tx1"/>
-                          </a:solidFill>
-                          <a:effectLst/>
-                          <a:latin typeface="+mn-lt"/>
-                          <a:ea typeface="+mn-ea"/>
-                          <a:cs typeface="+mn-cs"/>
-                        </a:rPr>
-                        <a:t/>
-                      </a:r>
-                      <a:br>
-                        <a:rPr lang="en-US" sz="1200" kern="1200" dirty="0" smtClean="0">
-                          <a:solidFill>
-                            <a:schemeClr val="tx1"/>
-                          </a:solidFill>
-                          <a:effectLst/>
-                          <a:latin typeface="+mn-lt"/>
-                          <a:ea typeface="+mn-ea"/>
-                          <a:cs typeface="+mn-cs"/>
-                        </a:rPr>
-                      </a:br>
-                      <a:r>
-                        <a:rPr lang="en-US" sz="1200" kern="1200" dirty="0" smtClean="0">
-                          <a:solidFill>
-                            <a:schemeClr val="tx1"/>
-                          </a:solidFill>
-                          <a:effectLst/>
-                          <a:latin typeface="+mn-lt"/>
-                          <a:ea typeface="+mn-ea"/>
-                          <a:cs typeface="+mn-cs"/>
-                        </a:rPr>
-                        <a:t>Linear-rank</a:t>
-                      </a:r>
-                      <a:endParaRPr lang="ru-RU" sz="1050" dirty="0">
+                        <a:rPr lang="ru-RU" sz="1200" dirty="0" smtClean="0">
+                          <a:effectLst/>
+                        </a:rPr>
+                        <a:t>Линейная ранговая схема</a:t>
+                      </a:r>
+                      <a:endParaRPr lang="ru-RU" sz="1800" b="0" dirty="0">
                         <a:solidFill>
                           <a:schemeClr val="tx1"/>
                         </a:solidFill>
@@ -15132,7 +15962,7 @@
                         </a:spcAft>
                       </a:pPr>
                       <a:r>
-                        <a:rPr lang="en-US" sz="1200" kern="1200" dirty="0" smtClean="0">
+                        <a:rPr lang="ru-RU" sz="1200" kern="1200" dirty="0" smtClean="0">
                           <a:solidFill>
                             <a:schemeClr val="tx1"/>
                           </a:solidFill>
@@ -15141,10 +15971,10 @@
                           <a:ea typeface="+mn-ea"/>
                           <a:cs typeface="+mn-cs"/>
                         </a:rPr>
-                        <a:t>Random algorithm</a:t>
-                      </a:r>
-                      <a:br>
-                        <a:rPr lang="en-US" sz="1200" kern="1200" dirty="0" smtClean="0">
+                        <a:t>Случайный</a:t>
+                      </a:r>
+                      <a:r>
+                        <a:rPr lang="ru-RU" sz="1200" kern="1200" baseline="0" dirty="0" smtClean="0">
                           <a:solidFill>
                             <a:schemeClr val="tx1"/>
                           </a:solidFill>
@@ -15153,7 +15983,8 @@
                           <a:ea typeface="+mn-ea"/>
                           <a:cs typeface="+mn-cs"/>
                         </a:rPr>
-                      </a:br>
+                        <a:t> алгоритм</a:t>
+                      </a:r>
                       <a:r>
                         <a:rPr lang="en-US" sz="1200" kern="1200" dirty="0" smtClean="0">
                           <a:solidFill>
@@ -15178,7 +16009,7 @@
                         </a:rPr>
                       </a:br>
                       <a:r>
-                        <a:rPr lang="en-US" sz="1200" kern="1200" dirty="0" smtClean="0">
+                        <a:rPr lang="ru-RU" sz="1200" kern="1200" dirty="0" smtClean="0">
                           <a:solidFill>
                             <a:schemeClr val="tx1"/>
                           </a:solidFill>
@@ -15187,10 +16018,20 @@
                           <a:ea typeface="+mn-ea"/>
                           <a:cs typeface="+mn-cs"/>
                         </a:rPr>
-                        <a:t>Uniform crossover</a:t>
-                      </a:r>
-                      <a:br>
-                        <a:rPr lang="en-US" sz="1200" kern="1200" dirty="0" smtClean="0">
+                        <a:t>Однородный кроссовер</a:t>
+                      </a:r>
+                    </a:p>
+                    <a:p>
+                      <a:pPr algn="ctr">
+                        <a:lnSpc>
+                          <a:spcPct val="100000"/>
+                        </a:lnSpc>
+                        <a:spcAft>
+                          <a:spcPts val="0"/>
+                        </a:spcAft>
+                      </a:pPr>
+                      <a:r>
+                        <a:rPr lang="ru-RU" sz="1200" kern="1200" dirty="0" smtClean="0">
                           <a:solidFill>
                             <a:schemeClr val="tx1"/>
                           </a:solidFill>
@@ -15199,7 +16040,8 @@
                           <a:ea typeface="+mn-ea"/>
                           <a:cs typeface="+mn-cs"/>
                         </a:rPr>
-                      </a:br>
+                        <a:t>Точечная мутация</a:t>
+                      </a:r>
                       <a:r>
                         <a:rPr lang="en-US" sz="1200" kern="1200" dirty="0" smtClean="0">
                           <a:solidFill>
@@ -15224,64 +16066,12 @@
                         </a:rPr>
                       </a:br>
                       <a:r>
-                        <a:rPr lang="en-US" sz="1200" kern="1200" dirty="0" smtClean="0">
-                          <a:solidFill>
-                            <a:schemeClr val="tx1"/>
-                          </a:solidFill>
-                          <a:effectLst/>
-                          <a:latin typeface="+mn-lt"/>
-                          <a:ea typeface="+mn-ea"/>
-                          <a:cs typeface="+mn-cs"/>
-                        </a:rPr>
-                        <a:t>Point mutation</a:t>
-                      </a:r>
-                      <a:br>
-                        <a:rPr lang="en-US" sz="1200" kern="1200" dirty="0" smtClean="0">
-                          <a:solidFill>
-                            <a:schemeClr val="tx1"/>
-                          </a:solidFill>
-                          <a:effectLst/>
-                          <a:latin typeface="+mn-lt"/>
-                          <a:ea typeface="+mn-ea"/>
-                          <a:cs typeface="+mn-cs"/>
-                        </a:rPr>
-                      </a:br>
-                      <a:r>
-                        <a:rPr lang="en-US" sz="1200" kern="1200" dirty="0" smtClean="0">
-                          <a:solidFill>
-                            <a:schemeClr val="tx1"/>
-                          </a:solidFill>
-                          <a:effectLst/>
-                          <a:latin typeface="+mn-lt"/>
-                          <a:ea typeface="+mn-ea"/>
-                          <a:cs typeface="+mn-cs"/>
-                        </a:rPr>
-                        <a:t/>
-                      </a:r>
-                      <a:br>
-                        <a:rPr lang="en-US" sz="1200" kern="1200" dirty="0" smtClean="0">
-                          <a:solidFill>
-                            <a:schemeClr val="tx1"/>
-                          </a:solidFill>
-                          <a:effectLst/>
-                          <a:latin typeface="+mn-lt"/>
-                          <a:ea typeface="+mn-ea"/>
-                          <a:cs typeface="+mn-cs"/>
-                        </a:rPr>
-                      </a:br>
-                      <a:r>
-                        <a:rPr lang="en-US" sz="1200" kern="1200" dirty="0" smtClean="0">
-                          <a:solidFill>
-                            <a:schemeClr val="tx1"/>
-                          </a:solidFill>
-                          <a:effectLst/>
-                          <a:latin typeface="+mn-lt"/>
-                          <a:ea typeface="+mn-ea"/>
-                          <a:cs typeface="+mn-cs"/>
-                        </a:rPr>
-                        <a:t>Linear-rank</a:t>
-                      </a:r>
-                      <a:endParaRPr lang="ru-RU" sz="1200" dirty="0">
+                        <a:rPr lang="ru-RU" sz="1200" dirty="0" smtClean="0">
+                          <a:effectLst/>
+                        </a:rPr>
+                        <a:t>Линейная ранговая схема</a:t>
+                      </a:r>
+                      <a:endParaRPr lang="ru-RU" sz="1800" b="0" dirty="0">
                         <a:solidFill>
                           <a:schemeClr val="tx1"/>
                         </a:solidFill>
@@ -15308,7 +16098,7 @@
                         </a:spcAft>
                       </a:pPr>
                       <a:r>
-                        <a:rPr lang="en-US" sz="1200" kern="1200" dirty="0" smtClean="0">
+                        <a:rPr lang="ru-RU" sz="1200" kern="1200" dirty="0" smtClean="0">
                           <a:solidFill>
                             <a:schemeClr val="tx1"/>
                           </a:solidFill>
@@ -15317,9 +16107,9 @@
                           <a:ea typeface="+mn-ea"/>
                           <a:cs typeface="+mn-cs"/>
                         </a:rPr>
-                        <a:t>Random algorithm</a:t>
-                      </a:r>
-                      <a:br>
+                        <a:t>Случайный алгоритм</a:t>
+                      </a:r>
+                      <a:r>
                         <a:rPr lang="en-US" sz="1200" kern="1200" dirty="0" smtClean="0">
                           <a:solidFill>
                             <a:schemeClr val="tx1"/>
@@ -15329,8 +16119,9 @@
                           <a:ea typeface="+mn-ea"/>
                           <a:cs typeface="+mn-cs"/>
                         </a:rPr>
-                      </a:br>
-                      <a:r>
+                        <a:t/>
+                      </a:r>
+                      <a:br>
                         <a:rPr lang="en-US" sz="1200" kern="1200" dirty="0" smtClean="0">
                           <a:solidFill>
                             <a:schemeClr val="tx1"/>
@@ -15340,10 +16131,9 @@
                           <a:ea typeface="+mn-ea"/>
                           <a:cs typeface="+mn-cs"/>
                         </a:rPr>
-                        <a:t/>
-                      </a:r>
-                      <a:br>
-                        <a:rPr lang="en-US" sz="1200" kern="1200" dirty="0" smtClean="0">
+                      </a:br>
+                      <a:r>
+                        <a:rPr lang="ru-RU" sz="1200" kern="1200" dirty="0" smtClean="0">
                           <a:solidFill>
                             <a:schemeClr val="tx1"/>
                           </a:solidFill>
@@ -15352,7 +16142,8 @@
                           <a:ea typeface="+mn-ea"/>
                           <a:cs typeface="+mn-cs"/>
                         </a:rPr>
-                      </a:br>
+                        <a:t>Однородный кроссовер</a:t>
+                      </a:r>
                       <a:r>
                         <a:rPr lang="en-US" sz="1200" kern="1200" dirty="0" smtClean="0">
                           <a:solidFill>
@@ -15363,7 +16154,7 @@
                           <a:ea typeface="+mn-ea"/>
                           <a:cs typeface="+mn-cs"/>
                         </a:rPr>
-                        <a:t>Uniform crossover</a:t>
+                        <a:t/>
                       </a:r>
                       <a:br>
                         <a:rPr lang="en-US" sz="1200" kern="1200" dirty="0" smtClean="0">
@@ -15377,7 +16168,7 @@
                         </a:rPr>
                       </a:br>
                       <a:r>
-                        <a:rPr lang="en-US" sz="1200" kern="1200" dirty="0" smtClean="0">
+                        <a:rPr lang="ru-RU" sz="1200" kern="1200" dirty="0" smtClean="0">
                           <a:solidFill>
                             <a:schemeClr val="tx1"/>
                           </a:solidFill>
@@ -15386,78 +16177,25 @@
                           <a:ea typeface="+mn-ea"/>
                           <a:cs typeface="+mn-cs"/>
                         </a:rPr>
-                        <a:t/>
-                      </a:r>
-                      <a:br>
-                        <a:rPr lang="en-US" sz="1200" kern="1200" dirty="0" smtClean="0">
-                          <a:solidFill>
-                            <a:schemeClr val="tx1"/>
-                          </a:solidFill>
-                          <a:effectLst/>
-                          <a:latin typeface="+mn-lt"/>
-                          <a:ea typeface="+mn-ea"/>
-                          <a:cs typeface="+mn-cs"/>
-                        </a:rPr>
-                      </a:br>
-                      <a:r>
-                        <a:rPr lang="en-US" sz="1200" kern="1200" dirty="0" smtClean="0">
-                          <a:solidFill>
-                            <a:schemeClr val="tx1"/>
-                          </a:solidFill>
-                          <a:effectLst/>
-                          <a:latin typeface="+mn-lt"/>
-                          <a:ea typeface="+mn-ea"/>
-                          <a:cs typeface="+mn-cs"/>
-                        </a:rPr>
-                        <a:t>Saltation</a:t>
-                      </a:r>
-                      <a:br>
-                        <a:rPr lang="en-US" sz="1200" kern="1200" dirty="0" smtClean="0">
-                          <a:solidFill>
-                            <a:schemeClr val="tx1"/>
-                          </a:solidFill>
-                          <a:effectLst/>
-                          <a:latin typeface="+mn-lt"/>
-                          <a:ea typeface="+mn-ea"/>
-                          <a:cs typeface="+mn-cs"/>
-                        </a:rPr>
-                      </a:br>
-                      <a:r>
-                        <a:rPr lang="en-US" sz="1200" kern="1200" dirty="0" smtClean="0">
-                          <a:solidFill>
-                            <a:schemeClr val="tx1"/>
-                          </a:solidFill>
-                          <a:effectLst/>
-                          <a:latin typeface="+mn-lt"/>
-                          <a:ea typeface="+mn-ea"/>
-                          <a:cs typeface="+mn-cs"/>
-                        </a:rPr>
-                        <a:t/>
-                      </a:r>
-                      <a:br>
-                        <a:rPr lang="en-US" sz="1200" kern="1200" dirty="0" smtClean="0">
-                          <a:solidFill>
-                            <a:schemeClr val="tx1"/>
-                          </a:solidFill>
-                          <a:effectLst/>
-                          <a:latin typeface="+mn-lt"/>
-                          <a:ea typeface="+mn-ea"/>
-                          <a:cs typeface="+mn-cs"/>
-                        </a:rPr>
-                      </a:br>
-                      <a:r>
-                        <a:rPr lang="en-US" sz="1200" kern="1200" dirty="0" smtClean="0">
-                          <a:solidFill>
-                            <a:schemeClr val="tx1"/>
-                          </a:solidFill>
-                          <a:effectLst/>
-                          <a:latin typeface="+mn-lt"/>
-                          <a:ea typeface="+mn-ea"/>
-                          <a:cs typeface="+mn-cs"/>
-                        </a:rPr>
-                        <a:t>Linear-rank</a:t>
-                      </a:r>
-                      <a:endParaRPr lang="ru-RU" sz="1200" dirty="0">
+                        <a:t>Сальтация</a:t>
+                      </a:r>
+                    </a:p>
+                    <a:p>
+                      <a:pPr algn="ctr">
+                        <a:lnSpc>
+                          <a:spcPct val="100000"/>
+                        </a:lnSpc>
+                        <a:spcAft>
+                          <a:spcPts val="0"/>
+                        </a:spcAft>
+                      </a:pPr>
+                      <a:r>
+                        <a:rPr lang="ru-RU" sz="1200" dirty="0" smtClean="0">
+                          <a:effectLst/>
+                        </a:rPr>
+                        <a:t>Линейная ранговая схема</a:t>
+                      </a:r>
+                      <a:endParaRPr lang="ru-RU" sz="1800" b="0" dirty="0">
                         <a:solidFill>
                           <a:schemeClr val="tx1"/>
                         </a:solidFill>
@@ -15484,7 +16222,7 @@
                         </a:spcAft>
                       </a:pPr>
                       <a:r>
-                        <a:rPr lang="en-US" sz="1200" kern="1200" dirty="0" smtClean="0">
+                        <a:rPr lang="ru-RU" sz="1200" kern="1200" dirty="0" smtClean="0">
                           <a:solidFill>
                             <a:schemeClr val="tx1"/>
                           </a:solidFill>
@@ -15493,9 +16231,9 @@
                           <a:ea typeface="+mn-ea"/>
                           <a:cs typeface="+mn-cs"/>
                         </a:rPr>
-                        <a:t>Random algorithm</a:t>
-                      </a:r>
-                      <a:br>
+                        <a:t>Случайный алгоритм</a:t>
+                      </a:r>
+                      <a:r>
                         <a:rPr lang="en-US" sz="1200" kern="1200" dirty="0" smtClean="0">
                           <a:solidFill>
                             <a:schemeClr val="tx1"/>
@@ -15505,8 +16243,9 @@
                           <a:ea typeface="+mn-ea"/>
                           <a:cs typeface="+mn-cs"/>
                         </a:rPr>
-                      </a:br>
-                      <a:r>
+                        <a:t/>
+                      </a:r>
+                      <a:br>
                         <a:rPr lang="en-US" sz="1200" kern="1200" dirty="0" smtClean="0">
                           <a:solidFill>
                             <a:schemeClr val="tx1"/>
@@ -15516,10 +16255,9 @@
                           <a:ea typeface="+mn-ea"/>
                           <a:cs typeface="+mn-cs"/>
                         </a:rPr>
-                        <a:t/>
-                      </a:r>
-                      <a:br>
-                        <a:rPr lang="en-US" sz="1200" kern="1200" dirty="0" smtClean="0">
+                      </a:br>
+                      <a:r>
+                        <a:rPr lang="ru-RU" sz="1200" kern="1200" dirty="0" smtClean="0">
                           <a:solidFill>
                             <a:schemeClr val="tx1"/>
                           </a:solidFill>
@@ -15528,7 +16266,8 @@
                           <a:ea typeface="+mn-ea"/>
                           <a:cs typeface="+mn-cs"/>
                         </a:rPr>
-                      </a:br>
+                        <a:t>Однородный кроссовер</a:t>
+                      </a:r>
                       <a:r>
                         <a:rPr lang="en-US" sz="1200" kern="1200" dirty="0" smtClean="0">
                           <a:solidFill>
@@ -15539,7 +16278,7 @@
                           <a:ea typeface="+mn-ea"/>
                           <a:cs typeface="+mn-cs"/>
                         </a:rPr>
-                        <a:t>Uniform crossover</a:t>
+                        <a:t/>
                       </a:r>
                       <a:br>
                         <a:rPr lang="en-US" sz="1200" kern="1200" dirty="0" smtClean="0">
@@ -15553,7 +16292,7 @@
                         </a:rPr>
                       </a:br>
                       <a:r>
-                        <a:rPr lang="en-US" sz="1200" kern="1200" dirty="0" smtClean="0">
+                        <a:rPr lang="ru-RU" sz="1200" kern="1200" dirty="0" smtClean="0">
                           <a:solidFill>
                             <a:schemeClr val="tx1"/>
                           </a:solidFill>
@@ -15562,9 +16301,9 @@
                           <a:ea typeface="+mn-ea"/>
                           <a:cs typeface="+mn-cs"/>
                         </a:rPr>
-                        <a:t/>
-                      </a:r>
-                      <a:br>
+                        <a:t>Транслокация</a:t>
+                      </a:r>
+                      <a:r>
                         <a:rPr lang="en-US" sz="1200" kern="1200" dirty="0" smtClean="0">
                           <a:solidFill>
                             <a:schemeClr val="tx1"/>
@@ -15574,8 +16313,9 @@
                           <a:ea typeface="+mn-ea"/>
                           <a:cs typeface="+mn-cs"/>
                         </a:rPr>
-                      </a:br>
-                      <a:r>
+                        <a:t/>
+                      </a:r>
+                      <a:br>
                         <a:rPr lang="en-US" sz="1200" kern="1200" dirty="0" smtClean="0">
                           <a:solidFill>
                             <a:schemeClr val="tx1"/>
@@ -15585,55 +16325,14 @@
                           <a:ea typeface="+mn-ea"/>
                           <a:cs typeface="+mn-cs"/>
                         </a:rPr>
-                        <a:t>Translocation</a:t>
-                      </a:r>
-                      <a:br>
-                        <a:rPr lang="en-US" sz="1200" kern="1200" dirty="0" smtClean="0">
-                          <a:solidFill>
-                            <a:schemeClr val="tx1"/>
-                          </a:solidFill>
-                          <a:effectLst/>
-                          <a:latin typeface="+mn-lt"/>
-                          <a:ea typeface="+mn-ea"/>
-                          <a:cs typeface="+mn-cs"/>
-                        </a:rPr>
                       </a:br>
                       <a:r>
-                        <a:rPr lang="en-US" sz="1200" kern="1200" dirty="0" smtClean="0">
-                          <a:solidFill>
-                            <a:schemeClr val="tx1"/>
-                          </a:solidFill>
-                          <a:effectLst/>
-                          <a:latin typeface="+mn-lt"/>
-                          <a:ea typeface="+mn-ea"/>
-                          <a:cs typeface="+mn-cs"/>
-                        </a:rPr>
-                        <a:t/>
-                      </a:r>
-                      <a:br>
-                        <a:rPr lang="en-US" sz="1200" kern="1200" dirty="0" smtClean="0">
-                          <a:solidFill>
-                            <a:schemeClr val="tx1"/>
-                          </a:solidFill>
-                          <a:effectLst/>
-                          <a:latin typeface="+mn-lt"/>
-                          <a:ea typeface="+mn-ea"/>
-                          <a:cs typeface="+mn-cs"/>
-                        </a:rPr>
-                      </a:br>
-                      <a:r>
-                        <a:rPr lang="en-US" sz="1200" kern="1200" dirty="0" smtClean="0">
-                          <a:solidFill>
-                            <a:schemeClr val="tx1"/>
-                          </a:solidFill>
-                          <a:effectLst/>
-                          <a:latin typeface="+mn-lt"/>
-                          <a:ea typeface="+mn-ea"/>
-                          <a:cs typeface="+mn-cs"/>
-                        </a:rPr>
-                        <a:t>Linear-rank</a:t>
-                      </a:r>
-                      <a:endParaRPr lang="ru-RU" sz="1200" dirty="0">
+                        <a:rPr lang="ru-RU" sz="1200" dirty="0" smtClean="0">
+                          <a:effectLst/>
+                        </a:rPr>
+                        <a:t>Линейная ранговая схема</a:t>
+                      </a:r>
+                      <a:endParaRPr lang="ru-RU" sz="1800" b="0" dirty="0">
                         <a:solidFill>
                           <a:schemeClr val="tx1"/>
                         </a:solidFill>
@@ -15662,10 +16361,16 @@
                         </a:spcAft>
                       </a:pPr>
                       <a:r>
+                        <a:rPr lang="ru-RU" sz="1100" dirty="0" smtClean="0">
+                          <a:effectLst/>
+                        </a:rPr>
+                        <a:t>Вероятность</a:t>
+                      </a:r>
+                      <a:r>
                         <a:rPr lang="en-US" sz="1100" dirty="0" smtClean="0">
                           <a:effectLst/>
                         </a:rPr>
-                        <a:t>Probability %</a:t>
+                        <a:t> %</a:t>
                       </a:r>
                       <a:endParaRPr lang="ru-RU" sz="1600" dirty="0">
                         <a:solidFill>
@@ -15931,34 +16636,22 @@
                         </a:spcAft>
                       </a:pPr>
                       <a:r>
-                        <a:rPr lang="en-US" sz="1100" dirty="0" err="1" smtClean="0">
-                          <a:effectLst/>
-                        </a:rPr>
-                        <a:t>Iter</a:t>
-                      </a:r>
-                      <a:r>
-                        <a:rPr lang="en-US" sz="1100" dirty="0" smtClean="0">
-                          <a:effectLst/>
-                        </a:rPr>
-                        <a:t>.</a:t>
+                        <a:rPr lang="ru-RU" sz="1100" dirty="0" smtClean="0">
+                          <a:effectLst/>
+                        </a:rPr>
+                        <a:t>Среднее</a:t>
+                      </a:r>
+                      <a:r>
+                        <a:rPr lang="ru-RU" sz="1100" baseline="0" dirty="0" smtClean="0">
+                          <a:effectLst/>
+                        </a:rPr>
+                        <a:t> кол-во итераций</a:t>
                       </a:r>
                       <a:r>
                         <a:rPr lang="en-US" sz="1100" baseline="0" dirty="0" smtClean="0">
                           <a:effectLst/>
                         </a:rPr>
-                        <a:t> count (</a:t>
-                      </a:r>
-                      <a:r>
-                        <a:rPr lang="en-US" sz="1100" baseline="0" dirty="0" err="1" smtClean="0">
-                          <a:effectLst/>
-                        </a:rPr>
-                        <a:t>avg</a:t>
-                      </a:r>
-                      <a:r>
-                        <a:rPr lang="en-US" sz="1100" baseline="0" dirty="0" smtClean="0">
-                          <a:effectLst/>
-                        </a:rPr>
-                        <a:t>) %</a:t>
+                        <a:t> %</a:t>
                       </a:r>
                       <a:endParaRPr lang="ru-RU" sz="1600" dirty="0">
                         <a:solidFill>
@@ -16504,7 +17197,7 @@
           <p:nvPr>
             <p:extLst>
               <p:ext uri="{D42A27DB-BD31-4B8C-83A1-F6EECF244321}">
-                <p14:modId xmlns:p14="http://schemas.microsoft.com/office/powerpoint/2010/main" val="433497750"/>
+                <p14:modId xmlns:p14="http://schemas.microsoft.com/office/powerpoint/2010/main" val="1074432232"/>
               </p:ext>
             </p:extLst>
           </p:nvPr>
@@ -16560,7 +17253,7 @@
                         <a:defRPr/>
                       </a:pPr>
                       <a:r>
-                        <a:rPr lang="en-US" sz="1400" kern="1200" dirty="0" smtClean="0">
+                        <a:rPr lang="ru-RU" sz="1400" kern="1200" dirty="0" smtClean="0">
                           <a:solidFill>
                             <a:schemeClr val="tx1"/>
                           </a:solidFill>
@@ -16569,10 +17262,20 @@
                           <a:ea typeface="+mn-ea"/>
                           <a:cs typeface="+mn-cs"/>
                         </a:rPr>
-                        <a:t>Random algorithm</a:t>
-                      </a:r>
-                      <a:br>
-                        <a:rPr lang="en-US" sz="1400" kern="1200" dirty="0" smtClean="0">
+                        <a:t>Случайный алгоритм</a:t>
+                      </a:r>
+                    </a:p>
+                    <a:p>
+                      <a:pPr algn="ctr">
+                        <a:lnSpc>
+                          <a:spcPct val="100000"/>
+                        </a:lnSpc>
+                        <a:spcAft>
+                          <a:spcPts val="0"/>
+                        </a:spcAft>
+                      </a:pPr>
+                      <a:r>
+                        <a:rPr lang="ru-RU" sz="1400" kern="1200" dirty="0" smtClean="0">
                           <a:solidFill>
                             <a:schemeClr val="tx1"/>
                           </a:solidFill>
@@ -16581,9 +17284,10 @@
                           <a:ea typeface="+mn-ea"/>
                           <a:cs typeface="+mn-cs"/>
                         </a:rPr>
-                      </a:br>
-                      <a:r>
-                        <a:rPr lang="en-US" sz="1400" kern="1200" dirty="0" smtClean="0">
+                        <a:t>Однородный</a:t>
+                      </a:r>
+                      <a:r>
+                        <a:rPr lang="ru-RU" sz="1400" kern="1200" baseline="0" dirty="0" smtClean="0">
                           <a:solidFill>
                             <a:schemeClr val="tx1"/>
                           </a:solidFill>
@@ -16592,9 +17296,9 @@
                           <a:ea typeface="+mn-ea"/>
                           <a:cs typeface="+mn-cs"/>
                         </a:rPr>
-                        <a:t/>
-                      </a:r>
-                      <a:br>
+                        <a:t> кроссовер</a:t>
+                      </a:r>
+                      <a:r>
                         <a:rPr lang="en-US" sz="1400" kern="1200" dirty="0" smtClean="0">
                           <a:solidFill>
                             <a:schemeClr val="tx1"/>
@@ -16604,8 +17308,9 @@
                           <a:ea typeface="+mn-ea"/>
                           <a:cs typeface="+mn-cs"/>
                         </a:rPr>
-                      </a:br>
-                      <a:r>
+                        <a:t/>
+                      </a:r>
+                      <a:br>
                         <a:rPr lang="en-US" sz="1400" kern="1200" dirty="0" smtClean="0">
                           <a:solidFill>
                             <a:schemeClr val="tx1"/>
@@ -16615,10 +17320,9 @@
                           <a:ea typeface="+mn-ea"/>
                           <a:cs typeface="+mn-cs"/>
                         </a:rPr>
-                        <a:t>Uniform crossover</a:t>
-                      </a:r>
-                      <a:br>
-                        <a:rPr lang="en-US" sz="1400" kern="1200" dirty="0" smtClean="0">
+                      </a:br>
+                      <a:r>
+                        <a:rPr lang="ru-RU" sz="1400" kern="1200" dirty="0" smtClean="0">
                           <a:solidFill>
                             <a:schemeClr val="tx1"/>
                           </a:solidFill>
@@ -16627,7 +17331,8 @@
                           <a:ea typeface="+mn-ea"/>
                           <a:cs typeface="+mn-cs"/>
                         </a:rPr>
-                      </a:br>
+                        <a:t>Сальтация</a:t>
+                      </a:r>
                       <a:r>
                         <a:rPr lang="en-US" sz="1400" kern="1200" dirty="0" smtClean="0">
                           <a:solidFill>
@@ -16652,64 +17357,12 @@
                         </a:rPr>
                       </a:br>
                       <a:r>
-                        <a:rPr lang="en-US" sz="1400" kern="1200" dirty="0" smtClean="0">
-                          <a:solidFill>
-                            <a:schemeClr val="tx1"/>
-                          </a:solidFill>
-                          <a:effectLst/>
-                          <a:latin typeface="+mn-lt"/>
-                          <a:ea typeface="+mn-ea"/>
-                          <a:cs typeface="+mn-cs"/>
-                        </a:rPr>
-                        <a:t>Saltation</a:t>
-                      </a:r>
-                      <a:br>
-                        <a:rPr lang="en-US" sz="1400" kern="1200" dirty="0" smtClean="0">
-                          <a:solidFill>
-                            <a:schemeClr val="tx1"/>
-                          </a:solidFill>
-                          <a:effectLst/>
-                          <a:latin typeface="+mn-lt"/>
-                          <a:ea typeface="+mn-ea"/>
-                          <a:cs typeface="+mn-cs"/>
-                        </a:rPr>
-                      </a:br>
-                      <a:r>
-                        <a:rPr lang="en-US" sz="1400" kern="1200" dirty="0" smtClean="0">
-                          <a:solidFill>
-                            <a:schemeClr val="tx1"/>
-                          </a:solidFill>
-                          <a:effectLst/>
-                          <a:latin typeface="+mn-lt"/>
-                          <a:ea typeface="+mn-ea"/>
-                          <a:cs typeface="+mn-cs"/>
-                        </a:rPr>
-                        <a:t/>
-                      </a:r>
-                      <a:br>
-                        <a:rPr lang="en-US" sz="1400" kern="1200" dirty="0" smtClean="0">
-                          <a:solidFill>
-                            <a:schemeClr val="tx1"/>
-                          </a:solidFill>
-                          <a:effectLst/>
-                          <a:latin typeface="+mn-lt"/>
-                          <a:ea typeface="+mn-ea"/>
-                          <a:cs typeface="+mn-cs"/>
-                        </a:rPr>
-                      </a:br>
-                      <a:r>
-                        <a:rPr lang="en-US" sz="1400" kern="1200" dirty="0" smtClean="0">
-                          <a:solidFill>
-                            <a:schemeClr val="tx1"/>
-                          </a:solidFill>
-                          <a:effectLst/>
-                          <a:latin typeface="+mn-lt"/>
-                          <a:ea typeface="+mn-ea"/>
-                          <a:cs typeface="+mn-cs"/>
-                        </a:rPr>
-                        <a:t>Linear-rank</a:t>
-                      </a:r>
-                      <a:endParaRPr lang="ru-RU" sz="1400" dirty="0" smtClean="0">
+                        <a:rPr lang="ru-RU" sz="1400" dirty="0" smtClean="0">
+                          <a:effectLst/>
+                        </a:rPr>
+                        <a:t>Линейная ранговая схема</a:t>
+                      </a:r>
+                      <a:endParaRPr lang="ru-RU" sz="2000" b="0" dirty="0" smtClean="0">
                         <a:solidFill>
                           <a:schemeClr val="tx1"/>
                         </a:solidFill>
@@ -16749,7 +17402,7 @@
                         <a:defRPr/>
                       </a:pPr>
                       <a:r>
-                        <a:rPr lang="en-US" sz="1400" kern="1200" dirty="0" smtClean="0">
+                        <a:rPr lang="ru-RU" sz="1400" kern="1200" dirty="0" smtClean="0">
                           <a:solidFill>
                             <a:schemeClr val="tx1"/>
                           </a:solidFill>
@@ -16758,10 +17411,29 @@
                           <a:ea typeface="+mn-ea"/>
                           <a:cs typeface="+mn-cs"/>
                         </a:rPr>
-                        <a:t>Danzig algorithm</a:t>
-                      </a:r>
-                      <a:br>
-                        <a:rPr lang="en-US" sz="1400" kern="1200" dirty="0" smtClean="0">
+                        <a:t>Алгоритм Данцига</a:t>
+                      </a:r>
+                    </a:p>
+                    <a:p>
+                      <a:pPr marL="0" marR="0" indent="0" algn="ctr" defTabSz="457200" rtl="0" eaLnBrk="1" fontAlgn="auto" latinLnBrk="0" hangingPunct="1">
+                        <a:lnSpc>
+                          <a:spcPct val="100000"/>
+                        </a:lnSpc>
+                        <a:spcBef>
+                          <a:spcPts val="0"/>
+                        </a:spcBef>
+                        <a:spcAft>
+                          <a:spcPts val="0"/>
+                        </a:spcAft>
+                        <a:buClrTx/>
+                        <a:buSzTx/>
+                        <a:buFontTx/>
+                        <a:buNone/>
+                        <a:tabLst/>
+                        <a:defRPr/>
+                      </a:pPr>
+                      <a:r>
+                        <a:rPr lang="ru-RU" sz="1400" kern="1200" dirty="0" smtClean="0">
                           <a:solidFill>
                             <a:schemeClr val="tx1"/>
                           </a:solidFill>
@@ -16770,9 +17442,20 @@
                           <a:ea typeface="+mn-ea"/>
                           <a:cs typeface="+mn-cs"/>
                         </a:rPr>
-                      </a:br>
-                      <a:r>
-                        <a:rPr lang="en-US" sz="1400" kern="1200" dirty="0" smtClean="0">
+                        <a:t>Однородный кроссовер</a:t>
+                      </a:r>
+                    </a:p>
+                    <a:p>
+                      <a:pPr algn="ctr">
+                        <a:lnSpc>
+                          <a:spcPct val="100000"/>
+                        </a:lnSpc>
+                        <a:spcAft>
+                          <a:spcPts val="0"/>
+                        </a:spcAft>
+                      </a:pPr>
+                      <a:r>
+                        <a:rPr lang="ru-RU" sz="1400" kern="1200" dirty="0" smtClean="0">
                           <a:solidFill>
                             <a:schemeClr val="tx1"/>
                           </a:solidFill>
@@ -16781,9 +17464,9 @@
                           <a:ea typeface="+mn-ea"/>
                           <a:cs typeface="+mn-cs"/>
                         </a:rPr>
-                        <a:t/>
-                      </a:r>
-                      <a:br>
+                        <a:t>Инверсия</a:t>
+                      </a:r>
+                      <a:r>
                         <a:rPr lang="en-US" sz="1400" kern="1200" dirty="0" smtClean="0">
                           <a:solidFill>
                             <a:schemeClr val="tx1"/>
@@ -16793,8 +17476,9 @@
                           <a:ea typeface="+mn-ea"/>
                           <a:cs typeface="+mn-cs"/>
                         </a:rPr>
-                      </a:br>
-                      <a:r>
+                        <a:t/>
+                      </a:r>
+                      <a:br>
                         <a:rPr lang="en-US" sz="1400" kern="1200" dirty="0" smtClean="0">
                           <a:solidFill>
                             <a:schemeClr val="tx1"/>
@@ -16804,101 +17488,14 @@
                           <a:ea typeface="+mn-ea"/>
                           <a:cs typeface="+mn-cs"/>
                         </a:rPr>
-                        <a:t>Uniform crossover</a:t>
-                      </a:r>
-                      <a:br>
-                        <a:rPr lang="en-US" sz="1400" kern="1200" dirty="0" smtClean="0">
-                          <a:solidFill>
-                            <a:schemeClr val="tx1"/>
-                          </a:solidFill>
-                          <a:effectLst/>
-                          <a:latin typeface="+mn-lt"/>
-                          <a:ea typeface="+mn-ea"/>
-                          <a:cs typeface="+mn-cs"/>
-                        </a:rPr>
                       </a:br>
                       <a:r>
-                        <a:rPr lang="en-US" sz="1400" kern="1200" dirty="0" smtClean="0">
-                          <a:solidFill>
-                            <a:schemeClr val="tx1"/>
-                          </a:solidFill>
-                          <a:effectLst/>
-                          <a:latin typeface="+mn-lt"/>
-                          <a:ea typeface="+mn-ea"/>
-                          <a:cs typeface="+mn-cs"/>
-                        </a:rPr>
-                        <a:t/>
-                      </a:r>
-                      <a:br>
-                        <a:rPr lang="en-US" sz="1400" kern="1200" dirty="0" smtClean="0">
-                          <a:solidFill>
-                            <a:schemeClr val="tx1"/>
-                          </a:solidFill>
-                          <a:effectLst/>
-                          <a:latin typeface="+mn-lt"/>
-                          <a:ea typeface="+mn-ea"/>
-                          <a:cs typeface="+mn-cs"/>
-                        </a:rPr>
-                      </a:br>
-                      <a:r>
-                        <a:rPr lang="en-US" sz="1400" kern="1200" dirty="0" smtClean="0">
-                          <a:solidFill>
-                            <a:schemeClr val="tx1"/>
-                          </a:solidFill>
-                          <a:effectLst/>
-                          <a:latin typeface="+mn-lt"/>
-                          <a:ea typeface="+mn-ea"/>
-                          <a:cs typeface="+mn-cs"/>
-                        </a:rPr>
-                        <a:t>Inversion</a:t>
-                      </a:r>
-                      <a:br>
-                        <a:rPr lang="en-US" sz="1400" kern="1200" dirty="0" smtClean="0">
-                          <a:solidFill>
-                            <a:schemeClr val="tx1"/>
-                          </a:solidFill>
-                          <a:effectLst/>
-                          <a:latin typeface="+mn-lt"/>
-                          <a:ea typeface="+mn-ea"/>
-                          <a:cs typeface="+mn-cs"/>
-                        </a:rPr>
-                      </a:br>
-                      <a:r>
-                        <a:rPr lang="en-US" sz="1400" kern="1200" dirty="0" smtClean="0">
-                          <a:solidFill>
-                            <a:schemeClr val="tx1"/>
-                          </a:solidFill>
-                          <a:effectLst/>
-                          <a:latin typeface="+mn-lt"/>
-                          <a:ea typeface="+mn-ea"/>
-                          <a:cs typeface="+mn-cs"/>
-                        </a:rPr>
-                        <a:t/>
-                      </a:r>
-                      <a:br>
-                        <a:rPr lang="en-US" sz="1400" kern="1200" dirty="0" smtClean="0">
-                          <a:solidFill>
-                            <a:schemeClr val="tx1"/>
-                          </a:solidFill>
-                          <a:effectLst/>
-                          <a:latin typeface="+mn-lt"/>
-                          <a:ea typeface="+mn-ea"/>
-                          <a:cs typeface="+mn-cs"/>
-                        </a:rPr>
-                      </a:br>
-                      <a:r>
-                        <a:rPr lang="en-US" sz="1400" kern="1200" dirty="0" smtClean="0">
-                          <a:solidFill>
-                            <a:schemeClr val="tx1"/>
-                          </a:solidFill>
-                          <a:effectLst/>
-                          <a:latin typeface="+mn-lt"/>
-                          <a:ea typeface="+mn-ea"/>
-                          <a:cs typeface="+mn-cs"/>
-                        </a:rPr>
-                        <a:t>Linear-rank</a:t>
-                      </a:r>
-                      <a:endParaRPr lang="ru-RU" sz="1400" dirty="0" smtClean="0">
+                        <a:rPr lang="ru-RU" sz="1400" dirty="0" smtClean="0">
+                          <a:effectLst/>
+                        </a:rPr>
+                        <a:t>Линейная ранговая схема</a:t>
+                      </a:r>
+                      <a:endParaRPr lang="ru-RU" sz="2000" b="0" dirty="0" smtClean="0">
                         <a:solidFill>
                           <a:schemeClr val="tx1"/>
                         </a:solidFill>
@@ -16907,10 +17504,6 @@
                         <a:ea typeface="Calibri" panose="020F0502020204030204" pitchFamily="34" charset="0"/>
                         <a:cs typeface="Times New Roman" panose="02020603050405020304" pitchFamily="18" charset="0"/>
                       </a:endParaRPr>
-                    </a:p>
-                    <a:p>
-                      <a:pPr algn="ctr"/>
-                      <a:endParaRPr lang="ru-RU" sz="1400" dirty="0"/>
                     </a:p>
                   </a:txBody>
                   <a:tcPr anchor="ctr"/>
@@ -16938,7 +17531,7 @@
                         <a:defRPr/>
                       </a:pPr>
                       <a:r>
-                        <a:rPr lang="en-US" sz="1400" kern="1200" dirty="0" smtClean="0">
+                        <a:rPr lang="ru-RU" sz="1400" kern="1200" dirty="0" smtClean="0">
                           <a:solidFill>
                             <a:schemeClr val="tx1"/>
                           </a:solidFill>
@@ -16947,10 +17540,20 @@
                           <a:ea typeface="+mn-ea"/>
                           <a:cs typeface="+mn-cs"/>
                         </a:rPr>
-                        <a:t>Random algorithm</a:t>
-                      </a:r>
-                      <a:br>
-                        <a:rPr lang="en-US" sz="1400" kern="1200" dirty="0" smtClean="0">
+                        <a:t>Случайный алгоритм</a:t>
+                      </a:r>
+                    </a:p>
+                    <a:p>
+                      <a:pPr algn="ctr">
+                        <a:lnSpc>
+                          <a:spcPct val="100000"/>
+                        </a:lnSpc>
+                        <a:spcAft>
+                          <a:spcPts val="0"/>
+                        </a:spcAft>
+                      </a:pPr>
+                      <a:r>
+                        <a:rPr lang="ru-RU" sz="1400" kern="1200" dirty="0" smtClean="0">
                           <a:solidFill>
                             <a:schemeClr val="tx1"/>
                           </a:solidFill>
@@ -16959,7 +17562,8 @@
                           <a:ea typeface="+mn-ea"/>
                           <a:cs typeface="+mn-cs"/>
                         </a:rPr>
-                      </a:br>
+                        <a:t>Однородный кроссовер</a:t>
+                      </a:r>
                       <a:r>
                         <a:rPr lang="en-US" sz="1400" kern="1200" dirty="0" smtClean="0">
                           <a:solidFill>
@@ -16984,7 +17588,7 @@
                         </a:rPr>
                       </a:br>
                       <a:r>
-                        <a:rPr lang="en-US" sz="1400" kern="1200" dirty="0" smtClean="0">
+                        <a:rPr lang="ru-RU" sz="1400" kern="1200" dirty="0" smtClean="0">
                           <a:solidFill>
                             <a:schemeClr val="tx1"/>
                           </a:solidFill>
@@ -16993,9 +17597,9 @@
                           <a:ea typeface="+mn-ea"/>
                           <a:cs typeface="+mn-cs"/>
                         </a:rPr>
-                        <a:t>Uniform crossover</a:t>
-                      </a:r>
-                      <a:br>
+                        <a:t>Сальтация</a:t>
+                      </a:r>
+                      <a:r>
                         <a:rPr lang="en-US" sz="1400" kern="1200" dirty="0" smtClean="0">
                           <a:solidFill>
                             <a:schemeClr val="tx1"/>
@@ -17005,8 +17609,9 @@
                           <a:ea typeface="+mn-ea"/>
                           <a:cs typeface="+mn-cs"/>
                         </a:rPr>
-                      </a:br>
-                      <a:r>
+                        <a:t/>
+                      </a:r>
+                      <a:br>
                         <a:rPr lang="en-US" sz="1400" kern="1200" dirty="0" smtClean="0">
                           <a:solidFill>
                             <a:schemeClr val="tx1"/>
@@ -17016,78 +17621,14 @@
                           <a:ea typeface="+mn-ea"/>
                           <a:cs typeface="+mn-cs"/>
                         </a:rPr>
-                        <a:t/>
-                      </a:r>
-                      <a:br>
-                        <a:rPr lang="en-US" sz="1400" kern="1200" dirty="0" smtClean="0">
-                          <a:solidFill>
-                            <a:schemeClr val="tx1"/>
-                          </a:solidFill>
-                          <a:effectLst/>
-                          <a:latin typeface="+mn-lt"/>
-                          <a:ea typeface="+mn-ea"/>
-                          <a:cs typeface="+mn-cs"/>
-                        </a:rPr>
                       </a:br>
                       <a:r>
-                        <a:rPr lang="en-US" sz="1400" kern="1200" dirty="0" smtClean="0">
-                          <a:solidFill>
-                            <a:schemeClr val="tx1"/>
-                          </a:solidFill>
-                          <a:effectLst/>
-                          <a:latin typeface="+mn-lt"/>
-                          <a:ea typeface="+mn-ea"/>
-                          <a:cs typeface="+mn-cs"/>
-                        </a:rPr>
-                        <a:t>Saltation</a:t>
-                      </a:r>
-                      <a:br>
-                        <a:rPr lang="en-US" sz="1400" kern="1200" dirty="0" smtClean="0">
-                          <a:solidFill>
-                            <a:schemeClr val="tx1"/>
-                          </a:solidFill>
-                          <a:effectLst/>
-                          <a:latin typeface="+mn-lt"/>
-                          <a:ea typeface="+mn-ea"/>
-                          <a:cs typeface="+mn-cs"/>
-                        </a:rPr>
-                      </a:br>
-                      <a:r>
-                        <a:rPr lang="en-US" sz="1400" kern="1200" dirty="0" smtClean="0">
-                          <a:solidFill>
-                            <a:schemeClr val="tx1"/>
-                          </a:solidFill>
-                          <a:effectLst/>
-                          <a:latin typeface="+mn-lt"/>
-                          <a:ea typeface="+mn-ea"/>
-                          <a:cs typeface="+mn-cs"/>
-                        </a:rPr>
-                        <a:t/>
-                      </a:r>
-                      <a:br>
-                        <a:rPr lang="en-US" sz="1400" kern="1200" dirty="0" smtClean="0">
-                          <a:solidFill>
-                            <a:schemeClr val="tx1"/>
-                          </a:solidFill>
-                          <a:effectLst/>
-                          <a:latin typeface="+mn-lt"/>
-                          <a:ea typeface="+mn-ea"/>
-                          <a:cs typeface="+mn-cs"/>
-                        </a:rPr>
-                      </a:br>
-                      <a:r>
-                        <a:rPr lang="en-US" sz="1400" kern="1200" dirty="0" smtClean="0">
-                          <a:solidFill>
-                            <a:schemeClr val="tx1"/>
-                          </a:solidFill>
-                          <a:effectLst/>
-                          <a:latin typeface="+mn-lt"/>
-                          <a:ea typeface="+mn-ea"/>
-                          <a:cs typeface="+mn-cs"/>
-                        </a:rPr>
-                        <a:t>Linear-rank</a:t>
-                      </a:r>
-                      <a:endParaRPr lang="ru-RU" sz="1400" dirty="0" smtClean="0">
+                        <a:rPr lang="ru-RU" sz="1400" dirty="0" smtClean="0">
+                          <a:effectLst/>
+                        </a:rPr>
+                        <a:t>Линейная ранговая схема</a:t>
+                      </a:r>
+                      <a:endParaRPr lang="ru-RU" sz="2000" b="0" dirty="0" smtClean="0">
                         <a:solidFill>
                           <a:schemeClr val="tx1"/>
                         </a:solidFill>
@@ -17096,10 +17637,6 @@
                         <a:ea typeface="Calibri" panose="020F0502020204030204" pitchFamily="34" charset="0"/>
                         <a:cs typeface="Times New Roman" panose="02020603050405020304" pitchFamily="18" charset="0"/>
                       </a:endParaRPr>
-                    </a:p>
-                    <a:p>
-                      <a:pPr algn="ctr"/>
-                      <a:endParaRPr lang="ru-RU" sz="1400" dirty="0"/>
                     </a:p>
                   </a:txBody>
                   <a:tcPr anchor="ctr"/>
@@ -17113,8 +17650,12 @@
                     <a:p>
                       <a:pPr algn="ctr"/>
                       <a:r>
-                        <a:rPr lang="en-US" sz="1400" dirty="0" smtClean="0"/>
-                        <a:t>the number of classes, which contain a combination</a:t>
+                        <a:rPr lang="ru-RU" sz="1400" dirty="0" smtClean="0"/>
+                        <a:t>Колличество</a:t>
+                      </a:r>
+                      <a:r>
+                        <a:rPr lang="ru-RU" sz="1400" baseline="0" dirty="0" smtClean="0"/>
+                        <a:t> классов, содержащих комбинацию</a:t>
                       </a:r>
                       <a:endParaRPr lang="ru-RU" sz="1400" dirty="0"/>
                     </a:p>
@@ -17469,7 +18010,7 @@
           <a:p>
             <a:pPr lvl="0" algn="just"/>
             <a:r>
-              <a:rPr lang="ru-RU" smtClean="0"/>
+              <a:rPr lang="ru-RU" dirty="0" smtClean="0"/>
               <a:t>количество итераций.</a:t>
             </a:r>
             <a:endParaRPr lang="ru-RU" dirty="0"/>
@@ -17944,7 +18485,7 @@
             <a:pPr algn="ctr"/>
             <a:r>
               <a:rPr lang="ru-RU" dirty="0" smtClean="0"/>
-              <a:t>Введение</a:t>
+              <a:t>Введение: обьект исследования, актуальность</a:t>
             </a:r>
             <a:endParaRPr lang="ru-RU" dirty="0"/>
           </a:p>
@@ -17962,8 +18503,8 @@
         </p:nvSpPr>
         <p:spPr>
           <a:xfrm>
-            <a:off x="1883229" y="1752600"/>
-            <a:ext cx="9621383" cy="4746171"/>
+            <a:off x="1883229" y="2185988"/>
+            <a:ext cx="9621383" cy="4312783"/>
           </a:xfrm>
         </p:spPr>
         <p:txBody>
@@ -17975,7 +18516,7 @@
             <a:pPr algn="just"/>
             <a:r>
               <a:rPr lang="ru-RU" sz="2000" dirty="0" smtClean="0"/>
-              <a:t>Классическая задача о ранце относится к числу широко известных задач дискретной оптимизации. Впервые она была сформулирована Д. Данцигом и с тех пор находится в активном исследовании. Основные сферы применения находятся в областях планирования и управления экономическими, производственными и транспортными системами.</a:t>
+              <a:t>Классическая задача о ранце относится к числу широко известных задач дискретной оптимизации. Основные сферы применения находятся в областях планирования и управления экономическими, производственными и транспортными системами.</a:t>
             </a:r>
           </a:p>
           <a:p>
@@ -18303,8 +18844,8 @@
         </p:nvSpPr>
         <p:spPr>
           <a:xfrm>
-            <a:off x="1774371" y="2449286"/>
-            <a:ext cx="9730241" cy="4180114"/>
+            <a:off x="1704033" y="2292978"/>
+            <a:ext cx="9730241" cy="2919883"/>
           </a:xfrm>
         </p:spPr>
         <p:txBody>
@@ -18313,35 +18854,18 @@
           </a:bodyPr>
           <a:lstStyle/>
           <a:p>
-            <a:pPr algn="just"/>
-            <a:r>
-              <a:rPr lang="ru-RU" sz="2400" dirty="0" smtClean="0"/>
-              <a:t>Реализация </a:t>
-            </a:r>
+            <a:pPr lvl="1"/>
             <a:r>
               <a:rPr lang="ru-RU" sz="2400" dirty="0"/>
-              <a:t>генетического алгоритма для классической задачи о </a:t>
-            </a:r>
-            <a:r>
-              <a:rPr lang="ru-RU" sz="2400" dirty="0" smtClean="0"/>
-              <a:t>ранце.</a:t>
-            </a:r>
-          </a:p>
-          <a:p>
-            <a:pPr algn="just"/>
-            <a:r>
-              <a:rPr lang="ru-RU" sz="2400" dirty="0" smtClean="0"/>
-              <a:t>Исследование ГА для </a:t>
-            </a:r>
+              <a:t>Реализация генетического алгоритма для классической задачи о ранце.</a:t>
+            </a:r>
+          </a:p>
+          <a:p>
+            <a:pPr lvl="1"/>
             <a:r>
               <a:rPr lang="ru-RU" sz="2400" dirty="0"/>
-              <a:t>нахождения оптимальных комбинаций </a:t>
-            </a:r>
-            <a:r>
-              <a:rPr lang="ru-RU" sz="2400" dirty="0" smtClean="0"/>
-              <a:t>операторов. </a:t>
-            </a:r>
-            <a:endParaRPr lang="ru-RU" sz="2400" dirty="0" smtClean="0"/>
+              <a:t>Подбор параметров ГА для наиболее эффективного поиска решения задачи формирования инвестиционного портфеля. </a:t>
+            </a:r>
           </a:p>
           <a:p>
             <a:pPr marL="0" indent="0" algn="just">
@@ -18599,8 +19123,8 @@
         </p:nvSpPr>
         <p:spPr>
           <a:xfrm>
-            <a:off x="2002971" y="2404873"/>
-            <a:ext cx="9501641" cy="4235414"/>
+            <a:off x="1311579" y="2100263"/>
+            <a:ext cx="10193033" cy="4540024"/>
           </a:xfrm>
         </p:spPr>
         <p:txBody>
@@ -18618,7 +19142,7 @@
             </a:r>
             <a:r>
               <a:rPr lang="ru-RU" sz="2000" dirty="0" smtClean="0"/>
-              <a:t>работе рассмотрена экономическая задача о ранце - </a:t>
+              <a:t>работе для исследования ГА рассмотрена экономическая задача о ранце - </a:t>
             </a:r>
             <a:r>
               <a:rPr lang="ru-RU" sz="2000" b="1" dirty="0" smtClean="0"/>
@@ -18643,13 +19167,8 @@
             </a:pPr>
             <a:r>
               <a:rPr lang="ru-RU" sz="2000" dirty="0" smtClean="0"/>
-              <a:t>Оптимизация инвестиционного портфеля с помощью генетических алгоритмов повышает качество инвестирования финансовых средств в виде надеждого сбережения капитала или получения максимального дохода при допустимом риске</a:t>
-            </a:r>
-            <a:r>
-              <a:rPr lang="ru-RU" sz="2000" dirty="0" smtClean="0"/>
-              <a:t>.</a:t>
-            </a:r>
-            <a:endParaRPr lang="ru-RU" sz="2000" dirty="0" smtClean="0"/>
+              <a:t>Оптимизация инвестиционного портфеля с помощью генетических алгоритмов повышает качество инвестирования финансовых средств в виде надеждого сбережения капитала или получения максимального дохода при допустимом риске.</a:t>
+            </a:r>
           </a:p>
         </p:txBody>
       </p:sp>
@@ -18913,8 +19432,8 @@
           </a:p>
         </p:txBody>
       </p:sp>
-      <mc:AlternateContent xmlns:mc="http://schemas.openxmlformats.org/markup-compatibility/2006">
-        <mc:Choice xmlns:a14="http://schemas.microsoft.com/office/drawing/2010/main" Requires="a14">
+      <mc:AlternateContent xmlns:mc="http://schemas.openxmlformats.org/markup-compatibility/2006" xmlns:a14="http://schemas.microsoft.com/office/drawing/2010/main">
+        <mc:Choice Requires="a14">
           <p:sp>
             <p:nvSpPr>
               <p:cNvPr id="3" name="Content Placeholder 2"/>
@@ -18976,7 +19495,15 @@
                 </a:r>
                 <a:r>
                   <a:rPr lang="ru-RU" dirty="0"/>
-                  <a:t>предмета задан его вес   </a:t>
+                  <a:t>предмета </a:t>
+                </a:r>
+                <a:r>
+                  <a:rPr lang="ru-RU" dirty="0" smtClean="0"/>
+                  <a:t>заданы </a:t>
+                </a:r>
+                <a:r>
+                  <a:rPr lang="ru-RU" dirty="0"/>
+                  <a:t>его вес   </a:t>
                 </a:r>
                 <a14:m>
                   <m:oMath xmlns:m="http://schemas.openxmlformats.org/officeDocument/2006/math">
@@ -19017,7 +19544,7 @@
                 </a:r>
                 <a:r>
                   <a:rPr lang="ru-RU" dirty="0"/>
-                  <a:t>  и стоимость (ценность)  </a:t>
+                  <a:t>  и стоимость </a:t>
                 </a:r>
                 <a14:m>
                   <m:oMath xmlns:m="http://schemas.openxmlformats.org/officeDocument/2006/math">
@@ -19869,7 +20396,7 @@
             </p:txBody>
           </p:sp>
         </mc:Choice>
-        <mc:Fallback>
+        <mc:Fallback xmlns="">
           <p:sp>
             <p:nvSpPr>
               <p:cNvPr id="3" name="Content Placeholder 2"/>
@@ -20833,8 +21360,8 @@
           </a:p>
         </p:txBody>
       </p:sp>
-      <mc:AlternateContent xmlns:mc="http://schemas.openxmlformats.org/markup-compatibility/2006">
-        <mc:Choice xmlns:a14="http://schemas.microsoft.com/office/drawing/2010/main" Requires="a14">
+      <mc:AlternateContent xmlns:mc="http://schemas.openxmlformats.org/markup-compatibility/2006" xmlns:a14="http://schemas.microsoft.com/office/drawing/2010/main">
+        <mc:Choice Requires="a14">
           <p:sp>
             <p:nvSpPr>
               <p:cNvPr id="3" name="Content Placeholder 2"/>
@@ -21116,16 +21643,7 @@
                         </a:solidFill>
                         <a:latin typeface="Cambria Math" panose="02040503050406030204" pitchFamily="18" charset="0"/>
                       </a:rPr>
-                      <m:t> −того</m:t>
-                    </m:r>
-                    <m:r>
-                      <a:rPr lang="ru-RU" sz="1600" b="0" i="1" smtClean="0">
-                        <a:solidFill>
-                          <a:schemeClr val="tx1"/>
-                        </a:solidFill>
-                        <a:latin typeface="Cambria Math" panose="02040503050406030204" pitchFamily="18" charset="0"/>
-                      </a:rPr>
-                      <m:t> предмета, </m:t>
+                      <m:t> −того предмета, </m:t>
                     </m:r>
                     <m:sSub>
                       <m:sSubPr>
@@ -21204,16 +21722,7 @@
                         </a:solidFill>
                         <a:latin typeface="Cambria Math" panose="02040503050406030204" pitchFamily="18" charset="0"/>
                       </a:rPr>
-                      <m:t> −того пре</m:t>
-                    </m:r>
-                    <m:r>
-                      <a:rPr lang="ru-RU" sz="1600" i="1">
-                        <a:solidFill>
-                          <a:schemeClr val="tx1"/>
-                        </a:solidFill>
-                        <a:latin typeface="Cambria Math" panose="02040503050406030204" pitchFamily="18" charset="0"/>
-                      </a:rPr>
-                      <m:t>дмета</m:t>
+                      <m:t> −того предмета</m:t>
                     </m:r>
                   </m:oMath>
                 </a14:m>
@@ -21229,7 +21738,7 @@
             </p:txBody>
           </p:sp>
         </mc:Choice>
-        <mc:Fallback>
+        <mc:Fallback xmlns="">
           <p:sp>
             <p:nvSpPr>
               <p:cNvPr id="3" name="Content Placeholder 2"/>
@@ -21629,8 +22138,8 @@
           </a:p>
         </p:txBody>
       </p:sp>
-      <mc:AlternateContent xmlns:mc="http://schemas.openxmlformats.org/markup-compatibility/2006">
-        <mc:Choice xmlns:a14="http://schemas.microsoft.com/office/drawing/2010/main" Requires="a14">
+      <mc:AlternateContent xmlns:mc="http://schemas.openxmlformats.org/markup-compatibility/2006" xmlns:a14="http://schemas.microsoft.com/office/drawing/2010/main">
+        <mc:Choice Requires="a14">
           <p:sp>
             <p:nvSpPr>
               <p:cNvPr id="3" name="Content Placeholder 2"/>
@@ -21746,14 +22255,30 @@
                 <a:pPr lvl="0"/>
                 <a:r>
                   <a:rPr lang="ru-RU" dirty="0"/>
-                  <a:t>Количество экспериментов для конкретной задачи из класса задач. Один эксперимент - запуск программы с различными комбинациями операторов генетического алгоритма (всего 48 комбинаций = 48 запусков ГА для одного эксперимента).</a:t>
+                  <a:t>Количество экспериментов для конкретной задачи из класса </a:t>
+                </a:r>
+                <a:r>
+                  <a:rPr lang="ru-RU" dirty="0" smtClean="0"/>
+                  <a:t>тестовых задач</a:t>
+                </a:r>
+                <a:r>
+                  <a:rPr lang="ru-RU" dirty="0"/>
+                  <a:t>. Один эксперимент - запуск программы с различными комбинациями операторов генетического алгоритма (всего 48 комбинаций = 48 запусков ГА для одного эксперимента).</a:t>
                 </a:r>
               </a:p>
               <a:p>
                 <a:pPr lvl="0"/>
                 <a:r>
                   <a:rPr lang="ru-RU" dirty="0"/>
-                  <a:t>Количество запускаемых задач для каждого  тестового класса.</a:t>
+                  <a:t>Количество запускаемых задач для каждого  </a:t>
+                </a:r>
+                <a:r>
+                  <a:rPr lang="ru-RU" dirty="0" smtClean="0"/>
+                  <a:t>класса</a:t>
+                </a:r>
+                <a:r>
+                  <a:rPr lang="ru-RU" dirty="0"/>
+                  <a:t>.</a:t>
                 </a:r>
               </a:p>
               <a:p>
@@ -21766,7 +22291,7 @@
             </p:txBody>
           </p:sp>
         </mc:Choice>
-        <mc:Fallback>
+        <mc:Fallback xmlns="">
           <p:sp>
             <p:nvSpPr>
               <p:cNvPr id="3" name="Content Placeholder 2"/>

--- a/diploma.pptx
+++ b/diploma.pptx
@@ -213,7 +213,7 @@
           <a:p>
             <a:fld id="{4C53F058-B9DA-45CA-8B18-E02BE9515AEB}" type="datetimeFigureOut">
               <a:rPr lang="ru-RU" smtClean="0"/>
-              <a:t>08.06.2016</a:t>
+              <a:t>09.06.2016</a:t>
             </a:fld>
             <a:endParaRPr lang="ru-RU"/>
           </a:p>
@@ -1173,7 +1173,7 @@
           <a:p>
             <a:fld id="{EED16A50-AFDD-4F5C-9042-7BAF3AFB72FB}" type="datetime1">
               <a:rPr lang="en-US" smtClean="0"/>
-              <a:t>6/8/2016</a:t>
+              <a:t>6/9/2016</a:t>
             </a:fld>
             <a:endParaRPr lang="en-US" dirty="0"/>
           </a:p>
@@ -1516,7 +1516,7 @@
           <a:p>
             <a:fld id="{E3810449-CCFC-45F9-AEED-D6FEA15909B9}" type="datetime1">
               <a:rPr lang="en-US" smtClean="0"/>
-              <a:t>6/8/2016</a:t>
+              <a:t>6/9/2016</a:t>
             </a:fld>
             <a:endParaRPr lang="en-US" dirty="0"/>
           </a:p>
@@ -1922,7 +1922,7 @@
           <a:p>
             <a:fld id="{483298CD-2CF6-4C83-B8A9-CB3A6EAE7137}" type="datetime1">
               <a:rPr lang="en-US" smtClean="0"/>
-              <a:t>6/8/2016</a:t>
+              <a:t>6/9/2016</a:t>
             </a:fld>
             <a:endParaRPr lang="en-US" dirty="0"/>
           </a:p>
@@ -2263,7 +2263,7 @@
           <a:p>
             <a:fld id="{4A411E1A-C291-4E66-965F-69BD32475423}" type="datetime1">
               <a:rPr lang="en-US" smtClean="0"/>
-              <a:t>6/8/2016</a:t>
+              <a:t>6/9/2016</a:t>
             </a:fld>
             <a:endParaRPr lang="en-US" dirty="0"/>
           </a:p>
@@ -2588,7 +2588,7 @@
           <a:p>
             <a:fld id="{86480B9E-945E-4C74-8A0F-7F45112141A7}" type="datetime1">
               <a:rPr lang="en-US" smtClean="0"/>
-              <a:t>6/8/2016</a:t>
+              <a:t>6/9/2016</a:t>
             </a:fld>
             <a:endParaRPr lang="en-US" dirty="0"/>
           </a:p>
@@ -2989,7 +2989,7 @@
           <a:p>
             <a:fld id="{FD035328-AF28-4023-8816-D56B2388F5F6}" type="datetime1">
               <a:rPr lang="en-US" smtClean="0"/>
-              <a:t>6/8/2016</a:t>
+              <a:t>6/9/2016</a:t>
             </a:fld>
             <a:endParaRPr lang="en-US" dirty="0"/>
           </a:p>
@@ -3251,7 +3251,7 @@
           <a:p>
             <a:fld id="{69A88C83-1A97-4104-9CF3-E7763DA3B5CF}" type="datetime1">
               <a:rPr lang="en-US" smtClean="0"/>
-              <a:t>6/8/2016</a:t>
+              <a:t>6/9/2016</a:t>
             </a:fld>
             <a:endParaRPr lang="en-US" dirty="0"/>
           </a:p>
@@ -3518,7 +3518,7 @@
           <a:p>
             <a:fld id="{9AE23C66-80B1-4CE4-81FD-84AAE00AABD1}" type="datetime1">
               <a:rPr lang="en-US" smtClean="0"/>
-              <a:t>6/8/2016</a:t>
+              <a:t>6/9/2016</a:t>
             </a:fld>
             <a:endParaRPr lang="en-US" dirty="0"/>
           </a:p>
@@ -3785,7 +3785,7 @@
           <a:p>
             <a:fld id="{4EECE391-C711-4058-B939-830592645758}" type="datetime1">
               <a:rPr lang="en-US" smtClean="0"/>
-              <a:t>6/8/2016</a:t>
+              <a:t>6/9/2016</a:t>
             </a:fld>
             <a:endParaRPr lang="en-US" dirty="0"/>
           </a:p>
@@ -4119,7 +4119,7 @@
           <a:p>
             <a:fld id="{8BAA3A46-6B73-45F2-9E5B-365E0BE7FEFB}" type="datetime1">
               <a:rPr lang="en-US" smtClean="0"/>
-              <a:t>6/8/2016</a:t>
+              <a:t>6/9/2016</a:t>
             </a:fld>
             <a:endParaRPr lang="en-US" dirty="0"/>
           </a:p>
@@ -4447,7 +4447,7 @@
           <a:p>
             <a:fld id="{3DF47EE2-E6B9-44E3-8372-088B0242306E}" type="datetime1">
               <a:rPr lang="en-US" smtClean="0"/>
-              <a:t>6/8/2016</a:t>
+              <a:t>6/9/2016</a:t>
             </a:fld>
             <a:endParaRPr lang="en-US" dirty="0"/>
           </a:p>
@@ -4909,7 +4909,7 @@
           <a:p>
             <a:fld id="{1CBD6B93-4CBD-4825-8778-2DBAD2B325C3}" type="datetime1">
               <a:rPr lang="en-US" smtClean="0"/>
-              <a:t>6/8/2016</a:t>
+              <a:t>6/9/2016</a:t>
             </a:fld>
             <a:endParaRPr lang="en-US" dirty="0"/>
           </a:p>
@@ -5119,7 +5119,7 @@
           <a:p>
             <a:fld id="{6B4916FE-B9DA-41F1-BEAE-28C9FAD59D35}" type="datetime1">
               <a:rPr lang="en-US" smtClean="0"/>
-              <a:t>6/8/2016</a:t>
+              <a:t>6/9/2016</a:t>
             </a:fld>
             <a:endParaRPr lang="en-US" dirty="0"/>
           </a:p>
@@ -5301,7 +5301,7 @@
           <a:p>
             <a:fld id="{3D38C9E0-7013-4CD5-866F-21849A157D55}" type="datetime1">
               <a:rPr lang="en-US" smtClean="0"/>
-              <a:t>6/8/2016</a:t>
+              <a:t>6/9/2016</a:t>
             </a:fld>
             <a:endParaRPr lang="en-US" dirty="0"/>
           </a:p>
@@ -5639,7 +5639,7 @@
           <a:p>
             <a:fld id="{068B7FF6-27A1-4FC5-B185-2FC2D382B105}" type="datetime1">
               <a:rPr lang="en-US" smtClean="0"/>
-              <a:t>6/8/2016</a:t>
+              <a:t>6/9/2016</a:t>
             </a:fld>
             <a:endParaRPr lang="en-US" dirty="0"/>
           </a:p>
@@ -5989,7 +5989,7 @@
           <a:p>
             <a:fld id="{D023A68E-7F26-4DA1-9E49-250B7BA50707}" type="datetime1">
               <a:rPr lang="en-US" smtClean="0"/>
-              <a:t>6/8/2016</a:t>
+              <a:t>6/9/2016</a:t>
             </a:fld>
             <a:endParaRPr lang="en-US" dirty="0"/>
           </a:p>
@@ -8111,7 +8111,7 @@
           <a:p>
             <a:fld id="{44887C26-B2C8-4F21-8989-CC40153B1602}" type="datetime1">
               <a:rPr lang="en-US" smtClean="0"/>
-              <a:t>6/8/2016</a:t>
+              <a:t>6/9/2016</a:t>
             </a:fld>
             <a:endParaRPr lang="en-US" dirty="0"/>
           </a:p>
@@ -8820,7 +8820,39 @@
                   <a:schemeClr val="tx1"/>
                 </a:solidFill>
               </a:rPr>
-              <a:t> 0847 - 1</a:t>
+              <a:t> </a:t>
+            </a:r>
+            <a:r>
+              <a:rPr lang="ru-RU" sz="5600" dirty="0" smtClean="0">
+                <a:solidFill>
+                  <a:schemeClr val="tx1"/>
+                </a:solidFill>
+              </a:rPr>
+              <a:t>3812</a:t>
+            </a:r>
+            <a:r>
+              <a:rPr lang="en-US" sz="5600" dirty="0" smtClean="0">
+                <a:solidFill>
+                  <a:schemeClr val="tx1"/>
+                </a:solidFill>
+              </a:rPr>
+              <a:t>0</a:t>
+            </a:r>
+            <a:r>
+              <a:rPr lang="ru-RU" sz="5600" dirty="0" smtClean="0">
+                <a:solidFill>
+                  <a:schemeClr val="tx1"/>
+                </a:solidFill>
+              </a:rPr>
+              <a:t>7</a:t>
+            </a:r>
+            <a:r>
+              <a:rPr lang="en-US" sz="5600" dirty="0" smtClean="0">
+                <a:solidFill>
+                  <a:schemeClr val="tx1"/>
+                </a:solidFill>
+              </a:rPr>
+              <a:t> - 1</a:t>
             </a:r>
             <a:r>
               <a:rPr lang="ru-RU" sz="5600" dirty="0" smtClean="0">
@@ -8952,39 +8984,6 @@
           <a:chExt cx="0" cy="0"/>
         </a:xfrm>
       </p:grpSpPr>
-      <p:pic>
-        <p:nvPicPr>
-          <p:cNvPr id="7" name="Picture 6" descr="C:\Users\epronina\AppData\Local\Microsoft\Windows\INetCache\Content.Word\gen.png"/>
-          <p:cNvPicPr/>
-          <p:nvPr/>
-        </p:nvPicPr>
-        <p:blipFill>
-          <a:blip r:embed="rId2">
-            <a:extLst>
-              <a:ext uri="{28A0092B-C50C-407E-A947-70E740481C1C}">
-                <a14:useLocalDpi xmlns:a14="http://schemas.microsoft.com/office/drawing/2010/main" val="0"/>
-              </a:ext>
-            </a:extLst>
-          </a:blip>
-          <a:srcRect/>
-          <a:stretch>
-            <a:fillRect/>
-          </a:stretch>
-        </p:blipFill>
-        <p:spPr bwMode="auto">
-          <a:xfrm>
-            <a:off x="9015158" y="2789308"/>
-            <a:ext cx="2489454" cy="3121914"/>
-          </a:xfrm>
-          <a:prstGeom prst="rect">
-            <a:avLst/>
-          </a:prstGeom>
-          <a:noFill/>
-          <a:ln>
-            <a:noFill/>
-          </a:ln>
-        </p:spPr>
-      </p:pic>
       <p:sp>
         <p:nvSpPr>
           <p:cNvPr id="2" name="Title 1"/>
@@ -9028,20 +9027,30 @@
             </p:nvSpPr>
             <p:spPr>
               <a:xfrm>
-                <a:off x="1915886" y="2133600"/>
-                <a:ext cx="9588726" cy="3777622"/>
+                <a:off x="1471614" y="1514955"/>
+                <a:ext cx="6015036" cy="4957763"/>
               </a:xfrm>
             </p:spPr>
             <p:txBody>
               <a:bodyPr>
-                <a:normAutofit fontScale="85000" lnSpcReduction="20000"/>
+                <a:normAutofit fontScale="92500" lnSpcReduction="20000"/>
               </a:bodyPr>
               <a:lstStyle/>
               <a:p>
-                <a:pPr algn="just"/>
+                <a:pPr marL="0" indent="0" algn="just">
+                  <a:buNone/>
+                </a:pPr>
                 <a:r>
                   <a:rPr lang="ru-RU" b="1" dirty="0"/>
-                  <a:t>Для  одного запуска генетического алгоритма взяты следующие параметры:</a:t>
+                  <a:t>Для  одного запуска генетического алгоритма </a:t>
+                </a:r>
+                <a:r>
+                  <a:rPr lang="ru-RU" b="1" dirty="0" smtClean="0"/>
+                  <a:t>взяты следующие </a:t>
+                </a:r>
+                <a:r>
+                  <a:rPr lang="ru-RU" b="1" dirty="0"/>
+                  <a:t>параметры:</a:t>
                 </a:r>
                 <a:endParaRPr lang="ru-RU" dirty="0"/>
               </a:p>
@@ -9084,10 +9093,20 @@
                 </a:r>
               </a:p>
               <a:p>
-                <a:pPr algn="just"/>
+                <a:pPr marL="0" indent="0" algn="just">
+                  <a:buNone/>
+                </a:pPr>
                 <a:r>
                   <a:rPr lang="ru-RU" b="1" dirty="0"/>
-                  <a:t>Всего проведено 600 экспериментов (28800 запусков ГА), из них:</a:t>
+                  <a:t>Всего проведено 600 </a:t>
+                </a:r>
+                <a:r>
+                  <a:rPr lang="ru-RU" b="1" dirty="0" smtClean="0"/>
+                  <a:t>экспериментов  </a:t>
+                </a:r>
+                <a:r>
+                  <a:rPr lang="ru-RU" b="1" dirty="0"/>
+                  <a:t>(28800 запусков ГА), из них:</a:t>
                 </a:r>
                 <a:endParaRPr lang="ru-RU" dirty="0"/>
               </a:p>
@@ -9219,13 +9238,13 @@
             </p:nvSpPr>
             <p:spPr>
               <a:xfrm>
-                <a:off x="1915886" y="2133600"/>
-                <a:ext cx="9588726" cy="3777622"/>
+                <a:off x="1471614" y="1514955"/>
+                <a:ext cx="6015036" cy="4957763"/>
               </a:xfrm>
               <a:blipFill rotWithShape="0">
-                <a:blip r:embed="rId3"/>
+                <a:blip r:embed="rId2"/>
                 <a:stretch>
-                  <a:fillRect l="-254" t="-1452"/>
+                  <a:fillRect l="-608" t="-1476" r="-709"/>
                 </a:stretch>
               </a:blipFill>
             </p:spPr>
@@ -9408,6 +9427,36 @@
           </a:p>
         </p:txBody>
       </p:sp>
+      <p:pic>
+        <p:nvPicPr>
+          <p:cNvPr id="8" name="Picture 7"/>
+          <p:cNvPicPr>
+            <a:picLocks noChangeAspect="1"/>
+          </p:cNvPicPr>
+          <p:nvPr/>
+        </p:nvPicPr>
+        <p:blipFill>
+          <a:blip r:embed="rId3">
+            <a:extLst>
+              <a:ext uri="{28A0092B-C50C-407E-A947-70E740481C1C}">
+                <a14:useLocalDpi xmlns:a14="http://schemas.microsoft.com/office/drawing/2010/main" val="0"/>
+              </a:ext>
+            </a:extLst>
+          </a:blip>
+          <a:stretch>
+            <a:fillRect/>
+          </a:stretch>
+        </p:blipFill>
+        <p:spPr>
+          <a:xfrm>
+            <a:off x="7548623" y="1514955"/>
+            <a:ext cx="4560298" cy="4871370"/>
+          </a:xfrm>
+          <a:prstGeom prst="rect">
+            <a:avLst/>
+          </a:prstGeom>
+        </p:spPr>
+      </p:pic>
     </p:spTree>
     <p:extLst>
       <p:ext uri="{BB962C8B-B14F-4D97-AF65-F5344CB8AC3E}">
@@ -11215,13 +11264,13 @@
         </p:nvSpPr>
         <p:spPr>
           <a:xfrm>
-            <a:off x="1262743" y="1698171"/>
-            <a:ext cx="10363199" cy="4909458"/>
+            <a:off x="842963" y="1698171"/>
+            <a:ext cx="10929937" cy="4909458"/>
           </a:xfrm>
         </p:spPr>
         <p:txBody>
           <a:bodyPr>
-            <a:normAutofit/>
+            <a:normAutofit fontScale="92500" lnSpcReduction="10000"/>
           </a:bodyPr>
           <a:lstStyle/>
           <a:p>
@@ -11238,23 +11287,46 @@
             </a:r>
             <a:r>
               <a:rPr lang="ru-RU" dirty="0"/>
-              <a:t>по 5 эффективных </a:t>
+              <a:t>по 5 </a:t>
             </a:r>
             <a:r>
               <a:rPr lang="ru-RU" dirty="0" smtClean="0"/>
-              <a:t>комбинаций </a:t>
+              <a:t>эффективных комбинаций. Критериями отбора являлись:</a:t>
+            </a:r>
+          </a:p>
+          <a:p>
+            <a:pPr algn="just"/>
+            <a:r>
+              <a:rPr lang="ru-RU" dirty="0" smtClean="0"/>
+              <a:t>Вероятность нахождения глобального оптимума</a:t>
+            </a:r>
+          </a:p>
+          <a:p>
+            <a:pPr algn="just"/>
+            <a:r>
+              <a:rPr lang="ru-RU" dirty="0" smtClean="0"/>
+              <a:t>Скорость нахождения глобального оптимума</a:t>
+            </a:r>
+          </a:p>
+          <a:p>
+            <a:pPr marL="0" lvl="0" indent="0" algn="just">
+              <a:buNone/>
+            </a:pPr>
+            <a:r>
+              <a:rPr lang="ru-RU" dirty="0" smtClean="0"/>
+              <a:t> </a:t>
             </a:r>
             <a:r>
               <a:rPr lang="ru-RU" dirty="0"/>
-              <a:t>(в порядке невозрастания вероятности до нахождения глобального оптимума, неубывания скорости нахождения глобального оптимума)</a:t>
+              <a:t>Д</a:t>
             </a:r>
             <a:r>
               <a:rPr lang="ru-RU" dirty="0" smtClean="0"/>
-              <a:t>, </a:t>
+              <a:t>ля </a:t>
             </a:r>
             <a:r>
               <a:rPr lang="ru-RU" dirty="0"/>
-              <a:t>для всех </a:t>
+              <a:t>всех </a:t>
             </a:r>
             <a:r>
               <a:rPr lang="ru-RU" dirty="0" smtClean="0"/>
@@ -11262,7 +11334,24 @@
             </a:r>
             <a:r>
               <a:rPr lang="ru-RU" dirty="0"/>
-              <a:t>задач выбраны три эффективные комбинации. Данные </a:t>
+              <a:t>задач выбраны три эффективные комбинации</a:t>
+            </a:r>
+            <a:r>
+              <a:rPr lang="ru-RU" dirty="0" smtClean="0"/>
+              <a:t>. Критерий отбора  -  количество классов, содержащих комбинацию.</a:t>
+            </a:r>
+          </a:p>
+          <a:p>
+            <a:pPr marL="0" lvl="0" indent="0" algn="just">
+              <a:buNone/>
+            </a:pPr>
+            <a:r>
+              <a:rPr lang="ru-RU" dirty="0" smtClean="0"/>
+              <a:t> </a:t>
+            </a:r>
+            <a:r>
+              <a:rPr lang="ru-RU" dirty="0"/>
+              <a:t>Данные </a:t>
             </a:r>
             <a:r>
               <a:rPr lang="ru-RU" dirty="0" smtClean="0"/>
@@ -17982,7 +18071,15 @@
             </a:pPr>
             <a:r>
               <a:rPr lang="ru-RU" dirty="0"/>
-              <a:t>Так как проблемы, решаемые генетическим алгоритмом являются актуальными и по сей день, в дальнейшем можно продолжить его исследование исходя из других свойств:</a:t>
+              <a:t>Так как проблемы, решаемые генетическим </a:t>
+            </a:r>
+            <a:r>
+              <a:rPr lang="ru-RU" dirty="0" smtClean="0"/>
+              <a:t>алгоритмом, </a:t>
+            </a:r>
+            <a:r>
+              <a:rPr lang="ru-RU" dirty="0"/>
+              <a:t>являются актуальными и по сей день, в дальнейшем можно продолжить его исследование исходя из других свойств:</a:t>
             </a:r>
           </a:p>
           <a:p>
@@ -18000,18 +18097,22 @@
             </a:r>
           </a:p>
           <a:p>
-            <a:pPr lvl="0" algn="just"/>
+            <a:pPr lvl="1" algn="just"/>
+            <a:r>
+              <a:rPr lang="ru-RU" sz="1800" dirty="0" smtClean="0"/>
+              <a:t>количество особей,</a:t>
+            </a:r>
+            <a:endParaRPr lang="ru-RU" sz="1800" dirty="0"/>
+          </a:p>
+          <a:p>
+            <a:pPr lvl="1" algn="just"/>
+            <a:r>
+              <a:rPr lang="ru-RU" sz="1800" dirty="0" smtClean="0"/>
+              <a:t>количество итераций</a:t>
+            </a:r>
             <a:r>
               <a:rPr lang="ru-RU" dirty="0" smtClean="0"/>
-              <a:t>количество особей,</a:t>
-            </a:r>
-            <a:endParaRPr lang="ru-RU" dirty="0"/>
-          </a:p>
-          <a:p>
-            <a:pPr lvl="0" algn="just"/>
-            <a:r>
-              <a:rPr lang="ru-RU" dirty="0" smtClean="0"/>
-              <a:t>количество итераций.</a:t>
+              <a:t>.</a:t>
             </a:r>
             <a:endParaRPr lang="ru-RU" dirty="0"/>
           </a:p>
@@ -18255,7 +18356,7 @@
             <a:pPr algn="ctr"/>
             <a:r>
               <a:rPr lang="ru-RU" sz="4800" dirty="0" smtClean="0"/>
-              <a:t>Спасибо за внимание.</a:t>
+              <a:t>Спасибо за внимание!</a:t>
             </a:r>
             <a:endParaRPr lang="ru-RU" sz="4800" dirty="0"/>
           </a:p>
@@ -19432,8 +19533,8 @@
           </a:p>
         </p:txBody>
       </p:sp>
-      <mc:AlternateContent xmlns:mc="http://schemas.openxmlformats.org/markup-compatibility/2006" xmlns:a14="http://schemas.microsoft.com/office/drawing/2010/main">
-        <mc:Choice Requires="a14">
+      <mc:AlternateContent xmlns:mc="http://schemas.openxmlformats.org/markup-compatibility/2006">
+        <mc:Choice xmlns:a14="http://schemas.microsoft.com/office/drawing/2010/main" Requires="a14">
           <p:sp>
             <p:nvSpPr>
               <p:cNvPr id="3" name="Content Placeholder 2"/>
@@ -19446,24 +19547,26 @@
             </p:nvSpPr>
             <p:spPr>
               <a:xfrm>
-                <a:off x="1785257" y="1796143"/>
-                <a:ext cx="9719355" cy="4942113"/>
+                <a:off x="1685925" y="1695938"/>
+                <a:ext cx="9818687" cy="5699544"/>
               </a:xfrm>
             </p:spPr>
             <p:txBody>
               <a:bodyPr>
-                <a:normAutofit/>
+                <a:noAutofit/>
               </a:bodyPr>
               <a:lstStyle/>
               <a:p>
-                <a:pPr algn="just"/>
+                <a:pPr marL="0" indent="0" algn="just">
+                  <a:buNone/>
+                </a:pPr>
                 <a:r>
                   <a:rPr lang="ru-RU" b="1" dirty="0" smtClean="0"/>
                   <a:t>Математическая: </a:t>
                 </a:r>
                 <a:r>
-                  <a:rPr lang="ru-RU" dirty="0" smtClean="0"/>
-                  <a:t>Пусть имеется </a:t>
+                  <a:rPr lang="ru-RU" dirty="0"/>
+                  <a:t> Пусть дано </a:t>
                 </a:r>
                 <a:r>
                   <a:rPr lang="en-US" dirty="0"/>
@@ -19474,36 +19577,53 @@
                   <a:t> предметов. Для каждого </a:t>
                 </a:r>
                 <a:r>
-                  <a:rPr lang="en-US" dirty="0"/>
+                  <a:rPr lang="en-US" dirty="0" err="1"/>
                   <a:t>i</a:t>
                 </a:r>
                 <a:r>
-                  <a:rPr lang="en-US" dirty="0" smtClean="0"/>
+                  <a:rPr lang="ru-RU" dirty="0"/>
+                  <a:t>-го предмета задан  вес   </a:t>
+                </a:r>
+                <a14:m>
+                  <m:oMath xmlns:m="http://schemas.openxmlformats.org/officeDocument/2006/math">
+                    <m:sSub>
+                      <m:sSubPr>
+                        <m:ctrlPr>
+                          <a:rPr lang="ru-RU" i="1">
+                            <a:latin typeface="Cambria Math" panose="02040503050406030204" pitchFamily="18" charset="0"/>
+                          </a:rPr>
+                        </m:ctrlPr>
+                      </m:sSubPr>
+                      <m:e>
+                        <m:r>
+                          <a:rPr lang="en-US" i="1">
+                            <a:latin typeface="Cambria Math" panose="02040503050406030204" pitchFamily="18" charset="0"/>
+                          </a:rPr>
+                          <m:t>𝑤</m:t>
+                        </m:r>
+                      </m:e>
+                      <m:sub>
+                        <m:r>
+                          <a:rPr lang="en-US" i="1">
+                            <a:latin typeface="Cambria Math" panose="02040503050406030204" pitchFamily="18" charset="0"/>
+                          </a:rPr>
+                          <m:t>𝑖</m:t>
+                        </m:r>
+                      </m:sub>
+                    </m:sSub>
+                  </m:oMath>
+                </a14:m>
+                <a:r>
+                  <a:rPr lang="en-US" i="1" baseline="-25000" dirty="0"/>
                   <a:t> </a:t>
                 </a:r>
                 <a:r>
-                  <a:rPr lang="ru-RU" dirty="0" smtClean="0"/>
-                  <a:t>-</a:t>
-                </a:r>
-                <a:r>
-                  <a:rPr lang="en-US" dirty="0" smtClean="0"/>
-                  <a:t> </a:t>
-                </a:r>
-                <a:r>
-                  <a:rPr lang="ru-RU" dirty="0" smtClean="0"/>
-                  <a:t>го </a:t>
+                  <a:rPr lang="ru-RU" i="1" dirty="0"/>
+                  <a:t>&gt; 0</a:t>
                 </a:r>
                 <a:r>
                   <a:rPr lang="ru-RU" dirty="0"/>
-                  <a:t>предмета </a:t>
-                </a:r>
-                <a:r>
-                  <a:rPr lang="ru-RU" dirty="0" smtClean="0"/>
-                  <a:t>заданы </a:t>
-                </a:r>
-                <a:r>
-                  <a:rPr lang="ru-RU" dirty="0"/>
-                  <a:t>его вес   </a:t>
+                  <a:t>  и ценность  </a:t>
                 </a:r>
                 <a14:m>
                   <m:oMath xmlns:m="http://schemas.openxmlformats.org/officeDocument/2006/math">
@@ -19535,61 +19655,16 @@
                   </m:oMath>
                 </a14:m>
                 <a:r>
-                  <a:rPr lang="en-US" i="1" baseline="-25000" dirty="0"/>
-                  <a:t> </a:t>
-                </a:r>
-                <a:r>
-                  <a:rPr lang="ru-RU" i="1" dirty="0"/>
-                  <a:t>&gt; 0</a:t>
-                </a:r>
-                <a:r>
-                  <a:rPr lang="ru-RU" dirty="0"/>
-                  <a:t>  и стоимость </a:t>
-                </a:r>
-                <a14:m>
-                  <m:oMath xmlns:m="http://schemas.openxmlformats.org/officeDocument/2006/math">
-                    <m:sSub>
-                      <m:sSubPr>
-                        <m:ctrlPr>
-                          <a:rPr lang="ru-RU" i="1">
-                            <a:latin typeface="Cambria Math" panose="02040503050406030204" pitchFamily="18" charset="0"/>
-                          </a:rPr>
-                        </m:ctrlPr>
-                      </m:sSubPr>
-                      <m:e>
-                        <m:r>
-                          <a:rPr lang="en-US" i="1">
-                            <a:latin typeface="Cambria Math" panose="02040503050406030204" pitchFamily="18" charset="0"/>
-                          </a:rPr>
-                          <m:t>𝑐</m:t>
-                        </m:r>
-                      </m:e>
-                      <m:sub>
-                        <m:r>
-                          <a:rPr lang="en-US" i="1">
-                            <a:latin typeface="Cambria Math" panose="02040503050406030204" pitchFamily="18" charset="0"/>
-                          </a:rPr>
-                          <m:t>𝑖</m:t>
-                        </m:r>
-                      </m:sub>
-                    </m:sSub>
-                  </m:oMath>
-                </a14:m>
-                <a:r>
                   <a:rPr lang="ru-RU" i="1" dirty="0"/>
                   <a:t> &gt; 0, </a:t>
                 </a:r>
                 <a:r>
-                  <a:rPr lang="en-US" i="1" dirty="0" err="1"/>
+                  <a:rPr lang="en-US" i="1" dirty="0" err="1" smtClean="0"/>
                   <a:t>i</a:t>
                 </a:r>
                 <a:r>
-                  <a:rPr lang="ru-RU" i="1" dirty="0"/>
-                  <a:t> </a:t>
-                </a:r>
-                <a:r>
                   <a:rPr lang="ru-RU" i="1" dirty="0" smtClean="0"/>
-                  <a:t>= 1</a:t>
+                  <a:t>=1</a:t>
                 </a:r>
                 <a:r>
                   <a:rPr lang="ru-RU" i="1" dirty="0"/>
@@ -19609,12 +19684,18 @@
                 </a:r>
                 <a:r>
                   <a:rPr lang="ru-RU" dirty="0"/>
-                  <a:t>Задано ограничение на максимальный вес рюкзака ‒ </a:t>
+                  <a:t>Задано ограничение на максимальный вес рюкзака  ‒ </a:t>
                 </a:r>
-                <a:r>
-                  <a:rPr lang="en-US" i="1" dirty="0"/>
-                  <a:t>P</a:t>
-                </a:r>
+                <a14:m>
+                  <m:oMath xmlns:m="http://schemas.openxmlformats.org/officeDocument/2006/math">
+                    <m:r>
+                      <a:rPr lang="en-US" i="1">
+                        <a:latin typeface="Cambria Math" panose="02040503050406030204" pitchFamily="18" charset="0"/>
+                      </a:rPr>
+                      <m:t>𝑊</m:t>
+                    </m:r>
+                  </m:oMath>
+                </a14:m>
                 <a:r>
                   <a:rPr lang="ru-RU" dirty="0"/>
                   <a:t>. Каждый </a:t>
@@ -19660,50 +19741,15 @@
                 </a:r>
                 <a:r>
                   <a:rPr lang="ru-RU" dirty="0"/>
-                  <a:t> может принимать только одно из двух значений</a:t>
+                  <a:t> может принимать только одно из двух значений: </a:t>
                 </a:r>
                 <a:r>
-                  <a:rPr lang="ru-RU" dirty="0" smtClean="0"/>
-                  <a:t>:  </a:t>
+                  <a:rPr lang="en-US" i="1" dirty="0"/>
+                  <a:t>x</a:t>
                 </a:r>
-                <a14:m>
-                  <m:oMath xmlns:m="http://schemas.openxmlformats.org/officeDocument/2006/math">
-                    <m:sSub>
-                      <m:sSubPr>
-                        <m:ctrlPr>
-                          <a:rPr lang="ru-RU" i="1">
-                            <a:latin typeface="Cambria Math" panose="02040503050406030204" pitchFamily="18" charset="0"/>
-                          </a:rPr>
-                        </m:ctrlPr>
-                      </m:sSubPr>
-                      <m:e>
-                        <m:r>
-                          <a:rPr lang="en-US" i="1">
-                            <a:latin typeface="Cambria Math" panose="02040503050406030204" pitchFamily="18" charset="0"/>
-                          </a:rPr>
-                          <m:t> </m:t>
-                        </m:r>
-                        <m:r>
-                          <a:rPr lang="en-US" i="1">
-                            <a:latin typeface="Cambria Math" panose="02040503050406030204" pitchFamily="18" charset="0"/>
-                          </a:rPr>
-                          <m:t>𝑥</m:t>
-                        </m:r>
-                      </m:e>
-                      <m:sub>
-                        <m:r>
-                          <a:rPr lang="en-US" i="1">
-                            <a:latin typeface="Cambria Math" panose="02040503050406030204" pitchFamily="18" charset="0"/>
-                          </a:rPr>
-                          <m:t>𝑖</m:t>
-                        </m:r>
-                      </m:sub>
-                    </m:sSub>
-                  </m:oMath>
-                </a14:m>
                 <a:r>
                   <a:rPr lang="en-US" i="1" baseline="-25000" dirty="0"/>
-                  <a:t> </a:t>
+                  <a:t>i </a:t>
                 </a:r>
                 <a:r>
                   <a:rPr lang="ru-RU" i="1" dirty="0"/>
@@ -19714,28 +19760,16 @@
                   <a:t>, если </a:t>
                 </a:r>
                 <a:r>
-                  <a:rPr lang="en-US" i="1" dirty="0"/>
+                  <a:rPr lang="en-US" i="1" dirty="0" err="1"/>
                   <a:t>i</a:t>
                 </a:r>
                 <a:r>
-                  <a:rPr lang="en-US" i="1" dirty="0" smtClean="0"/>
-                  <a:t> </a:t>
-                </a:r>
-                <a:r>
-                  <a:rPr lang="ru-RU" i="1" dirty="0" smtClean="0"/>
+                  <a:rPr lang="ru-RU" i="1" dirty="0"/>
                   <a:t>-</a:t>
                 </a:r>
                 <a:r>
-                  <a:rPr lang="en-US" i="1" dirty="0" smtClean="0"/>
-                  <a:t> </a:t>
-                </a:r>
-                <a:r>
-                  <a:rPr lang="ru-RU" dirty="0" smtClean="0"/>
-                  <a:t>й </a:t>
-                </a:r>
-                <a:r>
                   <a:rPr lang="ru-RU" dirty="0"/>
-                  <a:t>предмет упаковывают в рюкзак, или</a:t>
+                  <a:t>й предмет попадает  в рюкзак, или</a:t>
                 </a:r>
                 <a14:m>
                   <m:oMath xmlns:m="http://schemas.openxmlformats.org/officeDocument/2006/math">
@@ -19784,7 +19818,7 @@
                 </a:r>
                 <a:r>
                   <a:rPr lang="ru-RU" dirty="0"/>
-                  <a:t> в противном случае. Требуется выбрать из заданного множества предметов набор с максимальной суммарной стоимостью </a:t>
+                  <a:t> в противном случае. Требуется выбрать из заданного множества предметов набор с максимальной суммарной ценностью </a:t>
                 </a:r>
                 <a14:m>
                   <m:oMath xmlns:m="http://schemas.openxmlformats.org/officeDocument/2006/math">
@@ -19843,7 +19877,7 @@
                                   <a:rPr lang="en-US" i="1">
                                     <a:latin typeface="Cambria Math" panose="02040503050406030204" pitchFamily="18" charset="0"/>
                                   </a:rPr>
-                                  <m:t>𝑐</m:t>
+                                  <m:t>𝑝</m:t>
                                 </m:r>
                               </m:e>
                               <m:sub>
@@ -19902,7 +19936,13 @@
                           <a:rPr lang="ru-RU" i="1">
                             <a:latin typeface="Cambria Math" panose="02040503050406030204" pitchFamily="18" charset="0"/>
                           </a:rPr>
-                          <m:t>=1</m:t>
+                          <m:t>=</m:t>
+                        </m:r>
+                        <m:r>
+                          <a:rPr lang="ru-RU" i="1" smtClean="0">
+                            <a:latin typeface="Cambria Math" panose="02040503050406030204" pitchFamily="18" charset="0"/>
+                          </a:rPr>
+                          <m:t>1</m:t>
                         </m:r>
                       </m:sub>
                       <m:sup>
@@ -19927,7 +19967,7 @@
                               <a:rPr lang="en-US" i="1">
                                 <a:latin typeface="Cambria Math" panose="02040503050406030204" pitchFamily="18" charset="0"/>
                               </a:rPr>
-                              <m:t>𝑝</m:t>
+                              <m:t>𝑤</m:t>
                             </m:r>
                           </m:e>
                           <m:sub>
@@ -19942,7 +19982,7 @@
                         <m:sSub>
                           <m:sSubPr>
                             <m:ctrlPr>
-                              <a:rPr lang="ru-RU" i="1">
+                              <a:rPr lang="ru-RU" i="1" smtClean="0">
                                 <a:latin typeface="Cambria Math" panose="02040503050406030204" pitchFamily="18" charset="0"/>
                               </a:rPr>
                             </m:ctrlPr>
@@ -19974,13 +20014,7 @@
                           <a:rPr lang="en-US" i="1">
                             <a:latin typeface="Cambria Math" panose="02040503050406030204" pitchFamily="18" charset="0"/>
                           </a:rPr>
-                          <m:t>𝑃</m:t>
-                        </m:r>
-                        <m:r>
-                          <a:rPr lang="en-US" b="0" i="1" smtClean="0">
-                            <a:latin typeface="Cambria Math" panose="02040503050406030204" pitchFamily="18" charset="0"/>
-                          </a:rPr>
-                          <m:t>.</m:t>
+                          <m:t>𝑊</m:t>
                         </m:r>
                       </m:e>
                     </m:nary>
@@ -19990,10 +20024,24 @@
                   <a:rPr lang="en-US" dirty="0"/>
                   <a:t> </a:t>
                 </a:r>
+                <a:r>
+                  <a:rPr lang="ru-RU" dirty="0"/>
+                  <a:t>.</a:t>
+                </a:r>
+                <a14:m>
+                  <m:oMath xmlns:m="http://schemas.openxmlformats.org/officeDocument/2006/math">
+                    <m:r>
+                      <a:rPr lang="ru-RU">
+                        <a:latin typeface="Cambria Math" panose="02040503050406030204" pitchFamily="18" charset="0"/>
+                      </a:rPr>
+                      <m:t> </m:t>
+                    </m:r>
+                  </m:oMath>
+                </a14:m>
                 <a:endParaRPr lang="ru-RU" dirty="0"/>
               </a:p>
               <a:p>
-                <a:pPr marL="0" indent="0" algn="ctr">
+                <a:pPr marL="0" indent="0" algn="just">
                   <a:buNone/>
                 </a:pPr>
                 <a14:m>
@@ -20024,118 +20072,6 @@
                               <a:latin typeface="Cambria Math" panose="02040503050406030204" pitchFamily="18" charset="0"/>
                             </a:rPr>
                             <m:t>=1</m:t>
-                          </m:r>
-                        </m:sub>
-                        <m:sup>
-                          <m:r>
-                            <a:rPr lang="en-US" i="1">
-                              <a:latin typeface="Cambria Math" panose="02040503050406030204" pitchFamily="18" charset="0"/>
-                            </a:rPr>
-                            <m:t>𝑛</m:t>
-                          </m:r>
-                        </m:sup>
-                        <m:e>
-                          <m:sSub>
-                            <m:sSubPr>
-                              <m:ctrlPr>
-                                <a:rPr lang="ru-RU" i="1">
-                                  <a:latin typeface="Cambria Math" panose="02040503050406030204" pitchFamily="18" charset="0"/>
-                                </a:rPr>
-                              </m:ctrlPr>
-                            </m:sSubPr>
-                            <m:e>
-                              <m:r>
-                                <a:rPr lang="en-US" i="1">
-                                  <a:latin typeface="Cambria Math" panose="02040503050406030204" pitchFamily="18" charset="0"/>
-                                </a:rPr>
-                                <m:t>𝑐</m:t>
-                              </m:r>
-                            </m:e>
-                            <m:sub>
-                              <m:r>
-                                <a:rPr lang="en-US" i="1">
-                                  <a:latin typeface="Cambria Math" panose="02040503050406030204" pitchFamily="18" charset="0"/>
-                                </a:rPr>
-                                <m:t>𝑖</m:t>
-                              </m:r>
-                            </m:sub>
-                          </m:sSub>
-                          <m:sSub>
-                            <m:sSubPr>
-                              <m:ctrlPr>
-                                <a:rPr lang="ru-RU" i="1">
-                                  <a:latin typeface="Cambria Math" panose="02040503050406030204" pitchFamily="18" charset="0"/>
-                                </a:rPr>
-                              </m:ctrlPr>
-                            </m:sSubPr>
-                            <m:e>
-                              <m:r>
-                                <a:rPr lang="en-US" i="1">
-                                  <a:latin typeface="Cambria Math" panose="02040503050406030204" pitchFamily="18" charset="0"/>
-                                </a:rPr>
-                                <m:t>𝑥</m:t>
-                              </m:r>
-                            </m:e>
-                            <m:sub>
-                              <m:r>
-                                <a:rPr lang="en-US" i="1">
-                                  <a:latin typeface="Cambria Math" panose="02040503050406030204" pitchFamily="18" charset="0"/>
-                                </a:rPr>
-                                <m:t>𝑖</m:t>
-                              </m:r>
-                            </m:sub>
-                          </m:sSub>
-                          <m:r>
-                            <a:rPr lang="en-US" i="1">
-                              <a:latin typeface="Cambria Math" panose="02040503050406030204" pitchFamily="18" charset="0"/>
-                            </a:rPr>
-                            <m:t>→</m:t>
-                          </m:r>
-                          <m:r>
-                            <a:rPr lang="en-US" i="1">
-                              <a:latin typeface="Cambria Math" panose="02040503050406030204" pitchFamily="18" charset="0"/>
-                            </a:rPr>
-                            <m:t>𝑚𝑎𝑥</m:t>
-                          </m:r>
-                        </m:e>
-                      </m:nary>
-                    </m:oMath>
-                  </m:oMathPara>
-                </a14:m>
-                <a:endParaRPr lang="ru-RU" dirty="0"/>
-              </a:p>
-              <a:p>
-                <a:pPr marL="0" indent="0" algn="ctr">
-                  <a:buNone/>
-                </a:pPr>
-                <a14:m>
-                  <m:oMathPara xmlns:m="http://schemas.openxmlformats.org/officeDocument/2006/math">
-                    <m:oMathParaPr>
-                      <m:jc m:val="centerGroup"/>
-                    </m:oMathParaPr>
-                    <m:oMath xmlns:m="http://schemas.openxmlformats.org/officeDocument/2006/math">
-                      <m:nary>
-                        <m:naryPr>
-                          <m:chr m:val="∑"/>
-                          <m:limLoc m:val="undOvr"/>
-                          <m:ctrlPr>
-                            <a:rPr lang="ru-RU" i="1">
-                              <a:latin typeface="Cambria Math" panose="02040503050406030204" pitchFamily="18" charset="0"/>
-                            </a:rPr>
-                          </m:ctrlPr>
-                        </m:naryPr>
-                        <m:sub>
-                          <m:r>
-                            <a:rPr lang="en-US" i="1">
-                              <a:latin typeface="Cambria Math" panose="02040503050406030204" pitchFamily="18" charset="0"/>
-                            </a:rPr>
-                            <m:t>𝑖</m:t>
-                          </m:r>
-                          <m:r>
-                            <a:rPr lang="en-US" i="1">
-                              <a:latin typeface="Cambria Math" panose="02040503050406030204" pitchFamily="18" charset="0"/>
-                            </a:rPr>
-                            <m:t>=1 </m:t>
                           </m:r>
                         </m:sub>
                         <m:sup>
@@ -20201,23 +20137,204 @@
                             <a:rPr lang="en-US" i="1">
                               <a:latin typeface="Cambria Math" panose="02040503050406030204" pitchFamily="18" charset="0"/>
                             </a:rPr>
+                            <m:t>→</m:t>
+                          </m:r>
+                          <m:r>
+                            <a:rPr lang="en-US" i="1">
+                              <a:latin typeface="Cambria Math" panose="02040503050406030204" pitchFamily="18" charset="0"/>
+                            </a:rPr>
+                            <m:t>𝑚𝑎𝑥</m:t>
+                          </m:r>
+                        </m:e>
+                      </m:nary>
+                    </m:oMath>
+                  </m:oMathPara>
+                </a14:m>
+                <a:endParaRPr lang="ru-RU" dirty="0"/>
+              </a:p>
+              <a:p>
+                <a:pPr marL="0" indent="0" algn="just">
+                  <a:buNone/>
+                </a:pPr>
+                <a14:m>
+                  <m:oMathPara xmlns:m="http://schemas.openxmlformats.org/officeDocument/2006/math">
+                    <m:oMathParaPr>
+                      <m:jc m:val="centerGroup"/>
+                    </m:oMathParaPr>
+                    <m:oMath xmlns:m="http://schemas.openxmlformats.org/officeDocument/2006/math">
+                      <m:nary>
+                        <m:naryPr>
+                          <m:chr m:val="∑"/>
+                          <m:limLoc m:val="undOvr"/>
+                          <m:ctrlPr>
+                            <a:rPr lang="ru-RU" i="1">
+                              <a:latin typeface="Cambria Math" panose="02040503050406030204" pitchFamily="18" charset="0"/>
+                            </a:rPr>
+                          </m:ctrlPr>
+                        </m:naryPr>
+                        <m:sub>
+                          <m:r>
+                            <a:rPr lang="en-US" i="1">
+                              <a:latin typeface="Cambria Math" panose="02040503050406030204" pitchFamily="18" charset="0"/>
+                            </a:rPr>
+                            <m:t>𝑖</m:t>
+                          </m:r>
+                          <m:r>
+                            <a:rPr lang="en-US" i="1">
+                              <a:latin typeface="Cambria Math" panose="02040503050406030204" pitchFamily="18" charset="0"/>
+                            </a:rPr>
+                            <m:t>=1 </m:t>
+                          </m:r>
+                        </m:sub>
+                        <m:sup>
+                          <m:r>
+                            <a:rPr lang="en-US" i="1">
+                              <a:latin typeface="Cambria Math" panose="02040503050406030204" pitchFamily="18" charset="0"/>
+                            </a:rPr>
+                            <m:t>𝑛</m:t>
+                          </m:r>
+                        </m:sup>
+                        <m:e>
+                          <m:sSub>
+                            <m:sSubPr>
+                              <m:ctrlPr>
+                                <a:rPr lang="ru-RU" i="1">
+                                  <a:latin typeface="Cambria Math" panose="02040503050406030204" pitchFamily="18" charset="0"/>
+                                </a:rPr>
+                              </m:ctrlPr>
+                            </m:sSubPr>
+                            <m:e>
+                              <m:r>
+                                <a:rPr lang="en-US" i="1">
+                                  <a:latin typeface="Cambria Math" panose="02040503050406030204" pitchFamily="18" charset="0"/>
+                                </a:rPr>
+                                <m:t>𝑤</m:t>
+                              </m:r>
+                            </m:e>
+                            <m:sub>
+                              <m:r>
+                                <a:rPr lang="en-US" i="1">
+                                  <a:latin typeface="Cambria Math" panose="02040503050406030204" pitchFamily="18" charset="0"/>
+                                </a:rPr>
+                                <m:t>𝑖</m:t>
+                              </m:r>
+                            </m:sub>
+                          </m:sSub>
+                          <m:sSub>
+                            <m:sSubPr>
+                              <m:ctrlPr>
+                                <a:rPr lang="ru-RU" i="1">
+                                  <a:latin typeface="Cambria Math" panose="02040503050406030204" pitchFamily="18" charset="0"/>
+                                </a:rPr>
+                              </m:ctrlPr>
+                            </m:sSubPr>
+                            <m:e>
+                              <m:r>
+                                <a:rPr lang="en-US" i="1">
+                                  <a:latin typeface="Cambria Math" panose="02040503050406030204" pitchFamily="18" charset="0"/>
+                                </a:rPr>
+                                <m:t>𝑥</m:t>
+                              </m:r>
+                            </m:e>
+                            <m:sub>
+                              <m:r>
+                                <a:rPr lang="en-US" i="1">
+                                  <a:latin typeface="Cambria Math" panose="02040503050406030204" pitchFamily="18" charset="0"/>
+                                </a:rPr>
+                                <m:t>𝑖</m:t>
+                              </m:r>
+                            </m:sub>
+                          </m:sSub>
+                          <m:r>
+                            <a:rPr lang="en-US" i="1">
+                              <a:latin typeface="Cambria Math" panose="02040503050406030204" pitchFamily="18" charset="0"/>
+                            </a:rPr>
                             <m:t>≤ </m:t>
                           </m:r>
                           <m:r>
                             <a:rPr lang="en-US" i="1">
                               <a:latin typeface="Cambria Math" panose="02040503050406030204" pitchFamily="18" charset="0"/>
                             </a:rPr>
-                            <m:t>𝑃</m:t>
+                            <m:t>𝑊</m:t>
                           </m:r>
                         </m:e>
                       </m:nary>
                     </m:oMath>
                   </m:oMathPara>
                 </a14:m>
-                <a:endParaRPr lang="ru-RU" i="1" dirty="0" smtClean="0"/>
+                <a:endParaRPr lang="en-US" dirty="0" smtClean="0"/>
               </a:p>
               <a:p>
-                <a:pPr marL="0" indent="0" algn="ctr">
+                <a:pPr marL="0" indent="0" algn="just">
+                  <a:buNone/>
+                </a:pPr>
+                <a14:m>
+                  <m:oMathPara xmlns:m="http://schemas.openxmlformats.org/officeDocument/2006/math">
+                    <m:oMathParaPr>
+                      <m:jc m:val="centerGroup"/>
+                    </m:oMathParaPr>
+                    <m:oMath xmlns:m="http://schemas.openxmlformats.org/officeDocument/2006/math">
+                      <m:nary>
+                        <m:naryPr>
+                          <m:chr m:val="∑"/>
+                          <m:limLoc m:val="undOvr"/>
+                          <m:ctrlPr>
+                            <a:rPr lang="ru-RU" i="1"/>
+                          </m:ctrlPr>
+                        </m:naryPr>
+                        <m:sub>
+                          <m:r>
+                            <a:rPr lang="en-US" i="1"/>
+                            <m:t>𝑖</m:t>
+                          </m:r>
+                          <m:r>
+                            <a:rPr lang="en-US" i="1"/>
+                            <m:t>=1 </m:t>
+                          </m:r>
+                        </m:sub>
+                        <m:sup>
+                          <m:r>
+                            <a:rPr lang="en-US" i="1"/>
+                            <m:t>𝑛</m:t>
+                          </m:r>
+                        </m:sup>
+                        <m:e>
+                          <m:sSub>
+                            <m:sSubPr>
+                              <m:ctrlPr>
+                                <a:rPr lang="ru-RU" i="1"/>
+                              </m:ctrlPr>
+                            </m:sSubPr>
+                            <m:e>
+                              <m:r>
+                                <a:rPr lang="en-US" i="1"/>
+                                <m:t>𝑤</m:t>
+                              </m:r>
+                            </m:e>
+                            <m:sub>
+                              <m:r>
+                                <a:rPr lang="en-US" i="1"/>
+                                <m:t>𝑖</m:t>
+                              </m:r>
+                            </m:sub>
+                          </m:sSub>
+                          <m:r>
+                            <a:rPr lang="en-US" i="1"/>
+                            <m:t>&gt; </m:t>
+                          </m:r>
+                          <m:r>
+                            <a:rPr lang="en-US" i="1"/>
+                            <m:t>𝑊</m:t>
+                          </m:r>
+                        </m:e>
+                      </m:nary>
+                    </m:oMath>
+                  </m:oMathPara>
+                </a14:m>
+                <a:endParaRPr lang="ru-RU" dirty="0"/>
+              </a:p>
+              <a:p>
+                <a:pPr marL="0" indent="0" algn="just">
                   <a:buNone/>
                 </a:pPr>
                 <a14:m>
@@ -20284,10 +20401,10 @@
                     </m:oMath>
                   </m:oMathPara>
                 </a14:m>
-                <a:endParaRPr lang="en-US" dirty="0"/>
+                <a:endParaRPr lang="ru-RU" dirty="0"/>
               </a:p>
               <a:p>
-                <a:pPr marL="0" indent="0" algn="ctr">
+                <a:pPr marL="0" indent="0" algn="just">
                   <a:buNone/>
                 </a:pPr>
                 <a14:m>
@@ -20296,37 +20413,6 @@
                       <m:jc m:val="centerGroup"/>
                     </m:oMathParaPr>
                     <m:oMath xmlns:m="http://schemas.openxmlformats.org/officeDocument/2006/math">
-                      <m:sSub>
-                        <m:sSubPr>
-                          <m:ctrlPr>
-                            <a:rPr lang="ru-RU" i="1" smtClean="0">
-                              <a:latin typeface="Cambria Math" panose="02040503050406030204" pitchFamily="18" charset="0"/>
-                            </a:rPr>
-                          </m:ctrlPr>
-                        </m:sSubPr>
-                        <m:e>
-                          <m:r>
-                            <a:rPr lang="en-US" i="1">
-                              <a:latin typeface="Cambria Math" panose="02040503050406030204" pitchFamily="18" charset="0"/>
-                            </a:rPr>
-                            <m:t>𝑐</m:t>
-                          </m:r>
-                        </m:e>
-                        <m:sub>
-                          <m:r>
-                            <a:rPr lang="en-US" i="1">
-                              <a:latin typeface="Cambria Math" panose="02040503050406030204" pitchFamily="18" charset="0"/>
-                            </a:rPr>
-                            <m:t>𝑖</m:t>
-                          </m:r>
-                        </m:sub>
-                      </m:sSub>
-                      <m:r>
-                        <a:rPr lang="ru-RU" i="1">
-                          <a:latin typeface="Cambria Math" panose="02040503050406030204" pitchFamily="18" charset="0"/>
-                        </a:rPr>
-                        <m:t>&gt;0, 0&lt;</m:t>
-                      </m:r>
                       <m:sSub>
                         <m:sSubPr>
                           <m:ctrlPr>
@@ -20356,13 +20442,44 @@
                         <a:rPr lang="ru-RU" i="1">
                           <a:latin typeface="Cambria Math" panose="02040503050406030204" pitchFamily="18" charset="0"/>
                         </a:rPr>
+                        <m:t>&gt;0, 0&lt;</m:t>
+                      </m:r>
+                      <m:sSub>
+                        <m:sSubPr>
+                          <m:ctrlPr>
+                            <a:rPr lang="ru-RU" i="1">
+                              <a:latin typeface="Cambria Math" panose="02040503050406030204" pitchFamily="18" charset="0"/>
+                            </a:rPr>
+                          </m:ctrlPr>
+                        </m:sSubPr>
+                        <m:e>
+                          <m:r>
+                            <a:rPr lang="en-US" i="1">
+                              <a:latin typeface="Cambria Math" panose="02040503050406030204" pitchFamily="18" charset="0"/>
+                            </a:rPr>
+                            <m:t>𝑤</m:t>
+                          </m:r>
+                        </m:e>
+                        <m:sub>
+                          <m:r>
+                            <a:rPr lang="en-US" i="1">
+                              <a:latin typeface="Cambria Math" panose="02040503050406030204" pitchFamily="18" charset="0"/>
+                            </a:rPr>
+                            <m:t>𝑖</m:t>
+                          </m:r>
+                        </m:sub>
+                      </m:sSub>
+                      <m:r>
+                        <a:rPr lang="ru-RU" i="1">
+                          <a:latin typeface="Cambria Math" panose="02040503050406030204" pitchFamily="18" charset="0"/>
+                        </a:rPr>
                         <m:t>≤</m:t>
                       </m:r>
                       <m:r>
                         <a:rPr lang="en-US" i="1">
                           <a:latin typeface="Cambria Math" panose="02040503050406030204" pitchFamily="18" charset="0"/>
                         </a:rPr>
-                        <m:t>𝑃</m:t>
+                        <m:t>𝑊</m:t>
                       </m:r>
                       <m:r>
                         <a:rPr lang="ru-RU" i="1">
@@ -20387,6 +20504,12 @@
                           <a:latin typeface="Cambria Math" panose="02040503050406030204" pitchFamily="18" charset="0"/>
                         </a:rPr>
                         <m:t>𝑛</m:t>
+                      </m:r>
+                      <m:r>
+                        <a:rPr lang="ru-RU" i="1">
+                          <a:latin typeface="Cambria Math" panose="02040503050406030204" pitchFamily="18" charset="0"/>
+                        </a:rPr>
+                        <m:t> </m:t>
                       </m:r>
                     </m:oMath>
                   </m:oMathPara>
@@ -20396,7 +20519,7 @@
             </p:txBody>
           </p:sp>
         </mc:Choice>
-        <mc:Fallback xmlns="">
+        <mc:Fallback>
           <p:sp>
             <p:nvSpPr>
               <p:cNvPr id="3" name="Content Placeholder 2"/>
@@ -20409,13 +20532,13 @@
             </p:nvSpPr>
             <p:spPr>
               <a:xfrm>
-                <a:off x="1785257" y="1796143"/>
-                <a:ext cx="9719355" cy="4942113"/>
+                <a:off x="1685925" y="1695938"/>
+                <a:ext cx="9818687" cy="5699544"/>
               </a:xfrm>
               <a:blipFill rotWithShape="0">
                 <a:blip r:embed="rId2"/>
                 <a:stretch>
-                  <a:fillRect l="-439" t="-741" r="-502"/>
+                  <a:fillRect l="-559" t="-535" r="-497"/>
                 </a:stretch>
               </a:blipFill>
             </p:spPr>
@@ -20645,11 +20768,17 @@
             <p:ph type="title"/>
           </p:nvPr>
         </p:nvSpPr>
-        <p:spPr/>
+        <p:spPr>
+          <a:xfrm>
+            <a:off x="1719943" y="624110"/>
+            <a:ext cx="9784669" cy="1280890"/>
+          </a:xfrm>
+        </p:spPr>
         <p:txBody>
           <a:bodyPr/>
           <a:lstStyle/>
           <a:p>
+            <a:pPr algn="ctr"/>
             <a:r>
               <a:rPr lang="ru-RU" dirty="0" smtClean="0"/>
               <a:t>Предлагаемый метод решения - ГА</a:t>
@@ -20728,16 +20857,16 @@
               <a:buAutoNum type="arabicPeriod"/>
             </a:pPr>
             <a:r>
+              <a:rPr lang="ru-RU" dirty="0" smtClean="0"/>
+              <a:t>Независимость </a:t>
+            </a:r>
+            <a:r>
               <a:rPr lang="ru-RU" dirty="0"/>
-              <a:t>Может </a:t>
+              <a:t>от класса  исходной </a:t>
             </a:r>
             <a:r>
               <a:rPr lang="ru-RU" dirty="0" smtClean="0"/>
-              <a:t>работать с большими значениями</a:t>
-            </a:r>
-            <a:r>
-              <a:rPr lang="ru-RU" dirty="0"/>
-              <a:t>.</a:t>
+              <a:t>задачи.</a:t>
             </a:r>
           </a:p>
           <a:p>
@@ -20746,26 +20875,8 @@
               <a:buAutoNum type="arabicPeriod"/>
             </a:pPr>
             <a:r>
-              <a:rPr lang="ru-RU" dirty="0" smtClean="0"/>
-              <a:t>Независимость </a:t>
-            </a:r>
-            <a:r>
-              <a:rPr lang="ru-RU" dirty="0"/>
-              <a:t>от вида </a:t>
-            </a:r>
-            <a:r>
-              <a:rPr lang="ru-RU" dirty="0" smtClean="0"/>
-              <a:t>исходных данных.</a:t>
-            </a:r>
-          </a:p>
-          <a:p>
-            <a:r>
-              <a:rPr lang="ru-RU" b="1" dirty="0"/>
-              <a:t> </a:t>
-            </a:r>
-            <a:r>
               <a:rPr lang="ru-RU" b="1" dirty="0" smtClean="0"/>
-              <a:t>Минусы:</a:t>
+              <a:t> Минусы:</a:t>
             </a:r>
           </a:p>
           <a:p>
@@ -22121,8 +22232,8 @@
         </p:nvSpPr>
         <p:spPr>
           <a:xfrm>
-            <a:off x="1959429" y="624110"/>
-            <a:ext cx="9545183" cy="1280890"/>
+            <a:off x="1471613" y="624110"/>
+            <a:ext cx="10032999" cy="1280890"/>
           </a:xfrm>
         </p:spPr>
         <p:txBody>
@@ -22152,13 +22263,13 @@
             </p:nvSpPr>
             <p:spPr>
               <a:xfrm>
-                <a:off x="1959429" y="1621971"/>
-                <a:ext cx="10014857" cy="4289251"/>
+                <a:off x="1471613" y="1621971"/>
+                <a:ext cx="10144125" cy="4764542"/>
               </a:xfrm>
             </p:spPr>
             <p:txBody>
               <a:bodyPr>
-                <a:normAutofit fontScale="92500"/>
+                <a:normAutofit/>
               </a:bodyPr>
               <a:lstStyle/>
               <a:p>
@@ -22166,29 +22277,46 @@
                   <a:buNone/>
                 </a:pPr>
                 <a:r>
+                  <a:rPr lang="ru-RU" dirty="0" smtClean="0"/>
+                  <a:t>Мною было </a:t>
+                </a:r>
+                <a:r>
                   <a:rPr lang="ru-RU" dirty="0"/>
-                  <a:t>Что бы проанализировать программно реализованный эволюционный генетический алгоритм и сделать вывод, с какими </a:t>
+                  <a:t>замоделировано поведение эволюционного генетического алгоритма при помощи программной реализации. Для  подбора параметров ГА, </a:t>
                 </a:r>
                 <a:r>
                   <a:rPr lang="ru-RU" dirty="0" smtClean="0"/>
-                  <a:t>комбинациями параметров </a:t>
+                  <a:t>влияющих </a:t>
                 </a:r>
                 <a:r>
                   <a:rPr lang="ru-RU" dirty="0"/>
-                  <a:t>программа работает эффективнее, мною был написан алгоритм проведения «исследования ЭГА</a:t>
+                  <a:t>на наиболее эффективный поиск оптимального решения </a:t>
                 </a:r>
                 <a:r>
                   <a:rPr lang="ru-RU" dirty="0" smtClean="0"/>
-                  <a:t>».</a:t>
+                  <a:t>был </a:t>
                 </a:r>
+                <a:r>
+                  <a:rPr lang="ru-RU" dirty="0"/>
+                  <a:t>реализован алгоритм проведения «исследования </a:t>
+                </a:r>
+                <a:r>
+                  <a:rPr lang="ru-RU" dirty="0" smtClean="0"/>
+                  <a:t>ГА».</a:t>
+                </a:r>
+                <a:endParaRPr lang="ru-RU" dirty="0"/>
               </a:p>
               <a:p>
                 <a:pPr marL="0" indent="0">
                   <a:buNone/>
                 </a:pPr>
                 <a:r>
+                  <a:rPr lang="ru-RU" dirty="0" smtClean="0"/>
+                  <a:t>Для </a:t>
+                </a:r>
+                <a:r>
                   <a:rPr lang="ru-RU" dirty="0"/>
-                  <a:t>Для проведения исследования задаются </a:t>
+                  <a:t>проведения исследования задаются </a:t>
                 </a:r>
                 <a:r>
                   <a:rPr lang="ru-RU" dirty="0" smtClean="0"/>
@@ -22304,13 +22432,13 @@
             </p:nvSpPr>
             <p:spPr>
               <a:xfrm>
-                <a:off x="1959429" y="1621971"/>
-                <a:ext cx="10014857" cy="4289251"/>
+                <a:off x="1471613" y="1621971"/>
+                <a:ext cx="10144125" cy="4764542"/>
               </a:xfrm>
               <a:blipFill rotWithShape="0">
                 <a:blip r:embed="rId2"/>
                 <a:stretch>
-                  <a:fillRect l="-365" t="-284" r="-426" b="-426"/>
+                  <a:fillRect l="-481" t="-639" r="-841" b="-512"/>
                 </a:stretch>
               </a:blipFill>
             </p:spPr>

--- a/diploma.pptx
+++ b/diploma.pptx
@@ -18062,7 +18062,19 @@
             </a:r>
             <a:r>
               <a:rPr lang="ru-RU" dirty="0"/>
-              <a:t> состоит в том, что подобраные эффективные наборы параметров генетического алгоритма для задачи формирования инвестиционного портфеля ускорят процесс и  дадут наиболее точное решение для нахождения максимальной выгодности акций по ограниченной цене.</a:t>
+              <a:t> состоит в том, что подобраные эффективные наборы параметров генетического алгоритма для задачи формирования инвестиционного портфеля ускорят процесс и  дадут наиболее точное решение для </a:t>
+            </a:r>
+            <a:r>
+              <a:rPr lang="ru-RU" dirty="0" smtClean="0"/>
+              <a:t>выбора наиболее выгодных акций</a:t>
+            </a:r>
+            <a:r>
+              <a:rPr lang="ru-RU" dirty="0" smtClean="0"/>
+              <a:t> </a:t>
+            </a:r>
+            <a:r>
+              <a:rPr lang="ru-RU" dirty="0"/>
+              <a:t>по ограниченной цене.</a:t>
             </a:r>
           </a:p>
           <a:p>
@@ -20262,75 +20274,6 @@
                     </m:oMath>
                   </m:oMathPara>
                 </a14:m>
-                <a:endParaRPr lang="en-US" dirty="0" smtClean="0"/>
-              </a:p>
-              <a:p>
-                <a:pPr marL="0" indent="0" algn="just">
-                  <a:buNone/>
-                </a:pPr>
-                <a14:m>
-                  <m:oMathPara xmlns:m="http://schemas.openxmlformats.org/officeDocument/2006/math">
-                    <m:oMathParaPr>
-                      <m:jc m:val="centerGroup"/>
-                    </m:oMathParaPr>
-                    <m:oMath xmlns:m="http://schemas.openxmlformats.org/officeDocument/2006/math">
-                      <m:nary>
-                        <m:naryPr>
-                          <m:chr m:val="∑"/>
-                          <m:limLoc m:val="undOvr"/>
-                          <m:ctrlPr>
-                            <a:rPr lang="ru-RU" i="1"/>
-                          </m:ctrlPr>
-                        </m:naryPr>
-                        <m:sub>
-                          <m:r>
-                            <a:rPr lang="en-US" i="1"/>
-                            <m:t>𝑖</m:t>
-                          </m:r>
-                          <m:r>
-                            <a:rPr lang="en-US" i="1"/>
-                            <m:t>=1 </m:t>
-                          </m:r>
-                        </m:sub>
-                        <m:sup>
-                          <m:r>
-                            <a:rPr lang="en-US" i="1"/>
-                            <m:t>𝑛</m:t>
-                          </m:r>
-                        </m:sup>
-                        <m:e>
-                          <m:sSub>
-                            <m:sSubPr>
-                              <m:ctrlPr>
-                                <a:rPr lang="ru-RU" i="1"/>
-                              </m:ctrlPr>
-                            </m:sSubPr>
-                            <m:e>
-                              <m:r>
-                                <a:rPr lang="en-US" i="1"/>
-                                <m:t>𝑤</m:t>
-                              </m:r>
-                            </m:e>
-                            <m:sub>
-                              <m:r>
-                                <a:rPr lang="en-US" i="1"/>
-                                <m:t>𝑖</m:t>
-                              </m:r>
-                            </m:sub>
-                          </m:sSub>
-                          <m:r>
-                            <a:rPr lang="en-US" i="1"/>
-                            <m:t>&gt; </m:t>
-                          </m:r>
-                          <m:r>
-                            <a:rPr lang="en-US" i="1"/>
-                            <m:t>𝑊</m:t>
-                          </m:r>
-                        </m:e>
-                      </m:nary>
-                    </m:oMath>
-                  </m:oMathPara>
-                </a14:m>
                 <a:endParaRPr lang="ru-RU" dirty="0"/>
               </a:p>
               <a:p>
@@ -20416,7 +20359,7 @@
                       <m:sSub>
                         <m:sSubPr>
                           <m:ctrlPr>
-                            <a:rPr lang="ru-RU" i="1">
+                            <a:rPr lang="ru-RU" i="1" smtClean="0">
                               <a:latin typeface="Cambria Math" panose="02040503050406030204" pitchFamily="18" charset="0"/>
                             </a:rPr>
                           </m:ctrlPr>
@@ -20511,6 +20454,93 @@
                         </a:rPr>
                         <m:t> </m:t>
                       </m:r>
+                    </m:oMath>
+                  </m:oMathPara>
+                </a14:m>
+                <a:endParaRPr lang="ru-RU" dirty="0" smtClean="0"/>
+              </a:p>
+              <a:p>
+                <a:pPr marL="0" indent="0" algn="just">
+                  <a:buNone/>
+                </a:pPr>
+                <a14:m>
+                  <m:oMathPara xmlns:m="http://schemas.openxmlformats.org/officeDocument/2006/math">
+                    <m:oMathParaPr>
+                      <m:jc m:val="centerGroup"/>
+                    </m:oMathParaPr>
+                    <m:oMath xmlns:m="http://schemas.openxmlformats.org/officeDocument/2006/math">
+                      <m:nary>
+                        <m:naryPr>
+                          <m:chr m:val="∑"/>
+                          <m:limLoc m:val="undOvr"/>
+                          <m:ctrlPr>
+                            <a:rPr lang="ru-RU" i="1">
+                              <a:latin typeface="Cambria Math" panose="02040503050406030204" pitchFamily="18" charset="0"/>
+                            </a:rPr>
+                          </m:ctrlPr>
+                        </m:naryPr>
+                        <m:sub>
+                          <m:r>
+                            <a:rPr lang="en-US" i="1">
+                              <a:latin typeface="Cambria Math" panose="02040503050406030204" pitchFamily="18" charset="0"/>
+                            </a:rPr>
+                            <m:t>𝑖</m:t>
+                          </m:r>
+                          <m:r>
+                            <a:rPr lang="en-US" i="1">
+                              <a:latin typeface="Cambria Math" panose="02040503050406030204" pitchFamily="18" charset="0"/>
+                            </a:rPr>
+                            <m:t>=1 </m:t>
+                          </m:r>
+                        </m:sub>
+                        <m:sup>
+                          <m:r>
+                            <a:rPr lang="en-US" i="1">
+                              <a:latin typeface="Cambria Math" panose="02040503050406030204" pitchFamily="18" charset="0"/>
+                            </a:rPr>
+                            <m:t>𝑛</m:t>
+                          </m:r>
+                        </m:sup>
+                        <m:e>
+                          <m:sSub>
+                            <m:sSubPr>
+                              <m:ctrlPr>
+                                <a:rPr lang="ru-RU" i="1">
+                                  <a:latin typeface="Cambria Math" panose="02040503050406030204" pitchFamily="18" charset="0"/>
+                                </a:rPr>
+                              </m:ctrlPr>
+                            </m:sSubPr>
+                            <m:e>
+                              <m:r>
+                                <a:rPr lang="en-US" i="1">
+                                  <a:latin typeface="Cambria Math" panose="02040503050406030204" pitchFamily="18" charset="0"/>
+                                </a:rPr>
+                                <m:t>𝑤</m:t>
+                              </m:r>
+                            </m:e>
+                            <m:sub>
+                              <m:r>
+                                <a:rPr lang="en-US" i="1">
+                                  <a:latin typeface="Cambria Math" panose="02040503050406030204" pitchFamily="18" charset="0"/>
+                                </a:rPr>
+                                <m:t>𝑖</m:t>
+                              </m:r>
+                            </m:sub>
+                          </m:sSub>
+                          <m:r>
+                            <a:rPr lang="en-US" i="1">
+                              <a:latin typeface="Cambria Math" panose="02040503050406030204" pitchFamily="18" charset="0"/>
+                            </a:rPr>
+                            <m:t>&gt; </m:t>
+                          </m:r>
+                          <m:r>
+                            <a:rPr lang="en-US" i="1">
+                              <a:latin typeface="Cambria Math" panose="02040503050406030204" pitchFamily="18" charset="0"/>
+                            </a:rPr>
+                            <m:t>𝑊</m:t>
+                          </m:r>
+                        </m:e>
+                      </m:nary>
                     </m:oMath>
                   </m:oMathPara>
                 </a14:m>

--- a/diploma.pptx
+++ b/diploma.pptx
@@ -18066,11 +18066,15 @@
             </a:r>
             <a:r>
               <a:rPr lang="ru-RU" dirty="0" smtClean="0"/>
-              <a:t>выбора наиболее выгодных акций</a:t>
+              <a:t>выбора </a:t>
             </a:r>
             <a:r>
               <a:rPr lang="ru-RU" dirty="0" smtClean="0"/>
-              <a:t> </a:t>
+              <a:t>самых выгодных </a:t>
+            </a:r>
+            <a:r>
+              <a:rPr lang="ru-RU" dirty="0" smtClean="0"/>
+              <a:t>акций </a:t>
             </a:r>
             <a:r>
               <a:rPr lang="ru-RU" dirty="0"/>
@@ -19545,8 +19549,8 @@
           </a:p>
         </p:txBody>
       </p:sp>
-      <mc:AlternateContent xmlns:mc="http://schemas.openxmlformats.org/markup-compatibility/2006">
-        <mc:Choice xmlns:a14="http://schemas.microsoft.com/office/drawing/2010/main" Requires="a14">
+      <mc:AlternateContent xmlns:mc="http://schemas.openxmlformats.org/markup-compatibility/2006" xmlns:a14="http://schemas.microsoft.com/office/drawing/2010/main">
+        <mc:Choice Requires="a14">
           <p:sp>
             <p:nvSpPr>
               <p:cNvPr id="3" name="Content Placeholder 2"/>
@@ -20549,7 +20553,7 @@
             </p:txBody>
           </p:sp>
         </mc:Choice>
-        <mc:Fallback>
+        <mc:Fallback xmlns="">
           <p:sp>
             <p:nvSpPr>
               <p:cNvPr id="3" name="Content Placeholder 2"/>
@@ -20916,7 +20920,19 @@
             </a:pPr>
             <a:r>
               <a:rPr lang="ru-RU" dirty="0"/>
-              <a:t>Не гарантирует нахождение оптимального решения.</a:t>
+              <a:t>Не гарантирует </a:t>
+            </a:r>
+            <a:r>
+              <a:rPr lang="ru-RU"/>
+              <a:t>нахождение </a:t>
+            </a:r>
+            <a:r>
+              <a:rPr lang="ru-RU" smtClean="0"/>
+              <a:t>точного решения</a:t>
+            </a:r>
+            <a:r>
+              <a:rPr lang="ru-RU" dirty="0"/>
+              <a:t>.</a:t>
             </a:r>
           </a:p>
         </p:txBody>
@@ -21501,8 +21517,8 @@
           </a:p>
         </p:txBody>
       </p:sp>
-      <mc:AlternateContent xmlns:mc="http://schemas.openxmlformats.org/markup-compatibility/2006" xmlns:a14="http://schemas.microsoft.com/office/drawing/2010/main">
-        <mc:Choice Requires="a14">
+      <mc:AlternateContent xmlns:mc="http://schemas.openxmlformats.org/markup-compatibility/2006">
+        <mc:Choice xmlns:a14="http://schemas.microsoft.com/office/drawing/2010/main" Requires="a14">
           <p:sp>
             <p:nvSpPr>
               <p:cNvPr id="3" name="Content Placeholder 2"/>
@@ -21577,11 +21593,19 @@
                 </a:r>
                 <a:r>
                   <a:rPr lang="ru-RU" sz="1600" dirty="0" smtClean="0"/>
-                  <a:t>управлении, возврат </a:t>
+                  <a:t>управлении, когда </a:t>
+                </a:r>
+                <a:r>
+                  <a:rPr lang="ru-RU" sz="1600" dirty="0" smtClean="0"/>
+                  <a:t>возврат </a:t>
+                </a:r>
+                <a:r>
+                  <a:rPr lang="ru-RU" sz="1600" dirty="0" smtClean="0"/>
+                  <a:t>инвестиций пропорционален </a:t>
                 </a:r>
                 <a:r>
                   <a:rPr lang="ru-RU" sz="1600" dirty="0"/>
-                  <a:t>инвестиций, как правило, пропорционален вложенной сумме в некоторых небольших </a:t>
+                  <a:t>вложенной сумме в некоторых небольших </a:t>
                 </a:r>
                 <a:r>
                   <a:rPr lang="ru-RU" sz="1600" dirty="0" smtClean="0"/>
@@ -21600,8 +21624,13 @@
                 </a:r>
                 <a:r>
                   <a:rPr lang="ru-RU" sz="1600" dirty="0"/>
-                  <a:t>(соответствуют реальной ситуации, где возвращается линейная функция от инвестиций).</a:t>
+                  <a:t>(соответствуют реальной ситуации, где возвращается линейная функция от инвестиций</a:t>
                 </a:r>
+                <a:r>
+                  <a:rPr lang="ru-RU" sz="1600" dirty="0" smtClean="0"/>
+                  <a:t>).</a:t>
+                </a:r>
+                <a:endParaRPr lang="ru-RU" sz="1600" dirty="0"/>
               </a:p>
               <a:p>
                 <a:pPr lvl="0" algn="just">
@@ -21879,7 +21908,7 @@
             </p:txBody>
           </p:sp>
         </mc:Choice>
-        <mc:Fallback xmlns="">
+        <mc:Fallback>
           <p:sp>
             <p:nvSpPr>
               <p:cNvPr id="3" name="Content Placeholder 2"/>
